--- a/presentations/2012 Dec Webinar/FHIR Webinar.pptx
+++ b/presentations/2012 Dec Webinar/FHIR Webinar.pptx
@@ -306,9 +306,9 @@
           <a:p>
             <a:fld id="{5D3BBE8D-782C-4EBE-9078-1E1B2F186064}" type="datetimeFigureOut">
               <a:rPr lang="en-AU" smtClean="0"/>
-              <a:t>04/12/2012</a:t>
+              <a:t>4/12/2012</a:t>
             </a:fld>
-            <a:endParaRPr lang="en-AU"/>
+            <a:endParaRPr lang="en-AU" dirty="0"/>
           </a:p>
         </p:txBody>
       </p:sp>
@@ -327,7 +327,7 @@
           <a:bodyPr/>
           <a:lstStyle/>
           <a:p>
-            <a:endParaRPr lang="en-AU"/>
+            <a:endParaRPr lang="en-AU" dirty="0"/>
           </a:p>
         </p:txBody>
       </p:sp>
@@ -350,7 +350,7 @@
               <a:rPr lang="en-AU" smtClean="0"/>
               <a:t>‹#›</a:t>
             </a:fld>
-            <a:endParaRPr lang="en-AU"/>
+            <a:endParaRPr lang="en-AU" dirty="0"/>
           </a:p>
         </p:txBody>
       </p:sp>
@@ -476,9 +476,9 @@
           <a:p>
             <a:fld id="{5D3BBE8D-782C-4EBE-9078-1E1B2F186064}" type="datetimeFigureOut">
               <a:rPr lang="en-AU" smtClean="0"/>
-              <a:t>04/12/2012</a:t>
+              <a:t>4/12/2012</a:t>
             </a:fld>
-            <a:endParaRPr lang="en-AU"/>
+            <a:endParaRPr lang="en-AU" dirty="0"/>
           </a:p>
         </p:txBody>
       </p:sp>
@@ -497,7 +497,7 @@
           <a:bodyPr/>
           <a:lstStyle/>
           <a:p>
-            <a:endParaRPr lang="en-AU"/>
+            <a:endParaRPr lang="en-AU" dirty="0"/>
           </a:p>
         </p:txBody>
       </p:sp>
@@ -520,7 +520,7 @@
               <a:rPr lang="en-AU" smtClean="0"/>
               <a:t>‹#›</a:t>
             </a:fld>
-            <a:endParaRPr lang="en-AU"/>
+            <a:endParaRPr lang="en-AU" dirty="0"/>
           </a:p>
         </p:txBody>
       </p:sp>
@@ -656,9 +656,9 @@
           <a:p>
             <a:fld id="{5D3BBE8D-782C-4EBE-9078-1E1B2F186064}" type="datetimeFigureOut">
               <a:rPr lang="en-AU" smtClean="0"/>
-              <a:t>04/12/2012</a:t>
+              <a:t>4/12/2012</a:t>
             </a:fld>
-            <a:endParaRPr lang="en-AU"/>
+            <a:endParaRPr lang="en-AU" dirty="0"/>
           </a:p>
         </p:txBody>
       </p:sp>
@@ -677,7 +677,7 @@
           <a:bodyPr/>
           <a:lstStyle/>
           <a:p>
-            <a:endParaRPr lang="en-AU"/>
+            <a:endParaRPr lang="en-AU" dirty="0"/>
           </a:p>
         </p:txBody>
       </p:sp>
@@ -700,7 +700,7 @@
               <a:rPr lang="en-AU" smtClean="0"/>
               <a:t>‹#›</a:t>
             </a:fld>
-            <a:endParaRPr lang="en-AU"/>
+            <a:endParaRPr lang="en-AU" dirty="0"/>
           </a:p>
         </p:txBody>
       </p:sp>
@@ -826,9 +826,9 @@
           <a:p>
             <a:fld id="{5D3BBE8D-782C-4EBE-9078-1E1B2F186064}" type="datetimeFigureOut">
               <a:rPr lang="en-AU" smtClean="0"/>
-              <a:t>04/12/2012</a:t>
+              <a:t>4/12/2012</a:t>
             </a:fld>
-            <a:endParaRPr lang="en-AU"/>
+            <a:endParaRPr lang="en-AU" dirty="0"/>
           </a:p>
         </p:txBody>
       </p:sp>
@@ -847,7 +847,7 @@
           <a:bodyPr/>
           <a:lstStyle/>
           <a:p>
-            <a:endParaRPr lang="en-AU"/>
+            <a:endParaRPr lang="en-AU" dirty="0"/>
           </a:p>
         </p:txBody>
       </p:sp>
@@ -870,7 +870,7 @@
               <a:rPr lang="en-AU" smtClean="0"/>
               <a:t>‹#›</a:t>
             </a:fld>
-            <a:endParaRPr lang="en-AU"/>
+            <a:endParaRPr lang="en-AU" dirty="0"/>
           </a:p>
         </p:txBody>
       </p:sp>
@@ -1072,9 +1072,9 @@
           <a:p>
             <a:fld id="{5D3BBE8D-782C-4EBE-9078-1E1B2F186064}" type="datetimeFigureOut">
               <a:rPr lang="en-AU" smtClean="0"/>
-              <a:t>04/12/2012</a:t>
+              <a:t>4/12/2012</a:t>
             </a:fld>
-            <a:endParaRPr lang="en-AU"/>
+            <a:endParaRPr lang="en-AU" dirty="0"/>
           </a:p>
         </p:txBody>
       </p:sp>
@@ -1093,7 +1093,7 @@
           <a:bodyPr/>
           <a:lstStyle/>
           <a:p>
-            <a:endParaRPr lang="en-AU"/>
+            <a:endParaRPr lang="en-AU" dirty="0"/>
           </a:p>
         </p:txBody>
       </p:sp>
@@ -1116,7 +1116,7 @@
               <a:rPr lang="en-AU" smtClean="0"/>
               <a:t>‹#›</a:t>
             </a:fld>
-            <a:endParaRPr lang="en-AU"/>
+            <a:endParaRPr lang="en-AU" dirty="0"/>
           </a:p>
         </p:txBody>
       </p:sp>
@@ -1360,9 +1360,9 @@
           <a:p>
             <a:fld id="{5D3BBE8D-782C-4EBE-9078-1E1B2F186064}" type="datetimeFigureOut">
               <a:rPr lang="en-AU" smtClean="0"/>
-              <a:t>04/12/2012</a:t>
+              <a:t>4/12/2012</a:t>
             </a:fld>
-            <a:endParaRPr lang="en-AU"/>
+            <a:endParaRPr lang="en-AU" dirty="0"/>
           </a:p>
         </p:txBody>
       </p:sp>
@@ -1381,7 +1381,7 @@
           <a:bodyPr/>
           <a:lstStyle/>
           <a:p>
-            <a:endParaRPr lang="en-AU"/>
+            <a:endParaRPr lang="en-AU" dirty="0"/>
           </a:p>
         </p:txBody>
       </p:sp>
@@ -1404,7 +1404,7 @@
               <a:rPr lang="en-AU" smtClean="0"/>
               <a:t>‹#›</a:t>
             </a:fld>
-            <a:endParaRPr lang="en-AU"/>
+            <a:endParaRPr lang="en-AU" dirty="0"/>
           </a:p>
         </p:txBody>
       </p:sp>
@@ -1782,9 +1782,9 @@
           <a:p>
             <a:fld id="{5D3BBE8D-782C-4EBE-9078-1E1B2F186064}" type="datetimeFigureOut">
               <a:rPr lang="en-AU" smtClean="0"/>
-              <a:t>04/12/2012</a:t>
+              <a:t>4/12/2012</a:t>
             </a:fld>
-            <a:endParaRPr lang="en-AU"/>
+            <a:endParaRPr lang="en-AU" dirty="0"/>
           </a:p>
         </p:txBody>
       </p:sp>
@@ -1803,7 +1803,7 @@
           <a:bodyPr/>
           <a:lstStyle/>
           <a:p>
-            <a:endParaRPr lang="en-AU"/>
+            <a:endParaRPr lang="en-AU" dirty="0"/>
           </a:p>
         </p:txBody>
       </p:sp>
@@ -1826,7 +1826,7 @@
               <a:rPr lang="en-AU" smtClean="0"/>
               <a:t>‹#›</a:t>
             </a:fld>
-            <a:endParaRPr lang="en-AU"/>
+            <a:endParaRPr lang="en-AU" dirty="0"/>
           </a:p>
         </p:txBody>
       </p:sp>
@@ -1900,9 +1900,9 @@
           <a:p>
             <a:fld id="{5D3BBE8D-782C-4EBE-9078-1E1B2F186064}" type="datetimeFigureOut">
               <a:rPr lang="en-AU" smtClean="0"/>
-              <a:t>04/12/2012</a:t>
+              <a:t>4/12/2012</a:t>
             </a:fld>
-            <a:endParaRPr lang="en-AU"/>
+            <a:endParaRPr lang="en-AU" dirty="0"/>
           </a:p>
         </p:txBody>
       </p:sp>
@@ -1921,7 +1921,7 @@
           <a:bodyPr/>
           <a:lstStyle/>
           <a:p>
-            <a:endParaRPr lang="en-AU"/>
+            <a:endParaRPr lang="en-AU" dirty="0"/>
           </a:p>
         </p:txBody>
       </p:sp>
@@ -1944,7 +1944,7 @@
               <a:rPr lang="en-AU" smtClean="0"/>
               <a:t>‹#›</a:t>
             </a:fld>
-            <a:endParaRPr lang="en-AU"/>
+            <a:endParaRPr lang="en-AU" dirty="0"/>
           </a:p>
         </p:txBody>
       </p:sp>
@@ -1995,9 +1995,9 @@
           <a:p>
             <a:fld id="{5D3BBE8D-782C-4EBE-9078-1E1B2F186064}" type="datetimeFigureOut">
               <a:rPr lang="en-AU" smtClean="0"/>
-              <a:t>04/12/2012</a:t>
+              <a:t>4/12/2012</a:t>
             </a:fld>
-            <a:endParaRPr lang="en-AU"/>
+            <a:endParaRPr lang="en-AU" dirty="0"/>
           </a:p>
         </p:txBody>
       </p:sp>
@@ -2016,7 +2016,7 @@
           <a:bodyPr/>
           <a:lstStyle/>
           <a:p>
-            <a:endParaRPr lang="en-AU"/>
+            <a:endParaRPr lang="en-AU" dirty="0"/>
           </a:p>
         </p:txBody>
       </p:sp>
@@ -2039,7 +2039,7 @@
               <a:rPr lang="en-AU" smtClean="0"/>
               <a:t>‹#›</a:t>
             </a:fld>
-            <a:endParaRPr lang="en-AU"/>
+            <a:endParaRPr lang="en-AU" dirty="0"/>
           </a:p>
         </p:txBody>
       </p:sp>
@@ -2272,9 +2272,9 @@
           <a:p>
             <a:fld id="{5D3BBE8D-782C-4EBE-9078-1E1B2F186064}" type="datetimeFigureOut">
               <a:rPr lang="en-AU" smtClean="0"/>
-              <a:t>04/12/2012</a:t>
+              <a:t>4/12/2012</a:t>
             </a:fld>
-            <a:endParaRPr lang="en-AU"/>
+            <a:endParaRPr lang="en-AU" dirty="0"/>
           </a:p>
         </p:txBody>
       </p:sp>
@@ -2293,7 +2293,7 @@
           <a:bodyPr/>
           <a:lstStyle/>
           <a:p>
-            <a:endParaRPr lang="en-AU"/>
+            <a:endParaRPr lang="en-AU" dirty="0"/>
           </a:p>
         </p:txBody>
       </p:sp>
@@ -2316,7 +2316,7 @@
               <a:rPr lang="en-AU" smtClean="0"/>
               <a:t>‹#›</a:t>
             </a:fld>
-            <a:endParaRPr lang="en-AU"/>
+            <a:endParaRPr lang="en-AU" dirty="0"/>
           </a:p>
         </p:txBody>
       </p:sp>
@@ -2439,7 +2439,7 @@
             </a:lvl9pPr>
           </a:lstStyle>
           <a:p>
-            <a:endParaRPr lang="en-AU"/>
+            <a:endParaRPr lang="en-AU" dirty="0"/>
           </a:p>
         </p:txBody>
       </p:sp>
@@ -2525,9 +2525,9 @@
           <a:p>
             <a:fld id="{5D3BBE8D-782C-4EBE-9078-1E1B2F186064}" type="datetimeFigureOut">
               <a:rPr lang="en-AU" smtClean="0"/>
-              <a:t>04/12/2012</a:t>
+              <a:t>4/12/2012</a:t>
             </a:fld>
-            <a:endParaRPr lang="en-AU"/>
+            <a:endParaRPr lang="en-AU" dirty="0"/>
           </a:p>
         </p:txBody>
       </p:sp>
@@ -2546,7 +2546,7 @@
           <a:bodyPr/>
           <a:lstStyle/>
           <a:p>
-            <a:endParaRPr lang="en-AU"/>
+            <a:endParaRPr lang="en-AU" dirty="0"/>
           </a:p>
         </p:txBody>
       </p:sp>
@@ -2569,7 +2569,7 @@
               <a:rPr lang="en-AU" smtClean="0"/>
               <a:t>‹#›</a:t>
             </a:fld>
-            <a:endParaRPr lang="en-AU"/>
+            <a:endParaRPr lang="en-AU" dirty="0"/>
           </a:p>
         </p:txBody>
       </p:sp>
@@ -2738,9 +2738,9 @@
           <a:p>
             <a:fld id="{5D3BBE8D-782C-4EBE-9078-1E1B2F186064}" type="datetimeFigureOut">
               <a:rPr lang="en-AU" smtClean="0"/>
-              <a:t>04/12/2012</a:t>
+              <a:t>4/12/2012</a:t>
             </a:fld>
-            <a:endParaRPr lang="en-AU"/>
+            <a:endParaRPr lang="en-AU" dirty="0"/>
           </a:p>
         </p:txBody>
       </p:sp>
@@ -2777,7 +2777,7 @@
             </a:lvl1pPr>
           </a:lstStyle>
           <a:p>
-            <a:endParaRPr lang="en-AU"/>
+            <a:endParaRPr lang="en-AU" dirty="0"/>
           </a:p>
         </p:txBody>
       </p:sp>
@@ -2818,7 +2818,7 @@
               <a:rPr lang="en-AU" smtClean="0"/>
               <a:t>‹#›</a:t>
             </a:fld>
-            <a:endParaRPr lang="en-AU"/>
+            <a:endParaRPr lang="en-AU" dirty="0"/>
           </a:p>
         </p:txBody>
       </p:sp>
@@ -3298,15 +3298,7 @@
             </a:r>
             <a:r>
               <a:rPr lang="en-AU" dirty="0" smtClean="0"/>
-              <a:t>lassic HTTP </a:t>
-            </a:r>
-            <a:r>
-              <a:rPr lang="en-AU" dirty="0" err="1" smtClean="0"/>
-              <a:t>RESTful</a:t>
-            </a:r>
-            <a:r>
-              <a:rPr lang="en-AU" dirty="0" smtClean="0"/>
-              <a:t> approach</a:t>
+              <a:t>lassic HTTP RESTful approach</a:t>
             </a:r>
           </a:p>
           <a:p>
@@ -3321,11 +3313,11 @@
             </a:r>
             <a:r>
               <a:rPr lang="en-AU" dirty="0" smtClean="0"/>
-              <a:t>acebook, Twitter </a:t>
-            </a:r>
-            <a:r>
-              <a:rPr lang="en-AU" dirty="0" err="1" smtClean="0"/>
-              <a:t>etc</a:t>
+              <a:t>acebook, </a:t>
+            </a:r>
+            <a:r>
+              <a:rPr lang="en-AU" dirty="0" smtClean="0"/>
+              <a:t>Twitter, etc.</a:t>
             </a:r>
             <a:endParaRPr lang="en-AU" dirty="0" smtClean="0"/>
           </a:p>
@@ -3346,24 +3338,15 @@
             <a:pPr lvl="1"/>
             <a:r>
               <a:rPr lang="en-AU" dirty="0" smtClean="0"/>
-              <a:t>Pub/sub framework, Multi-resource </a:t>
-            </a:r>
-            <a:r>
-              <a:rPr lang="en-AU" dirty="0" smtClean="0"/>
-              <a:t>Transactions</a:t>
+              <a:t>Pub/sub framework, Multi-resource Transactions</a:t>
             </a:r>
           </a:p>
           <a:p>
             <a:pPr lvl="1"/>
             <a:r>
               <a:rPr lang="en-AU" dirty="0" smtClean="0"/>
-              <a:t>Messages (v2-like), Documents (</a:t>
-            </a:r>
-            <a:r>
-              <a:rPr lang="en-AU" dirty="0" smtClean="0"/>
-              <a:t>per CDA)</a:t>
-            </a:r>
-            <a:endParaRPr lang="en-AU" dirty="0" smtClean="0"/>
+              <a:t>Messages (v2-like), Documents (per CDA)</a:t>
+            </a:r>
           </a:p>
           <a:p>
             <a:r>
@@ -3384,7 +3367,6 @@
               <a:rPr lang="en-AU" dirty="0" smtClean="0"/>
               <a:t>Same base rules</a:t>
             </a:r>
-            <a:endParaRPr lang="en-AU" dirty="0" smtClean="0"/>
           </a:p>
           <a:p>
             <a:endParaRPr lang="en-AU" dirty="0"/>
@@ -3517,11 +3499,11 @@
             <a:pPr lvl="1"/>
             <a:r>
               <a:rPr lang="en-AU" dirty="0" smtClean="0"/>
-              <a:t>HTTP, conformance, JSON </a:t>
-            </a:r>
-            <a:r>
-              <a:rPr lang="en-AU" dirty="0" err="1" smtClean="0"/>
-              <a:t>etc</a:t>
+              <a:t>HTTP, conformance, </a:t>
+            </a:r>
+            <a:r>
+              <a:rPr lang="en-AU" dirty="0" smtClean="0"/>
+              <a:t>JSON, etc.</a:t>
             </a:r>
             <a:endParaRPr lang="en-AU" dirty="0" smtClean="0"/>
           </a:p>
@@ -3622,7 +3604,7 @@
           <a:bodyPr/>
           <a:lstStyle/>
           <a:p>
-            <a:endParaRPr lang="en-AU"/>
+            <a:endParaRPr lang="en-AU" dirty="0"/>
           </a:p>
         </p:txBody>
       </p:sp>
@@ -3641,7 +3623,7 @@
           <a:bodyPr/>
           <a:lstStyle/>
           <a:p>
-            <a:endParaRPr lang="en-AU"/>
+            <a:endParaRPr lang="en-AU" dirty="0"/>
           </a:p>
         </p:txBody>
       </p:sp>
@@ -3761,7 +3743,7 @@
           <a:bodyPr/>
           <a:lstStyle/>
           <a:p>
-            <a:endParaRPr lang="en-AU"/>
+            <a:endParaRPr lang="en-AU" dirty="0"/>
           </a:p>
         </p:txBody>
       </p:sp>
@@ -3780,7 +3762,7 @@
           <a:bodyPr/>
           <a:lstStyle/>
           <a:p>
-            <a:endParaRPr lang="en-AU"/>
+            <a:endParaRPr lang="en-AU" dirty="0"/>
           </a:p>
         </p:txBody>
       </p:sp>
@@ -3963,10 +3945,9 @@
           <a:p>
             <a:pPr lvl="1"/>
             <a:r>
-              <a:rPr lang="en-AU" dirty="0" err="1" smtClean="0"/>
+              <a:rPr lang="en-AU" dirty="0" smtClean="0"/>
               <a:t>Connectathon</a:t>
             </a:r>
-            <a:endParaRPr lang="en-AU" dirty="0" smtClean="0"/>
           </a:p>
           <a:p>
             <a:r>
@@ -3990,7 +3971,6 @@
               <a:rPr lang="en-AU" dirty="0" smtClean="0"/>
               <a:t>Unencumbered – free for anyone to use</a:t>
             </a:r>
-            <a:endParaRPr lang="en-AU" dirty="0" smtClean="0"/>
           </a:p>
           <a:p>
             <a:endParaRPr lang="en-AU" dirty="0"/>
@@ -4306,21 +4286,8 @@
             </a:r>
             <a:r>
               <a:rPr lang="en-AU" dirty="0" smtClean="0"/>
-              <a:t>nterested in </a:t>
-            </a:r>
-            <a:r>
-              <a:rPr lang="en-AU" dirty="0" smtClean="0"/>
-              <a:t>using FHIR for </a:t>
-            </a:r>
-            <a:r>
-              <a:rPr lang="en-AU" dirty="0" err="1" smtClean="0"/>
-              <a:t>RESTful</a:t>
-            </a:r>
-            <a:r>
-              <a:rPr lang="en-AU" dirty="0" smtClean="0"/>
-              <a:t> access to image metadata</a:t>
-            </a:r>
-            <a:endParaRPr lang="en-AU" dirty="0" smtClean="0"/>
+              <a:t>nterested in using FHIR for RESTful access to image metadata</a:t>
+            </a:r>
           </a:p>
           <a:p>
             <a:r>
@@ -4334,7 +4301,6 @@
               <a:rPr lang="en-AU" dirty="0" smtClean="0"/>
               <a:t>Semantic health group helping us with RDF</a:t>
             </a:r>
-            <a:endParaRPr lang="en-AU" dirty="0" smtClean="0"/>
           </a:p>
           <a:p>
             <a:r>
@@ -4700,11 +4666,7 @@
             <a:pPr lvl="1"/>
             <a:r>
               <a:rPr lang="en-AU" dirty="0" smtClean="0"/>
-              <a:t>Try </a:t>
-            </a:r>
-            <a:r>
-              <a:rPr lang="en-AU" dirty="0" smtClean="0"/>
-              <a:t>implementing it</a:t>
+              <a:t>Try implementing it</a:t>
             </a:r>
           </a:p>
           <a:p>
@@ -4714,8 +4676,12 @@
               <a:t>Come to the </a:t>
             </a:r>
             <a:r>
-              <a:rPr lang="en-AU" dirty="0" err="1" smtClean="0"/>
-              <a:t>connectathon</a:t>
+              <a:rPr lang="en-AU" dirty="0"/>
+              <a:t>C</a:t>
+            </a:r>
+            <a:r>
+              <a:rPr lang="en-AU" dirty="0" smtClean="0"/>
+              <a:t>onnectathon</a:t>
             </a:r>
             <a:r>
               <a:rPr lang="en-AU" dirty="0" smtClean="0"/>
@@ -5058,7 +5024,6 @@
               <a:rPr lang="en-AU" dirty="0" smtClean="0"/>
               <a:t>	…insert your fire related joke here….</a:t>
             </a:r>
-            <a:endParaRPr lang="en-AU" dirty="0" smtClean="0"/>
           </a:p>
           <a:p>
             <a:endParaRPr lang="en-AU" dirty="0"/>
@@ -5190,11 +5155,7 @@
             </a:br>
             <a:r>
               <a:rPr lang="en-AU" dirty="0" smtClean="0"/>
-              <a:t>“What </a:t>
-            </a:r>
-            <a:r>
-              <a:rPr lang="en-AU" dirty="0" smtClean="0"/>
-              <a:t>would interoperability look like if we started afresh”</a:t>
+              <a:t>“What would interoperability look like if we started afresh”</a:t>
             </a:r>
           </a:p>
           <a:p>
@@ -5230,7 +5191,6 @@
               <a:rPr lang="en-AU" dirty="0" smtClean="0"/>
               <a:t>Different approaches not reconciled</a:t>
             </a:r>
-            <a:endParaRPr lang="en-AU" dirty="0" smtClean="0"/>
           </a:p>
           <a:p>
             <a:endParaRPr lang="en-AU" dirty="0"/>
@@ -5355,15 +5315,7 @@
           <a:p>
             <a:r>
               <a:rPr lang="en-AU" dirty="0" smtClean="0"/>
-              <a:t>Web search for success markers led to </a:t>
-            </a:r>
-            <a:r>
-              <a:rPr lang="en-AU" dirty="0" err="1" smtClean="0"/>
-              <a:t>RESTful</a:t>
-            </a:r>
-            <a:r>
-              <a:rPr lang="en-AU" dirty="0" smtClean="0"/>
-              <a:t> based APIs</a:t>
+              <a:t>Web search for success markers led to RESTful based APIs</a:t>
             </a:r>
           </a:p>
           <a:p>
@@ -5373,7 +5325,7 @@
               <a:t>Exemplar: </a:t>
             </a:r>
             <a:r>
-              <a:rPr lang="en-AU" dirty="0" err="1" smtClean="0"/>
+              <a:rPr lang="en-AU" dirty="0" smtClean="0"/>
               <a:t>Highrise</a:t>
             </a:r>
             <a:r>
@@ -5705,7 +5657,19 @@
             <a:pPr lvl="1"/>
             <a:r>
               <a:rPr lang="en-AU" dirty="0" smtClean="0"/>
-              <a:t>Person, Patient, Organisation, Device, Facility</a:t>
+              <a:t>Person, Patient, </a:t>
+            </a:r>
+            <a:r>
+              <a:rPr lang="en-US" dirty="0" smtClean="0"/>
+              <a:t>Organization</a:t>
+            </a:r>
+            <a:r>
+              <a:rPr lang="en-AU" dirty="0" smtClean="0"/>
+              <a:t>, </a:t>
+            </a:r>
+            <a:r>
+              <a:rPr lang="en-AU" dirty="0" smtClean="0"/>
+              <a:t>Device, Facility</a:t>
             </a:r>
           </a:p>
           <a:p>
@@ -5715,8 +5679,8 @@
               <a:t>Coverage, Invoice, </a:t>
             </a:r>
             <a:r>
-              <a:rPr lang="en-AU" dirty="0" err="1" smtClean="0"/>
-              <a:t>etc</a:t>
+              <a:rPr lang="en-AU" dirty="0" smtClean="0"/>
+              <a:t>etc.</a:t>
             </a:r>
             <a:endParaRPr lang="en-AU" dirty="0"/>
           </a:p>
@@ -5920,7 +5884,6 @@
               <a:rPr lang="en-AU" dirty="0" smtClean="0"/>
               <a:t>Published and managed</a:t>
             </a:r>
-            <a:endParaRPr lang="en-AU" dirty="0" smtClean="0"/>
           </a:p>
           <a:p>
             <a:r>
@@ -6168,7 +6131,7 @@
           <a:lstStyle/>
           <a:p>
             <a:pPr algn="ctr"/>
-            <a:endParaRPr lang="en-AU"/>
+            <a:endParaRPr lang="en-AU" dirty="0"/>
           </a:p>
         </p:txBody>
       </p:sp>
@@ -6214,7 +6177,7 @@
           <a:lstStyle/>
           <a:p>
             <a:pPr algn="ctr"/>
-            <a:endParaRPr lang="en-AU"/>
+            <a:endParaRPr lang="en-AU" dirty="0"/>
           </a:p>
         </p:txBody>
       </p:sp>
@@ -6260,7 +6223,7 @@
           <a:lstStyle/>
           <a:p>
             <a:pPr algn="ctr"/>
-            <a:endParaRPr lang="en-AU"/>
+            <a:endParaRPr lang="en-AU" dirty="0"/>
           </a:p>
         </p:txBody>
       </p:sp>
@@ -6400,7 +6363,6 @@
               <a:rPr lang="en-AU" dirty="0" smtClean="0"/>
               <a:t>Published and managed</a:t>
             </a:r>
-            <a:endParaRPr lang="en-AU" dirty="0" smtClean="0"/>
           </a:p>
           <a:p>
             <a:r>

--- a/presentations/2012 Dec Webinar/FHIR Webinar.pptx
+++ b/presentations/2012 Dec Webinar/FHIR Webinar.pptx
@@ -2,28 +2,29 @@
 <file path=ppt/presentation.xml><?xml version="1.0" encoding="utf-8"?>
 <p:presentation xmlns:a="http://schemas.openxmlformats.org/drawingml/2006/main" xmlns:r="http://schemas.openxmlformats.org/officeDocument/2006/relationships" xmlns:p="http://schemas.openxmlformats.org/presentationml/2006/main" saveSubsetFonts="1">
   <p:sldMasterIdLst>
-    <p:sldMasterId id="2147483648" r:id="rId1"/>
+    <p:sldMasterId id="2147483660" r:id="rId1"/>
   </p:sldMasterIdLst>
   <p:sldIdLst>
     <p:sldId id="256" r:id="rId2"/>
     <p:sldId id="259" r:id="rId3"/>
     <p:sldId id="258" r:id="rId4"/>
     <p:sldId id="261" r:id="rId5"/>
-    <p:sldId id="263" r:id="rId6"/>
-    <p:sldId id="264" r:id="rId7"/>
-    <p:sldId id="265" r:id="rId8"/>
-    <p:sldId id="266" r:id="rId9"/>
-    <p:sldId id="268" r:id="rId10"/>
-    <p:sldId id="269" r:id="rId11"/>
-    <p:sldId id="267" r:id="rId12"/>
-    <p:sldId id="270" r:id="rId13"/>
-    <p:sldId id="271" r:id="rId14"/>
-    <p:sldId id="272" r:id="rId15"/>
-    <p:sldId id="274" r:id="rId16"/>
-    <p:sldId id="276" r:id="rId17"/>
-    <p:sldId id="277" r:id="rId18"/>
-    <p:sldId id="278" r:id="rId19"/>
-    <p:sldId id="279" r:id="rId20"/>
+    <p:sldId id="280" r:id="rId6"/>
+    <p:sldId id="263" r:id="rId7"/>
+    <p:sldId id="264" r:id="rId8"/>
+    <p:sldId id="265" r:id="rId9"/>
+    <p:sldId id="266" r:id="rId10"/>
+    <p:sldId id="268" r:id="rId11"/>
+    <p:sldId id="269" r:id="rId12"/>
+    <p:sldId id="267" r:id="rId13"/>
+    <p:sldId id="270" r:id="rId14"/>
+    <p:sldId id="271" r:id="rId15"/>
+    <p:sldId id="272" r:id="rId16"/>
+    <p:sldId id="274" r:id="rId17"/>
+    <p:sldId id="276" r:id="rId18"/>
+    <p:sldId id="277" r:id="rId19"/>
+    <p:sldId id="278" r:id="rId20"/>
+    <p:sldId id="279" r:id="rId21"/>
   </p:sldIdLst>
   <p:sldSz cx="9144000" cy="6858000" type="screen4x3"/>
   <p:notesSz cx="6858000" cy="9144000"/>
@@ -126,7 +127,7 @@
 </file>
 
 <file path=ppt/slideLayouts/slideLayout1.xml><?xml version="1.0" encoding="utf-8"?>
-<p:sldLayout xmlns:a="http://schemas.openxmlformats.org/drawingml/2006/main" xmlns:r="http://schemas.openxmlformats.org/officeDocument/2006/relationships" xmlns:p="http://schemas.openxmlformats.org/presentationml/2006/main" type="title" preserve="1">
+<p:sldLayout xmlns:a="http://schemas.openxmlformats.org/drawingml/2006/main" xmlns:r="http://schemas.openxmlformats.org/officeDocument/2006/relationships" xmlns:p="http://schemas.openxmlformats.org/presentationml/2006/main" showMasterSp="0" type="title" preserve="1">
   <p:cSld name="Title Slide">
     <p:spTree>
       <p:nvGrpSpPr>
@@ -142,11 +143,339 @@
           <a:chExt cx="0" cy="0"/>
         </a:xfrm>
       </p:grpSpPr>
+      <p:grpSp>
+        <p:nvGrpSpPr>
+          <p:cNvPr id="4" name="Group 2"/>
+          <p:cNvGrpSpPr>
+            <a:grpSpLocks/>
+          </p:cNvGrpSpPr>
+          <p:nvPr/>
+        </p:nvGrpSpPr>
+        <p:grpSpPr bwMode="auto">
+          <a:xfrm>
+            <a:off x="152400" y="152400"/>
+            <a:ext cx="8839200" cy="6477000"/>
+            <a:chOff x="240" y="288"/>
+            <a:chExt cx="5290" cy="3504"/>
+          </a:xfrm>
+        </p:grpSpPr>
+        <p:sp>
+          <p:nvSpPr>
+            <p:cNvPr id="5" name="Rectangle 3"/>
+            <p:cNvSpPr>
+              <a:spLocks noChangeArrowheads="1"/>
+            </p:cNvSpPr>
+            <p:nvPr/>
+          </p:nvSpPr>
+          <p:spPr bwMode="blackWhite">
+            <a:xfrm>
+              <a:off x="240" y="288"/>
+              <a:ext cx="5290" cy="3504"/>
+            </a:xfrm>
+            <a:prstGeom prst="rect">
+              <a:avLst/>
+            </a:prstGeom>
+            <a:solidFill>
+              <a:schemeClr val="bg1"/>
+            </a:solidFill>
+            <a:ln w="50800">
+              <a:solidFill>
+                <a:schemeClr val="folHlink"/>
+              </a:solidFill>
+              <a:miter lim="800000"/>
+              <a:headEnd/>
+              <a:tailEnd/>
+            </a:ln>
+            <a:effectLst/>
+            <a:extLst>
+              <a:ext uri="{AF507438-7753-43E0-B8FC-AC1667EBCBE1}">
+                <a14:hiddenEffects xmlns:a14="http://schemas.microsoft.com/office/drawing/2010/main">
+                  <a:effectLst>
+                    <a:outerShdw dist="35921" dir="2700000" algn="ctr" rotWithShape="0">
+                      <a:schemeClr val="bg2"/>
+                    </a:outerShdw>
+                  </a:effectLst>
+                </a14:hiddenEffects>
+              </a:ext>
+            </a:extLst>
+          </p:spPr>
+          <p:txBody>
+            <a:bodyPr wrap="none" anchor="ctr"/>
+            <a:lstStyle/>
+            <a:p>
+              <a:pPr algn="ctr" eaLnBrk="1" hangingPunct="1"/>
+              <a:endParaRPr lang="en-US" sz="2400">
+                <a:latin typeface="Times New Roman" pitchFamily="18" charset="0"/>
+              </a:endParaRPr>
+            </a:p>
+          </p:txBody>
+        </p:sp>
+        <p:sp>
+          <p:nvSpPr>
+            <p:cNvPr id="6" name="Rectangle 4"/>
+            <p:cNvSpPr>
+              <a:spLocks noChangeArrowheads="1"/>
+            </p:cNvSpPr>
+            <p:nvPr/>
+          </p:nvSpPr>
+          <p:spPr bwMode="auto">
+            <a:xfrm>
+              <a:off x="285" y="336"/>
+              <a:ext cx="5184" cy="3408"/>
+            </a:xfrm>
+            <a:prstGeom prst="rect">
+              <a:avLst/>
+            </a:prstGeom>
+            <a:noFill/>
+            <a:ln w="9525">
+              <a:solidFill>
+                <a:schemeClr val="folHlink"/>
+              </a:solidFill>
+              <a:miter lim="800000"/>
+              <a:headEnd/>
+              <a:tailEnd/>
+            </a:ln>
+            <a:effectLst/>
+            <a:extLst>
+              <a:ext uri="{909E8E84-426E-40DD-AFC4-6F175D3DCCD1}">
+                <a14:hiddenFill xmlns:a14="http://schemas.microsoft.com/office/drawing/2010/main">
+                  <a:solidFill>
+                    <a:schemeClr val="tx1"/>
+                  </a:solidFill>
+                </a14:hiddenFill>
+              </a:ext>
+              <a:ext uri="{AF507438-7753-43E0-B8FC-AC1667EBCBE1}">
+                <a14:hiddenEffects xmlns:a14="http://schemas.microsoft.com/office/drawing/2010/main">
+                  <a:effectLst>
+                    <a:outerShdw dist="35921" dir="2700000" algn="ctr" rotWithShape="0">
+                      <a:schemeClr val="bg2"/>
+                    </a:outerShdw>
+                  </a:effectLst>
+                </a14:hiddenEffects>
+              </a:ext>
+            </a:extLst>
+          </p:spPr>
+          <p:txBody>
+            <a:bodyPr wrap="none" anchor="ctr"/>
+            <a:lstStyle/>
+            <a:p>
+              <a:pPr algn="ctr" eaLnBrk="1" hangingPunct="1"/>
+              <a:endParaRPr lang="en-US" sz="2400">
+                <a:latin typeface="Times New Roman" pitchFamily="18" charset="0"/>
+              </a:endParaRPr>
+            </a:p>
+          </p:txBody>
+        </p:sp>
+        <p:sp>
+          <p:nvSpPr>
+            <p:cNvPr id="7" name="Line 5"/>
+            <p:cNvSpPr>
+              <a:spLocks noChangeShapeType="1"/>
+            </p:cNvSpPr>
+            <p:nvPr/>
+          </p:nvSpPr>
+          <p:spPr bwMode="auto">
+            <a:xfrm>
+              <a:off x="576" y="2256"/>
+              <a:ext cx="4608" cy="0"/>
+            </a:xfrm>
+            <a:prstGeom prst="line">
+              <a:avLst/>
+            </a:prstGeom>
+            <a:noFill/>
+            <a:ln w="38100">
+              <a:solidFill>
+                <a:schemeClr val="accent1"/>
+              </a:solidFill>
+              <a:round/>
+              <a:headEnd/>
+              <a:tailEnd/>
+            </a:ln>
+            <a:effectLst/>
+            <a:extLst>
+              <a:ext uri="{909E8E84-426E-40DD-AFC4-6F175D3DCCD1}">
+                <a14:hiddenFill xmlns:a14="http://schemas.microsoft.com/office/drawing/2010/main">
+                  <a:noFill/>
+                </a14:hiddenFill>
+              </a:ext>
+              <a:ext uri="{AF507438-7753-43E0-B8FC-AC1667EBCBE1}">
+                <a14:hiddenEffects xmlns:a14="http://schemas.microsoft.com/office/drawing/2010/main">
+                  <a:effectLst>
+                    <a:outerShdw dist="35921" dir="2700000" algn="ctr" rotWithShape="0">
+                      <a:schemeClr val="bg2"/>
+                    </a:outerShdw>
+                  </a:effectLst>
+                </a14:hiddenEffects>
+              </a:ext>
+            </a:extLst>
+          </p:spPr>
+          <p:txBody>
+            <a:bodyPr wrap="none" anchor="ctr"/>
+            <a:lstStyle/>
+            <a:p>
+              <a:endParaRPr lang="en-AU"/>
+            </a:p>
+          </p:txBody>
+        </p:sp>
+      </p:grpSp>
       <p:sp>
         <p:nvSpPr>
-          <p:cNvPr id="2" name="Title 1"/>
+          <p:cNvPr id="8" name="Rectangle 12"/>
           <p:cNvSpPr>
-            <a:spLocks noGrp="1"/>
+            <a:spLocks noChangeArrowheads="1"/>
+          </p:cNvSpPr>
+          <p:nvPr/>
+        </p:nvSpPr>
+        <p:spPr bwMode="auto">
+          <a:xfrm>
+            <a:off x="0" y="6629400"/>
+            <a:ext cx="9144000" cy="215444"/>
+          </a:xfrm>
+          <a:prstGeom prst="rect">
+            <a:avLst/>
+          </a:prstGeom>
+          <a:noFill/>
+          <a:ln>
+            <a:noFill/>
+          </a:ln>
+          <a:effectLst/>
+          <a:extLst>
+            <a:ext uri="{909E8E84-426E-40DD-AFC4-6F175D3DCCD1}">
+              <a14:hiddenFill xmlns:a14="http://schemas.microsoft.com/office/drawing/2010/main">
+                <a:solidFill>
+                  <a:schemeClr val="accent1"/>
+                </a:solidFill>
+              </a14:hiddenFill>
+            </a:ext>
+            <a:ext uri="{91240B29-F687-4F45-9708-019B960494DF}">
+              <a14:hiddenLine xmlns:a14="http://schemas.microsoft.com/office/drawing/2010/main" w="9525">
+                <a:solidFill>
+                  <a:schemeClr val="tx1"/>
+                </a:solidFill>
+                <a:miter lim="800000"/>
+                <a:headEnd/>
+                <a:tailEnd/>
+              </a14:hiddenLine>
+            </a:ext>
+            <a:ext uri="{AF507438-7753-43E0-B8FC-AC1667EBCBE1}">
+              <a14:hiddenEffects xmlns:a14="http://schemas.microsoft.com/office/drawing/2010/main">
+                <a:effectLst>
+                  <a:outerShdw dist="35921" dir="2700000" algn="ctr" rotWithShape="0">
+                    <a:schemeClr val="bg2"/>
+                  </a:outerShdw>
+                </a:effectLst>
+              </a14:hiddenEffects>
+            </a:ext>
+          </a:extLst>
+        </p:spPr>
+        <p:txBody>
+          <a:bodyPr>
+            <a:spAutoFit/>
+          </a:bodyPr>
+          <a:lstStyle/>
+          <a:p>
+            <a:r>
+              <a:rPr lang="en-US" sz="800" b="1" dirty="0" smtClean="0"/>
+              <a:t>       © </a:t>
+            </a:r>
+            <a:r>
+              <a:rPr lang="en-US" sz="800" b="1" dirty="0"/>
+              <a:t>2012 </a:t>
+            </a:r>
+            <a:r>
+              <a:rPr lang="en-US" sz="800" b="1" dirty="0" smtClean="0"/>
+              <a:t>HL7 ® </a:t>
+            </a:r>
+            <a:r>
+              <a:rPr lang="en-US" sz="800" b="1" dirty="0"/>
+              <a:t>International. </a:t>
+            </a:r>
+            <a:r>
+              <a:rPr lang="en-US" sz="800" b="1" dirty="0" smtClean="0"/>
+              <a:t>Licensed</a:t>
+            </a:r>
+            <a:r>
+              <a:rPr lang="en-US" sz="800" b="1" baseline="0" dirty="0" smtClean="0"/>
+              <a:t> under Creative Commons</a:t>
+            </a:r>
+            <a:r>
+              <a:rPr lang="en-US" sz="800" b="1" dirty="0" smtClean="0"/>
+              <a:t>. </a:t>
+            </a:r>
+            <a:r>
+              <a:rPr lang="en-US" sz="800" b="1" dirty="0"/>
+              <a:t>HL7 </a:t>
+            </a:r>
+            <a:r>
+              <a:rPr lang="en-US" sz="800" b="1" dirty="0" smtClean="0"/>
+              <a:t>&amp; Health </a:t>
+            </a:r>
+            <a:r>
+              <a:rPr lang="en-US" sz="800" b="1" dirty="0"/>
+              <a:t>Level Seven are registered trademarks of Health Level Seven International. Reg. U.S. TM Office.</a:t>
+            </a:r>
+          </a:p>
+        </p:txBody>
+      </p:sp>
+      <p:pic>
+        <p:nvPicPr>
+          <p:cNvPr id="9" name="Picture 13" descr="HL7 International Logo"/>
+          <p:cNvPicPr>
+            <a:picLocks noChangeAspect="1" noChangeArrowheads="1"/>
+          </p:cNvPicPr>
+          <p:nvPr/>
+        </p:nvPicPr>
+        <p:blipFill>
+          <a:blip r:embed="rId2" cstate="print">
+            <a:extLst>
+              <a:ext uri="{28A0092B-C50C-407E-A947-70E740481C1C}">
+                <a14:useLocalDpi xmlns:a14="http://schemas.microsoft.com/office/drawing/2010/main" val="0"/>
+              </a:ext>
+            </a:extLst>
+          </a:blip>
+          <a:srcRect/>
+          <a:stretch>
+            <a:fillRect/>
+          </a:stretch>
+        </p:blipFill>
+        <p:spPr bwMode="auto">
+          <a:xfrm>
+            <a:off x="7650163" y="304800"/>
+            <a:ext cx="1109662" cy="1143000"/>
+          </a:xfrm>
+          <a:prstGeom prst="rect">
+            <a:avLst/>
+          </a:prstGeom>
+          <a:noFill/>
+          <a:ln>
+            <a:noFill/>
+          </a:ln>
+          <a:extLst>
+            <a:ext uri="{909E8E84-426E-40DD-AFC4-6F175D3DCCD1}">
+              <a14:hiddenFill xmlns:a14="http://schemas.microsoft.com/office/drawing/2010/main">
+                <a:solidFill>
+                  <a:srgbClr val="FFFFFF"/>
+                </a:solidFill>
+              </a14:hiddenFill>
+            </a:ext>
+            <a:ext uri="{91240B29-F687-4F45-9708-019B960494DF}">
+              <a14:hiddenLine xmlns:a14="http://schemas.microsoft.com/office/drawing/2010/main" w="9525">
+                <a:solidFill>
+                  <a:srgbClr val="000000"/>
+                </a:solidFill>
+                <a:miter lim="800000"/>
+                <a:headEnd/>
+                <a:tailEnd/>
+              </a14:hiddenLine>
+            </a:ext>
+          </a:extLst>
+        </p:spPr>
+      </p:pic>
+      <p:sp>
+        <p:nvSpPr>
+          <p:cNvPr id="33798" name="Rectangle 6"/>
+          <p:cNvSpPr>
+            <a:spLocks noGrp="1" noChangeArrowheads="1"/>
           </p:cNvSpPr>
           <p:nvPr>
             <p:ph type="ctrTitle"/>
@@ -154,27 +483,32 @@
         </p:nvSpPr>
         <p:spPr>
           <a:xfrm>
-            <a:off x="685800" y="2130425"/>
-            <a:ext cx="7772400" cy="1470025"/>
+            <a:off x="1219200" y="838200"/>
+            <a:ext cx="6781800" cy="2559050"/>
           </a:xfrm>
         </p:spPr>
         <p:txBody>
-          <a:bodyPr/>
-          <a:lstStyle/>
-          <a:p>
-            <a:r>
-              <a:rPr lang="en-US" smtClean="0"/>
+          <a:bodyPr anchorCtr="1"/>
+          <a:lstStyle>
+            <a:lvl1pPr algn="ctr">
+              <a:defRPr sz="5600"/>
+            </a:lvl1pPr>
+          </a:lstStyle>
+          <a:p>
+            <a:pPr lvl="0"/>
+            <a:r>
+              <a:rPr lang="en-US" noProof="0" smtClean="0"/>
               <a:t>Click to edit Master title style</a:t>
             </a:r>
-            <a:endParaRPr lang="en-AU"/>
+            <a:endParaRPr lang="en-US" noProof="0" smtClean="0"/>
           </a:p>
         </p:txBody>
       </p:sp>
       <p:sp>
         <p:nvSpPr>
-          <p:cNvPr id="3" name="Subtitle 2"/>
+          <p:cNvPr id="33799" name="Rectangle 7"/>
           <p:cNvSpPr>
-            <a:spLocks noGrp="1"/>
+            <a:spLocks noGrp="1" noChangeArrowheads="1"/>
           </p:cNvSpPr>
           <p:nvPr>
             <p:ph type="subTitle" idx="1"/>
@@ -182,188 +516,46 @@
         </p:nvSpPr>
         <p:spPr>
           <a:xfrm>
-            <a:off x="1371600" y="3886200"/>
-            <a:ext cx="6400800" cy="1752600"/>
+            <a:off x="1371600" y="3962400"/>
+            <a:ext cx="6400800" cy="1873250"/>
           </a:xfrm>
         </p:spPr>
         <p:txBody>
           <a:bodyPr/>
           <a:lstStyle>
             <a:lvl1pPr marL="0" indent="0" algn="ctr">
+              <a:buFont typeface="Wingdings" pitchFamily="2" charset="2"/>
               <a:buNone/>
-              <a:defRPr>
-                <a:solidFill>
-                  <a:schemeClr val="tx1">
-                    <a:tint val="75000"/>
-                  </a:schemeClr>
-                </a:solidFill>
-              </a:defRPr>
+              <a:defRPr sz="3000"/>
             </a:lvl1pPr>
-            <a:lvl2pPr marL="457200" indent="0" algn="ctr">
-              <a:buNone/>
-              <a:defRPr>
-                <a:solidFill>
-                  <a:schemeClr val="tx1">
-                    <a:tint val="75000"/>
-                  </a:schemeClr>
-                </a:solidFill>
-              </a:defRPr>
-            </a:lvl2pPr>
-            <a:lvl3pPr marL="914400" indent="0" algn="ctr">
-              <a:buNone/>
-              <a:defRPr>
-                <a:solidFill>
-                  <a:schemeClr val="tx1">
-                    <a:tint val="75000"/>
-                  </a:schemeClr>
-                </a:solidFill>
-              </a:defRPr>
-            </a:lvl3pPr>
-            <a:lvl4pPr marL="1371600" indent="0" algn="ctr">
-              <a:buNone/>
-              <a:defRPr>
-                <a:solidFill>
-                  <a:schemeClr val="tx1">
-                    <a:tint val="75000"/>
-                  </a:schemeClr>
-                </a:solidFill>
-              </a:defRPr>
-            </a:lvl4pPr>
-            <a:lvl5pPr marL="1828800" indent="0" algn="ctr">
-              <a:buNone/>
-              <a:defRPr>
-                <a:solidFill>
-                  <a:schemeClr val="tx1">
-                    <a:tint val="75000"/>
-                  </a:schemeClr>
-                </a:solidFill>
-              </a:defRPr>
-            </a:lvl5pPr>
-            <a:lvl6pPr marL="2286000" indent="0" algn="ctr">
-              <a:buNone/>
-              <a:defRPr>
-                <a:solidFill>
-                  <a:schemeClr val="tx1">
-                    <a:tint val="75000"/>
-                  </a:schemeClr>
-                </a:solidFill>
-              </a:defRPr>
-            </a:lvl6pPr>
-            <a:lvl7pPr marL="2743200" indent="0" algn="ctr">
-              <a:buNone/>
-              <a:defRPr>
-                <a:solidFill>
-                  <a:schemeClr val="tx1">
-                    <a:tint val="75000"/>
-                  </a:schemeClr>
-                </a:solidFill>
-              </a:defRPr>
-            </a:lvl7pPr>
-            <a:lvl8pPr marL="3200400" indent="0" algn="ctr">
-              <a:buNone/>
-              <a:defRPr>
-                <a:solidFill>
-                  <a:schemeClr val="tx1">
-                    <a:tint val="75000"/>
-                  </a:schemeClr>
-                </a:solidFill>
-              </a:defRPr>
-            </a:lvl8pPr>
-            <a:lvl9pPr marL="3657600" indent="0" algn="ctr">
-              <a:buNone/>
-              <a:defRPr>
-                <a:solidFill>
-                  <a:schemeClr val="tx1">
-                    <a:tint val="75000"/>
-                  </a:schemeClr>
-                </a:solidFill>
-              </a:defRPr>
-            </a:lvl9pPr>
           </a:lstStyle>
           <a:p>
-            <a:r>
-              <a:rPr lang="en-US" smtClean="0"/>
+            <a:pPr lvl="0"/>
+            <a:r>
+              <a:rPr lang="en-US" noProof="0" smtClean="0"/>
               <a:t>Click to edit Master subtitle style</a:t>
             </a:r>
-            <a:endParaRPr lang="en-AU"/>
-          </a:p>
-        </p:txBody>
-      </p:sp>
-      <p:sp>
-        <p:nvSpPr>
-          <p:cNvPr id="4" name="Date Placeholder 3"/>
-          <p:cNvSpPr>
-            <a:spLocks noGrp="1"/>
-          </p:cNvSpPr>
-          <p:nvPr>
-            <p:ph type="dt" sz="half" idx="10"/>
-          </p:nvPr>
-        </p:nvSpPr>
-        <p:spPr/>
-        <p:txBody>
-          <a:bodyPr/>
-          <a:lstStyle/>
-          <a:p>
-            <a:fld id="{5D3BBE8D-782C-4EBE-9078-1E1B2F186064}" type="datetimeFigureOut">
-              <a:rPr lang="en-AU" smtClean="0"/>
-              <a:t>4/12/2012</a:t>
-            </a:fld>
-            <a:endParaRPr lang="en-AU" dirty="0"/>
-          </a:p>
-        </p:txBody>
-      </p:sp>
-      <p:sp>
-        <p:nvSpPr>
-          <p:cNvPr id="5" name="Footer Placeholder 4"/>
-          <p:cNvSpPr>
-            <a:spLocks noGrp="1"/>
-          </p:cNvSpPr>
-          <p:nvPr>
-            <p:ph type="ftr" sz="quarter" idx="11"/>
-          </p:nvPr>
-        </p:nvSpPr>
-        <p:spPr/>
-        <p:txBody>
-          <a:bodyPr/>
-          <a:lstStyle/>
-          <a:p>
-            <a:endParaRPr lang="en-AU" dirty="0"/>
-          </a:p>
-        </p:txBody>
-      </p:sp>
-      <p:sp>
-        <p:nvSpPr>
-          <p:cNvPr id="6" name="Slide Number Placeholder 5"/>
-          <p:cNvSpPr>
-            <a:spLocks noGrp="1"/>
-          </p:cNvSpPr>
-          <p:nvPr>
-            <p:ph type="sldNum" sz="quarter" idx="12"/>
-          </p:nvPr>
-        </p:nvSpPr>
-        <p:spPr/>
-        <p:txBody>
-          <a:bodyPr/>
-          <a:lstStyle/>
-          <a:p>
-            <a:fld id="{9434A1CD-3FDA-461F-99C3-56480CBF16DC}" type="slidenum">
-              <a:rPr lang="en-AU" smtClean="0"/>
-              <a:t>‹#›</a:t>
-            </a:fld>
-            <a:endParaRPr lang="en-AU" dirty="0"/>
+            <a:endParaRPr lang="en-US" noProof="0" smtClean="0"/>
           </a:p>
         </p:txBody>
       </p:sp>
     </p:spTree>
     <p:extLst>
       <p:ext uri="{BB962C8B-B14F-4D97-AF65-F5344CB8AC3E}">
-        <p14:creationId xmlns:p14="http://schemas.microsoft.com/office/powerpoint/2010/main" val="1471002875"/>
+        <p14:creationId xmlns:p14="http://schemas.microsoft.com/office/powerpoint/2010/main" val="371907701"/>
       </p:ext>
     </p:extLst>
   </p:cSld>
   <p:clrMapOvr>
     <a:masterClrMapping/>
   </p:clrMapOvr>
+  <p:timing>
+    <p:tnLst>
+      <p:par>
+        <p:cTn id="1" dur="indefinite" restart="never" nodeType="tmRoot"/>
+      </p:par>
+    </p:tnLst>
+  </p:timing>
 </p:sldLayout>
 </file>
 
@@ -403,7 +595,7 @@
               <a:rPr lang="en-US" smtClean="0"/>
               <a:t>Click to edit Master title style</a:t>
             </a:r>
-            <a:endParaRPr lang="en-AU"/>
+            <a:endParaRPr lang="en-US"/>
           </a:p>
         </p:txBody>
       </p:sp>
@@ -455,79 +647,14 @@
               <a:rPr lang="en-US" smtClean="0"/>
               <a:t>Fifth level</a:t>
             </a:r>
-            <a:endParaRPr lang="en-AU"/>
-          </a:p>
-        </p:txBody>
-      </p:sp>
-      <p:sp>
-        <p:nvSpPr>
-          <p:cNvPr id="4" name="Date Placeholder 3"/>
-          <p:cNvSpPr>
-            <a:spLocks noGrp="1"/>
-          </p:cNvSpPr>
-          <p:nvPr>
-            <p:ph type="dt" sz="half" idx="10"/>
-          </p:nvPr>
-        </p:nvSpPr>
-        <p:spPr/>
-        <p:txBody>
-          <a:bodyPr/>
-          <a:lstStyle/>
-          <a:p>
-            <a:fld id="{5D3BBE8D-782C-4EBE-9078-1E1B2F186064}" type="datetimeFigureOut">
-              <a:rPr lang="en-AU" smtClean="0"/>
-              <a:t>4/12/2012</a:t>
-            </a:fld>
-            <a:endParaRPr lang="en-AU" dirty="0"/>
-          </a:p>
-        </p:txBody>
-      </p:sp>
-      <p:sp>
-        <p:nvSpPr>
-          <p:cNvPr id="5" name="Footer Placeholder 4"/>
-          <p:cNvSpPr>
-            <a:spLocks noGrp="1"/>
-          </p:cNvSpPr>
-          <p:nvPr>
-            <p:ph type="ftr" sz="quarter" idx="11"/>
-          </p:nvPr>
-        </p:nvSpPr>
-        <p:spPr/>
-        <p:txBody>
-          <a:bodyPr/>
-          <a:lstStyle/>
-          <a:p>
-            <a:endParaRPr lang="en-AU" dirty="0"/>
-          </a:p>
-        </p:txBody>
-      </p:sp>
-      <p:sp>
-        <p:nvSpPr>
-          <p:cNvPr id="6" name="Slide Number Placeholder 5"/>
-          <p:cNvSpPr>
-            <a:spLocks noGrp="1"/>
-          </p:cNvSpPr>
-          <p:nvPr>
-            <p:ph type="sldNum" sz="quarter" idx="12"/>
-          </p:nvPr>
-        </p:nvSpPr>
-        <p:spPr/>
-        <p:txBody>
-          <a:bodyPr/>
-          <a:lstStyle/>
-          <a:p>
-            <a:fld id="{9434A1CD-3FDA-461F-99C3-56480CBF16DC}" type="slidenum">
-              <a:rPr lang="en-AU" smtClean="0"/>
-              <a:t>‹#›</a:t>
-            </a:fld>
-            <a:endParaRPr lang="en-AU" dirty="0"/>
+            <a:endParaRPr lang="en-US"/>
           </a:p>
         </p:txBody>
       </p:sp>
     </p:spTree>
     <p:extLst>
       <p:ext uri="{BB962C8B-B14F-4D97-AF65-F5344CB8AC3E}">
-        <p14:creationId xmlns:p14="http://schemas.microsoft.com/office/powerpoint/2010/main" val="4286003993"/>
+        <p14:creationId xmlns:p14="http://schemas.microsoft.com/office/powerpoint/2010/main" val="2591428621"/>
       </p:ext>
     </p:extLst>
   </p:cSld>
@@ -566,8 +693,8 @@
         </p:nvSpPr>
         <p:spPr>
           <a:xfrm>
-            <a:off x="6629400" y="274638"/>
-            <a:ext cx="2057400" cy="5851525"/>
+            <a:off x="6667500" y="473075"/>
+            <a:ext cx="2095500" cy="5775325"/>
           </a:xfrm>
         </p:spPr>
         <p:txBody>
@@ -578,7 +705,7 @@
               <a:rPr lang="en-US" smtClean="0"/>
               <a:t>Click to edit Master title style</a:t>
             </a:r>
-            <a:endParaRPr lang="en-AU"/>
+            <a:endParaRPr lang="en-US"/>
           </a:p>
         </p:txBody>
       </p:sp>
@@ -594,8 +721,8 @@
         </p:nvSpPr>
         <p:spPr>
           <a:xfrm>
-            <a:off x="457200" y="274638"/>
-            <a:ext cx="6019800" cy="5851525"/>
+            <a:off x="381000" y="473075"/>
+            <a:ext cx="6134100" cy="5775325"/>
           </a:xfrm>
         </p:spPr>
         <p:txBody>
@@ -635,79 +762,14 @@
               <a:rPr lang="en-US" smtClean="0"/>
               <a:t>Fifth level</a:t>
             </a:r>
-            <a:endParaRPr lang="en-AU"/>
-          </a:p>
-        </p:txBody>
-      </p:sp>
-      <p:sp>
-        <p:nvSpPr>
-          <p:cNvPr id="4" name="Date Placeholder 3"/>
-          <p:cNvSpPr>
-            <a:spLocks noGrp="1"/>
-          </p:cNvSpPr>
-          <p:nvPr>
-            <p:ph type="dt" sz="half" idx="10"/>
-          </p:nvPr>
-        </p:nvSpPr>
-        <p:spPr/>
-        <p:txBody>
-          <a:bodyPr/>
-          <a:lstStyle/>
-          <a:p>
-            <a:fld id="{5D3BBE8D-782C-4EBE-9078-1E1B2F186064}" type="datetimeFigureOut">
-              <a:rPr lang="en-AU" smtClean="0"/>
-              <a:t>4/12/2012</a:t>
-            </a:fld>
-            <a:endParaRPr lang="en-AU" dirty="0"/>
-          </a:p>
-        </p:txBody>
-      </p:sp>
-      <p:sp>
-        <p:nvSpPr>
-          <p:cNvPr id="5" name="Footer Placeholder 4"/>
-          <p:cNvSpPr>
-            <a:spLocks noGrp="1"/>
-          </p:cNvSpPr>
-          <p:nvPr>
-            <p:ph type="ftr" sz="quarter" idx="11"/>
-          </p:nvPr>
-        </p:nvSpPr>
-        <p:spPr/>
-        <p:txBody>
-          <a:bodyPr/>
-          <a:lstStyle/>
-          <a:p>
-            <a:endParaRPr lang="en-AU" dirty="0"/>
-          </a:p>
-        </p:txBody>
-      </p:sp>
-      <p:sp>
-        <p:nvSpPr>
-          <p:cNvPr id="6" name="Slide Number Placeholder 5"/>
-          <p:cNvSpPr>
-            <a:spLocks noGrp="1"/>
-          </p:cNvSpPr>
-          <p:nvPr>
-            <p:ph type="sldNum" sz="quarter" idx="12"/>
-          </p:nvPr>
-        </p:nvSpPr>
-        <p:spPr/>
-        <p:txBody>
-          <a:bodyPr/>
-          <a:lstStyle/>
-          <a:p>
-            <a:fld id="{9434A1CD-3FDA-461F-99C3-56480CBF16DC}" type="slidenum">
-              <a:rPr lang="en-AU" smtClean="0"/>
-              <a:t>‹#›</a:t>
-            </a:fld>
-            <a:endParaRPr lang="en-AU" dirty="0"/>
+            <a:endParaRPr lang="en-US"/>
           </a:p>
         </p:txBody>
       </p:sp>
     </p:spTree>
     <p:extLst>
       <p:ext uri="{BB962C8B-B14F-4D97-AF65-F5344CB8AC3E}">
-        <p14:creationId xmlns:p14="http://schemas.microsoft.com/office/powerpoint/2010/main" val="4061137841"/>
+        <p14:creationId xmlns:p14="http://schemas.microsoft.com/office/powerpoint/2010/main" val="355731641"/>
       </p:ext>
     </p:extLst>
   </p:cSld>
@@ -753,7 +815,7 @@
               <a:rPr lang="en-US" smtClean="0"/>
               <a:t>Click to edit Master title style</a:t>
             </a:r>
-            <a:endParaRPr lang="en-AU"/>
+            <a:endParaRPr lang="en-US"/>
           </a:p>
         </p:txBody>
       </p:sp>
@@ -805,85 +867,27 @@
               <a:rPr lang="en-US" smtClean="0"/>
               <a:t>Fifth level</a:t>
             </a:r>
-            <a:endParaRPr lang="en-AU"/>
-          </a:p>
-        </p:txBody>
-      </p:sp>
-      <p:sp>
-        <p:nvSpPr>
-          <p:cNvPr id="4" name="Date Placeholder 3"/>
-          <p:cNvSpPr>
-            <a:spLocks noGrp="1"/>
-          </p:cNvSpPr>
-          <p:nvPr>
-            <p:ph type="dt" sz="half" idx="10"/>
-          </p:nvPr>
-        </p:nvSpPr>
-        <p:spPr/>
-        <p:txBody>
-          <a:bodyPr/>
-          <a:lstStyle/>
-          <a:p>
-            <a:fld id="{5D3BBE8D-782C-4EBE-9078-1E1B2F186064}" type="datetimeFigureOut">
-              <a:rPr lang="en-AU" smtClean="0"/>
-              <a:t>4/12/2012</a:t>
-            </a:fld>
-            <a:endParaRPr lang="en-AU" dirty="0"/>
-          </a:p>
-        </p:txBody>
-      </p:sp>
-      <p:sp>
-        <p:nvSpPr>
-          <p:cNvPr id="5" name="Footer Placeholder 4"/>
-          <p:cNvSpPr>
-            <a:spLocks noGrp="1"/>
-          </p:cNvSpPr>
-          <p:nvPr>
-            <p:ph type="ftr" sz="quarter" idx="11"/>
-          </p:nvPr>
-        </p:nvSpPr>
-        <p:spPr/>
-        <p:txBody>
-          <a:bodyPr/>
-          <a:lstStyle/>
-          <a:p>
-            <a:endParaRPr lang="en-AU" dirty="0"/>
-          </a:p>
-        </p:txBody>
-      </p:sp>
-      <p:sp>
-        <p:nvSpPr>
-          <p:cNvPr id="6" name="Slide Number Placeholder 5"/>
-          <p:cNvSpPr>
-            <a:spLocks noGrp="1"/>
-          </p:cNvSpPr>
-          <p:nvPr>
-            <p:ph type="sldNum" sz="quarter" idx="12"/>
-          </p:nvPr>
-        </p:nvSpPr>
-        <p:spPr/>
-        <p:txBody>
-          <a:bodyPr/>
-          <a:lstStyle/>
-          <a:p>
-            <a:fld id="{9434A1CD-3FDA-461F-99C3-56480CBF16DC}" type="slidenum">
-              <a:rPr lang="en-AU" smtClean="0"/>
-              <a:t>‹#›</a:t>
-            </a:fld>
-            <a:endParaRPr lang="en-AU" dirty="0"/>
+            <a:endParaRPr lang="en-US"/>
           </a:p>
         </p:txBody>
       </p:sp>
     </p:spTree>
     <p:extLst>
       <p:ext uri="{BB962C8B-B14F-4D97-AF65-F5344CB8AC3E}">
-        <p14:creationId xmlns:p14="http://schemas.microsoft.com/office/powerpoint/2010/main" val="20367113"/>
+        <p14:creationId xmlns:p14="http://schemas.microsoft.com/office/powerpoint/2010/main" val="3638569158"/>
       </p:ext>
     </p:extLst>
   </p:cSld>
   <p:clrMapOvr>
     <a:masterClrMapping/>
   </p:clrMapOvr>
+  <p:timing>
+    <p:tnLst>
+      <p:par>
+        <p:cTn id="1" dur="indefinite" restart="never" nodeType="tmRoot"/>
+      </p:par>
+    </p:tnLst>
+  </p:timing>
 </p:sldLayout>
 </file>
 
@@ -932,7 +936,7 @@
               <a:rPr lang="en-US" smtClean="0"/>
               <a:t>Click to edit Master title style</a:t>
             </a:r>
-            <a:endParaRPr lang="en-AU"/>
+            <a:endParaRPr lang="en-US"/>
           </a:p>
         </p:txBody>
       </p:sp>
@@ -957,93 +961,39 @@
           <a:lstStyle>
             <a:lvl1pPr marL="0" indent="0">
               <a:buNone/>
-              <a:defRPr sz="2000">
-                <a:solidFill>
-                  <a:schemeClr val="tx1">
-                    <a:tint val="75000"/>
-                  </a:schemeClr>
-                </a:solidFill>
-              </a:defRPr>
+              <a:defRPr sz="2000"/>
             </a:lvl1pPr>
             <a:lvl2pPr marL="457200" indent="0">
               <a:buNone/>
-              <a:defRPr sz="1800">
-                <a:solidFill>
-                  <a:schemeClr val="tx1">
-                    <a:tint val="75000"/>
-                  </a:schemeClr>
-                </a:solidFill>
-              </a:defRPr>
+              <a:defRPr sz="1800"/>
             </a:lvl2pPr>
             <a:lvl3pPr marL="914400" indent="0">
               <a:buNone/>
-              <a:defRPr sz="1600">
-                <a:solidFill>
-                  <a:schemeClr val="tx1">
-                    <a:tint val="75000"/>
-                  </a:schemeClr>
-                </a:solidFill>
-              </a:defRPr>
+              <a:defRPr sz="1600"/>
             </a:lvl3pPr>
             <a:lvl4pPr marL="1371600" indent="0">
               <a:buNone/>
-              <a:defRPr sz="1400">
-                <a:solidFill>
-                  <a:schemeClr val="tx1">
-                    <a:tint val="75000"/>
-                  </a:schemeClr>
-                </a:solidFill>
-              </a:defRPr>
+              <a:defRPr sz="1400"/>
             </a:lvl4pPr>
             <a:lvl5pPr marL="1828800" indent="0">
               <a:buNone/>
-              <a:defRPr sz="1400">
-                <a:solidFill>
-                  <a:schemeClr val="tx1">
-                    <a:tint val="75000"/>
-                  </a:schemeClr>
-                </a:solidFill>
-              </a:defRPr>
+              <a:defRPr sz="1400"/>
             </a:lvl5pPr>
             <a:lvl6pPr marL="2286000" indent="0">
               <a:buNone/>
-              <a:defRPr sz="1400">
-                <a:solidFill>
-                  <a:schemeClr val="tx1">
-                    <a:tint val="75000"/>
-                  </a:schemeClr>
-                </a:solidFill>
-              </a:defRPr>
+              <a:defRPr sz="1400"/>
             </a:lvl6pPr>
             <a:lvl7pPr marL="2743200" indent="0">
               <a:buNone/>
-              <a:defRPr sz="1400">
-                <a:solidFill>
-                  <a:schemeClr val="tx1">
-                    <a:tint val="75000"/>
-                  </a:schemeClr>
-                </a:solidFill>
-              </a:defRPr>
+              <a:defRPr sz="1400"/>
             </a:lvl7pPr>
             <a:lvl8pPr marL="3200400" indent="0">
               <a:buNone/>
-              <a:defRPr sz="1400">
-                <a:solidFill>
-                  <a:schemeClr val="tx1">
-                    <a:tint val="75000"/>
-                  </a:schemeClr>
-                </a:solidFill>
-              </a:defRPr>
+              <a:defRPr sz="1400"/>
             </a:lvl8pPr>
             <a:lvl9pPr marL="3657600" indent="0">
               <a:buNone/>
-              <a:defRPr sz="1400">
-                <a:solidFill>
-                  <a:schemeClr val="tx1">
-                    <a:tint val="75000"/>
-                  </a:schemeClr>
-                </a:solidFill>
-              </a:defRPr>
+              <a:defRPr sz="1400"/>
             </a:lvl9pPr>
           </a:lstStyle>
           <a:p>
@@ -1052,84 +1002,26 @@
               <a:rPr lang="en-US" smtClean="0"/>
               <a:t>Click to edit Master text styles</a:t>
             </a:r>
-          </a:p>
-        </p:txBody>
-      </p:sp>
-      <p:sp>
-        <p:nvSpPr>
-          <p:cNvPr id="4" name="Date Placeholder 3"/>
-          <p:cNvSpPr>
-            <a:spLocks noGrp="1"/>
-          </p:cNvSpPr>
-          <p:nvPr>
-            <p:ph type="dt" sz="half" idx="10"/>
-          </p:nvPr>
-        </p:nvSpPr>
-        <p:spPr/>
-        <p:txBody>
-          <a:bodyPr/>
-          <a:lstStyle/>
-          <a:p>
-            <a:fld id="{5D3BBE8D-782C-4EBE-9078-1E1B2F186064}" type="datetimeFigureOut">
-              <a:rPr lang="en-AU" smtClean="0"/>
-              <a:t>4/12/2012</a:t>
-            </a:fld>
-            <a:endParaRPr lang="en-AU" dirty="0"/>
-          </a:p>
-        </p:txBody>
-      </p:sp>
-      <p:sp>
-        <p:nvSpPr>
-          <p:cNvPr id="5" name="Footer Placeholder 4"/>
-          <p:cNvSpPr>
-            <a:spLocks noGrp="1"/>
-          </p:cNvSpPr>
-          <p:nvPr>
-            <p:ph type="ftr" sz="quarter" idx="11"/>
-          </p:nvPr>
-        </p:nvSpPr>
-        <p:spPr/>
-        <p:txBody>
-          <a:bodyPr/>
-          <a:lstStyle/>
-          <a:p>
-            <a:endParaRPr lang="en-AU" dirty="0"/>
-          </a:p>
-        </p:txBody>
-      </p:sp>
-      <p:sp>
-        <p:nvSpPr>
-          <p:cNvPr id="6" name="Slide Number Placeholder 5"/>
-          <p:cNvSpPr>
-            <a:spLocks noGrp="1"/>
-          </p:cNvSpPr>
-          <p:nvPr>
-            <p:ph type="sldNum" sz="quarter" idx="12"/>
-          </p:nvPr>
-        </p:nvSpPr>
-        <p:spPr/>
-        <p:txBody>
-          <a:bodyPr/>
-          <a:lstStyle/>
-          <a:p>
-            <a:fld id="{9434A1CD-3FDA-461F-99C3-56480CBF16DC}" type="slidenum">
-              <a:rPr lang="en-AU" smtClean="0"/>
-              <a:t>‹#›</a:t>
-            </a:fld>
-            <a:endParaRPr lang="en-AU" dirty="0"/>
           </a:p>
         </p:txBody>
       </p:sp>
     </p:spTree>
     <p:extLst>
       <p:ext uri="{BB962C8B-B14F-4D97-AF65-F5344CB8AC3E}">
-        <p14:creationId xmlns:p14="http://schemas.microsoft.com/office/powerpoint/2010/main" val="2160166658"/>
+        <p14:creationId xmlns:p14="http://schemas.microsoft.com/office/powerpoint/2010/main" val="3069022687"/>
       </p:ext>
     </p:extLst>
   </p:cSld>
   <p:clrMapOvr>
     <a:masterClrMapping/>
   </p:clrMapOvr>
+  <p:timing>
+    <p:tnLst>
+      <p:par>
+        <p:cTn id="1" dur="indefinite" restart="never" nodeType="tmRoot"/>
+      </p:par>
+    </p:tnLst>
+  </p:timing>
 </p:sldLayout>
 </file>
 
@@ -1169,7 +1061,7 @@
               <a:rPr lang="en-US" smtClean="0"/>
               <a:t>Click to edit Master title style</a:t>
             </a:r>
-            <a:endParaRPr lang="en-AU"/>
+            <a:endParaRPr lang="en-US"/>
           </a:p>
         </p:txBody>
       </p:sp>
@@ -1185,8 +1077,8 @@
         </p:nvSpPr>
         <p:spPr>
           <a:xfrm>
-            <a:off x="457200" y="1600200"/>
-            <a:ext cx="4038600" cy="4525963"/>
+            <a:off x="381000" y="1828800"/>
+            <a:ext cx="4114800" cy="4419600"/>
           </a:xfrm>
         </p:spPr>
         <p:txBody>
@@ -1254,7 +1146,7 @@
               <a:rPr lang="en-US" smtClean="0"/>
               <a:t>Fifth level</a:t>
             </a:r>
-            <a:endParaRPr lang="en-AU"/>
+            <a:endParaRPr lang="en-US"/>
           </a:p>
         </p:txBody>
       </p:sp>
@@ -1270,8 +1162,8 @@
         </p:nvSpPr>
         <p:spPr>
           <a:xfrm>
-            <a:off x="4648200" y="1600200"/>
-            <a:ext cx="4038600" cy="4525963"/>
+            <a:off x="4648200" y="1828800"/>
+            <a:ext cx="4114800" cy="4419600"/>
           </a:xfrm>
         </p:spPr>
         <p:txBody>
@@ -1339,85 +1231,27 @@
               <a:rPr lang="en-US" smtClean="0"/>
               <a:t>Fifth level</a:t>
             </a:r>
-            <a:endParaRPr lang="en-AU"/>
-          </a:p>
-        </p:txBody>
-      </p:sp>
-      <p:sp>
-        <p:nvSpPr>
-          <p:cNvPr id="5" name="Date Placeholder 4"/>
-          <p:cNvSpPr>
-            <a:spLocks noGrp="1"/>
-          </p:cNvSpPr>
-          <p:nvPr>
-            <p:ph type="dt" sz="half" idx="10"/>
-          </p:nvPr>
-        </p:nvSpPr>
-        <p:spPr/>
-        <p:txBody>
-          <a:bodyPr/>
-          <a:lstStyle/>
-          <a:p>
-            <a:fld id="{5D3BBE8D-782C-4EBE-9078-1E1B2F186064}" type="datetimeFigureOut">
-              <a:rPr lang="en-AU" smtClean="0"/>
-              <a:t>4/12/2012</a:t>
-            </a:fld>
-            <a:endParaRPr lang="en-AU" dirty="0"/>
-          </a:p>
-        </p:txBody>
-      </p:sp>
-      <p:sp>
-        <p:nvSpPr>
-          <p:cNvPr id="6" name="Footer Placeholder 5"/>
-          <p:cNvSpPr>
-            <a:spLocks noGrp="1"/>
-          </p:cNvSpPr>
-          <p:nvPr>
-            <p:ph type="ftr" sz="quarter" idx="11"/>
-          </p:nvPr>
-        </p:nvSpPr>
-        <p:spPr/>
-        <p:txBody>
-          <a:bodyPr/>
-          <a:lstStyle/>
-          <a:p>
-            <a:endParaRPr lang="en-AU" dirty="0"/>
-          </a:p>
-        </p:txBody>
-      </p:sp>
-      <p:sp>
-        <p:nvSpPr>
-          <p:cNvPr id="7" name="Slide Number Placeholder 6"/>
-          <p:cNvSpPr>
-            <a:spLocks noGrp="1"/>
-          </p:cNvSpPr>
-          <p:nvPr>
-            <p:ph type="sldNum" sz="quarter" idx="12"/>
-          </p:nvPr>
-        </p:nvSpPr>
-        <p:spPr/>
-        <p:txBody>
-          <a:bodyPr/>
-          <a:lstStyle/>
-          <a:p>
-            <a:fld id="{9434A1CD-3FDA-461F-99C3-56480CBF16DC}" type="slidenum">
-              <a:rPr lang="en-AU" smtClean="0"/>
-              <a:t>‹#›</a:t>
-            </a:fld>
-            <a:endParaRPr lang="en-AU" dirty="0"/>
+            <a:endParaRPr lang="en-US"/>
           </a:p>
         </p:txBody>
       </p:sp>
     </p:spTree>
     <p:extLst>
       <p:ext uri="{BB962C8B-B14F-4D97-AF65-F5344CB8AC3E}">
-        <p14:creationId xmlns:p14="http://schemas.microsoft.com/office/powerpoint/2010/main" val="2511753217"/>
+        <p14:creationId xmlns:p14="http://schemas.microsoft.com/office/powerpoint/2010/main" val="555763031"/>
       </p:ext>
     </p:extLst>
   </p:cSld>
   <p:clrMapOvr>
     <a:masterClrMapping/>
   </p:clrMapOvr>
+  <p:timing>
+    <p:tnLst>
+      <p:par>
+        <p:cTn id="1" dur="indefinite" restart="never" nodeType="tmRoot"/>
+      </p:par>
+    </p:tnLst>
+  </p:timing>
 </p:sldLayout>
 </file>
 
@@ -1448,7 +1282,12 @@
             <p:ph type="title"/>
           </p:nvPr>
         </p:nvSpPr>
-        <p:spPr/>
+        <p:spPr>
+          <a:xfrm>
+            <a:off x="457200" y="274638"/>
+            <a:ext cx="8229600" cy="1143000"/>
+          </a:xfrm>
+        </p:spPr>
         <p:txBody>
           <a:bodyPr/>
           <a:lstStyle>
@@ -1461,7 +1300,7 @@
               <a:rPr lang="en-US" smtClean="0"/>
               <a:t>Click to edit Master title style</a:t>
             </a:r>
-            <a:endParaRPr lang="en-AU"/>
+            <a:endParaRPr lang="en-US"/>
           </a:p>
         </p:txBody>
       </p:sp>
@@ -1611,7 +1450,7 @@
               <a:rPr lang="en-US" smtClean="0"/>
               <a:t>Fifth level</a:t>
             </a:r>
-            <a:endParaRPr lang="en-AU"/>
+            <a:endParaRPr lang="en-US"/>
           </a:p>
         </p:txBody>
       </p:sp>
@@ -1761,85 +1600,27 @@
               <a:rPr lang="en-US" smtClean="0"/>
               <a:t>Fifth level</a:t>
             </a:r>
-            <a:endParaRPr lang="en-AU"/>
-          </a:p>
-        </p:txBody>
-      </p:sp>
-      <p:sp>
-        <p:nvSpPr>
-          <p:cNvPr id="7" name="Date Placeholder 6"/>
-          <p:cNvSpPr>
-            <a:spLocks noGrp="1"/>
-          </p:cNvSpPr>
-          <p:nvPr>
-            <p:ph type="dt" sz="half" idx="10"/>
-          </p:nvPr>
-        </p:nvSpPr>
-        <p:spPr/>
-        <p:txBody>
-          <a:bodyPr/>
-          <a:lstStyle/>
-          <a:p>
-            <a:fld id="{5D3BBE8D-782C-4EBE-9078-1E1B2F186064}" type="datetimeFigureOut">
-              <a:rPr lang="en-AU" smtClean="0"/>
-              <a:t>4/12/2012</a:t>
-            </a:fld>
-            <a:endParaRPr lang="en-AU" dirty="0"/>
-          </a:p>
-        </p:txBody>
-      </p:sp>
-      <p:sp>
-        <p:nvSpPr>
-          <p:cNvPr id="8" name="Footer Placeholder 7"/>
-          <p:cNvSpPr>
-            <a:spLocks noGrp="1"/>
-          </p:cNvSpPr>
-          <p:nvPr>
-            <p:ph type="ftr" sz="quarter" idx="11"/>
-          </p:nvPr>
-        </p:nvSpPr>
-        <p:spPr/>
-        <p:txBody>
-          <a:bodyPr/>
-          <a:lstStyle/>
-          <a:p>
-            <a:endParaRPr lang="en-AU" dirty="0"/>
-          </a:p>
-        </p:txBody>
-      </p:sp>
-      <p:sp>
-        <p:nvSpPr>
-          <p:cNvPr id="9" name="Slide Number Placeholder 8"/>
-          <p:cNvSpPr>
-            <a:spLocks noGrp="1"/>
-          </p:cNvSpPr>
-          <p:nvPr>
-            <p:ph type="sldNum" sz="quarter" idx="12"/>
-          </p:nvPr>
-        </p:nvSpPr>
-        <p:spPr/>
-        <p:txBody>
-          <a:bodyPr/>
-          <a:lstStyle/>
-          <a:p>
-            <a:fld id="{9434A1CD-3FDA-461F-99C3-56480CBF16DC}" type="slidenum">
-              <a:rPr lang="en-AU" smtClean="0"/>
-              <a:t>‹#›</a:t>
-            </a:fld>
-            <a:endParaRPr lang="en-AU" dirty="0"/>
+            <a:endParaRPr lang="en-US"/>
           </a:p>
         </p:txBody>
       </p:sp>
     </p:spTree>
     <p:extLst>
       <p:ext uri="{BB962C8B-B14F-4D97-AF65-F5344CB8AC3E}">
-        <p14:creationId xmlns:p14="http://schemas.microsoft.com/office/powerpoint/2010/main" val="4034290815"/>
+        <p14:creationId xmlns:p14="http://schemas.microsoft.com/office/powerpoint/2010/main" val="1978479197"/>
       </p:ext>
     </p:extLst>
   </p:cSld>
   <p:clrMapOvr>
     <a:masterClrMapping/>
   </p:clrMapOvr>
+  <p:timing>
+    <p:tnLst>
+      <p:par>
+        <p:cTn id="1" dur="indefinite" restart="never" nodeType="tmRoot"/>
+      </p:par>
+    </p:tnLst>
+  </p:timing>
 </p:sldLayout>
 </file>
 
@@ -1879,79 +1660,14 @@
               <a:rPr lang="en-US" smtClean="0"/>
               <a:t>Click to edit Master title style</a:t>
             </a:r>
-            <a:endParaRPr lang="en-AU"/>
-          </a:p>
-        </p:txBody>
-      </p:sp>
-      <p:sp>
-        <p:nvSpPr>
-          <p:cNvPr id="3" name="Date Placeholder 2"/>
-          <p:cNvSpPr>
-            <a:spLocks noGrp="1"/>
-          </p:cNvSpPr>
-          <p:nvPr>
-            <p:ph type="dt" sz="half" idx="10"/>
-          </p:nvPr>
-        </p:nvSpPr>
-        <p:spPr/>
-        <p:txBody>
-          <a:bodyPr/>
-          <a:lstStyle/>
-          <a:p>
-            <a:fld id="{5D3BBE8D-782C-4EBE-9078-1E1B2F186064}" type="datetimeFigureOut">
-              <a:rPr lang="en-AU" smtClean="0"/>
-              <a:t>4/12/2012</a:t>
-            </a:fld>
-            <a:endParaRPr lang="en-AU" dirty="0"/>
-          </a:p>
-        </p:txBody>
-      </p:sp>
-      <p:sp>
-        <p:nvSpPr>
-          <p:cNvPr id="4" name="Footer Placeholder 3"/>
-          <p:cNvSpPr>
-            <a:spLocks noGrp="1"/>
-          </p:cNvSpPr>
-          <p:nvPr>
-            <p:ph type="ftr" sz="quarter" idx="11"/>
-          </p:nvPr>
-        </p:nvSpPr>
-        <p:spPr/>
-        <p:txBody>
-          <a:bodyPr/>
-          <a:lstStyle/>
-          <a:p>
-            <a:endParaRPr lang="en-AU" dirty="0"/>
-          </a:p>
-        </p:txBody>
-      </p:sp>
-      <p:sp>
-        <p:nvSpPr>
-          <p:cNvPr id="5" name="Slide Number Placeholder 4"/>
-          <p:cNvSpPr>
-            <a:spLocks noGrp="1"/>
-          </p:cNvSpPr>
-          <p:nvPr>
-            <p:ph type="sldNum" sz="quarter" idx="12"/>
-          </p:nvPr>
-        </p:nvSpPr>
-        <p:spPr/>
-        <p:txBody>
-          <a:bodyPr/>
-          <a:lstStyle/>
-          <a:p>
-            <a:fld id="{9434A1CD-3FDA-461F-99C3-56480CBF16DC}" type="slidenum">
-              <a:rPr lang="en-AU" smtClean="0"/>
-              <a:t>‹#›</a:t>
-            </a:fld>
-            <a:endParaRPr lang="en-AU" dirty="0"/>
+            <a:endParaRPr lang="en-US"/>
           </a:p>
         </p:txBody>
       </p:sp>
     </p:spTree>
     <p:extLst>
       <p:ext uri="{BB962C8B-B14F-4D97-AF65-F5344CB8AC3E}">
-        <p14:creationId xmlns:p14="http://schemas.microsoft.com/office/powerpoint/2010/main" val="1549956354"/>
+        <p14:creationId xmlns:p14="http://schemas.microsoft.com/office/powerpoint/2010/main" val="3432753693"/>
       </p:ext>
     </p:extLst>
   </p:cSld>
@@ -1978,75 +1694,10 @@
           <a:chExt cx="0" cy="0"/>
         </a:xfrm>
       </p:grpSpPr>
-      <p:sp>
-        <p:nvSpPr>
-          <p:cNvPr id="2" name="Date Placeholder 1"/>
-          <p:cNvSpPr>
-            <a:spLocks noGrp="1"/>
-          </p:cNvSpPr>
-          <p:nvPr>
-            <p:ph type="dt" sz="half" idx="10"/>
-          </p:nvPr>
-        </p:nvSpPr>
-        <p:spPr/>
-        <p:txBody>
-          <a:bodyPr/>
-          <a:lstStyle/>
-          <a:p>
-            <a:fld id="{5D3BBE8D-782C-4EBE-9078-1E1B2F186064}" type="datetimeFigureOut">
-              <a:rPr lang="en-AU" smtClean="0"/>
-              <a:t>4/12/2012</a:t>
-            </a:fld>
-            <a:endParaRPr lang="en-AU" dirty="0"/>
-          </a:p>
-        </p:txBody>
-      </p:sp>
-      <p:sp>
-        <p:nvSpPr>
-          <p:cNvPr id="3" name="Footer Placeholder 2"/>
-          <p:cNvSpPr>
-            <a:spLocks noGrp="1"/>
-          </p:cNvSpPr>
-          <p:nvPr>
-            <p:ph type="ftr" sz="quarter" idx="11"/>
-          </p:nvPr>
-        </p:nvSpPr>
-        <p:spPr/>
-        <p:txBody>
-          <a:bodyPr/>
-          <a:lstStyle/>
-          <a:p>
-            <a:endParaRPr lang="en-AU" dirty="0"/>
-          </a:p>
-        </p:txBody>
-      </p:sp>
-      <p:sp>
-        <p:nvSpPr>
-          <p:cNvPr id="4" name="Slide Number Placeholder 3"/>
-          <p:cNvSpPr>
-            <a:spLocks noGrp="1"/>
-          </p:cNvSpPr>
-          <p:nvPr>
-            <p:ph type="sldNum" sz="quarter" idx="12"/>
-          </p:nvPr>
-        </p:nvSpPr>
-        <p:spPr/>
-        <p:txBody>
-          <a:bodyPr/>
-          <a:lstStyle/>
-          <a:p>
-            <a:fld id="{9434A1CD-3FDA-461F-99C3-56480CBF16DC}" type="slidenum">
-              <a:rPr lang="en-AU" smtClean="0"/>
-              <a:t>‹#›</a:t>
-            </a:fld>
-            <a:endParaRPr lang="en-AU" dirty="0"/>
-          </a:p>
-        </p:txBody>
-      </p:sp>
     </p:spTree>
     <p:extLst>
       <p:ext uri="{BB962C8B-B14F-4D97-AF65-F5344CB8AC3E}">
-        <p14:creationId xmlns:p14="http://schemas.microsoft.com/office/powerpoint/2010/main" val="4048075511"/>
+        <p14:creationId xmlns:p14="http://schemas.microsoft.com/office/powerpoint/2010/main" val="1496780325"/>
       </p:ext>
     </p:extLst>
   </p:cSld>
@@ -2090,7 +1741,7 @@
           </a:xfrm>
         </p:spPr>
         <p:txBody>
-          <a:bodyPr anchor="b"/>
+          <a:bodyPr/>
           <a:lstStyle>
             <a:lvl1pPr algn="l">
               <a:defRPr sz="2000" b="1"/>
@@ -2101,7 +1752,7 @@
               <a:rPr lang="en-US" smtClean="0"/>
               <a:t>Click to edit Master title style</a:t>
             </a:r>
-            <a:endParaRPr lang="en-AU"/>
+            <a:endParaRPr lang="en-US"/>
           </a:p>
         </p:txBody>
       </p:sp>
@@ -2186,7 +1837,7 @@
               <a:rPr lang="en-US" smtClean="0"/>
               <a:t>Fifth level</a:t>
             </a:r>
-            <a:endParaRPr lang="en-AU"/>
+            <a:endParaRPr lang="en-US"/>
           </a:p>
         </p:txBody>
       </p:sp>
@@ -2255,75 +1906,10 @@
           </a:p>
         </p:txBody>
       </p:sp>
-      <p:sp>
-        <p:nvSpPr>
-          <p:cNvPr id="5" name="Date Placeholder 4"/>
-          <p:cNvSpPr>
-            <a:spLocks noGrp="1"/>
-          </p:cNvSpPr>
-          <p:nvPr>
-            <p:ph type="dt" sz="half" idx="10"/>
-          </p:nvPr>
-        </p:nvSpPr>
-        <p:spPr/>
-        <p:txBody>
-          <a:bodyPr/>
-          <a:lstStyle/>
-          <a:p>
-            <a:fld id="{5D3BBE8D-782C-4EBE-9078-1E1B2F186064}" type="datetimeFigureOut">
-              <a:rPr lang="en-AU" smtClean="0"/>
-              <a:t>4/12/2012</a:t>
-            </a:fld>
-            <a:endParaRPr lang="en-AU" dirty="0"/>
-          </a:p>
-        </p:txBody>
-      </p:sp>
-      <p:sp>
-        <p:nvSpPr>
-          <p:cNvPr id="6" name="Footer Placeholder 5"/>
-          <p:cNvSpPr>
-            <a:spLocks noGrp="1"/>
-          </p:cNvSpPr>
-          <p:nvPr>
-            <p:ph type="ftr" sz="quarter" idx="11"/>
-          </p:nvPr>
-        </p:nvSpPr>
-        <p:spPr/>
-        <p:txBody>
-          <a:bodyPr/>
-          <a:lstStyle/>
-          <a:p>
-            <a:endParaRPr lang="en-AU" dirty="0"/>
-          </a:p>
-        </p:txBody>
-      </p:sp>
-      <p:sp>
-        <p:nvSpPr>
-          <p:cNvPr id="7" name="Slide Number Placeholder 6"/>
-          <p:cNvSpPr>
-            <a:spLocks noGrp="1"/>
-          </p:cNvSpPr>
-          <p:nvPr>
-            <p:ph type="sldNum" sz="quarter" idx="12"/>
-          </p:nvPr>
-        </p:nvSpPr>
-        <p:spPr/>
-        <p:txBody>
-          <a:bodyPr/>
-          <a:lstStyle/>
-          <a:p>
-            <a:fld id="{9434A1CD-3FDA-461F-99C3-56480CBF16DC}" type="slidenum">
-              <a:rPr lang="en-AU" smtClean="0"/>
-              <a:t>‹#›</a:t>
-            </a:fld>
-            <a:endParaRPr lang="en-AU" dirty="0"/>
-          </a:p>
-        </p:txBody>
-      </p:sp>
     </p:spTree>
     <p:extLst>
       <p:ext uri="{BB962C8B-B14F-4D97-AF65-F5344CB8AC3E}">
-        <p14:creationId xmlns:p14="http://schemas.microsoft.com/office/powerpoint/2010/main" val="2925697387"/>
+        <p14:creationId xmlns:p14="http://schemas.microsoft.com/office/powerpoint/2010/main" val="3138944748"/>
       </p:ext>
     </p:extLst>
   </p:cSld>
@@ -2367,7 +1953,7 @@
           </a:xfrm>
         </p:spPr>
         <p:txBody>
-          <a:bodyPr anchor="b"/>
+          <a:bodyPr/>
           <a:lstStyle>
             <a:lvl1pPr algn="l">
               <a:defRPr sz="2000" b="1"/>
@@ -2378,7 +1964,7 @@
               <a:rPr lang="en-US" smtClean="0"/>
               <a:t>Click to edit Master title style</a:t>
             </a:r>
-            <a:endParaRPr lang="en-AU"/>
+            <a:endParaRPr lang="en-US"/>
           </a:p>
         </p:txBody>
       </p:sp>
@@ -2439,7 +2025,12 @@
             </a:lvl9pPr>
           </a:lstStyle>
           <a:p>
-            <a:endParaRPr lang="en-AU" dirty="0"/>
+            <a:pPr lvl="0"/>
+            <a:r>
+              <a:rPr lang="en-US" noProof="0" smtClean="0"/>
+              <a:t>Click icon to add picture</a:t>
+            </a:r>
+            <a:endParaRPr lang="en-US" noProof="0" smtClean="0"/>
           </a:p>
         </p:txBody>
       </p:sp>
@@ -2508,75 +2099,10 @@
           </a:p>
         </p:txBody>
       </p:sp>
-      <p:sp>
-        <p:nvSpPr>
-          <p:cNvPr id="5" name="Date Placeholder 4"/>
-          <p:cNvSpPr>
-            <a:spLocks noGrp="1"/>
-          </p:cNvSpPr>
-          <p:nvPr>
-            <p:ph type="dt" sz="half" idx="10"/>
-          </p:nvPr>
-        </p:nvSpPr>
-        <p:spPr/>
-        <p:txBody>
-          <a:bodyPr/>
-          <a:lstStyle/>
-          <a:p>
-            <a:fld id="{5D3BBE8D-782C-4EBE-9078-1E1B2F186064}" type="datetimeFigureOut">
-              <a:rPr lang="en-AU" smtClean="0"/>
-              <a:t>4/12/2012</a:t>
-            </a:fld>
-            <a:endParaRPr lang="en-AU" dirty="0"/>
-          </a:p>
-        </p:txBody>
-      </p:sp>
-      <p:sp>
-        <p:nvSpPr>
-          <p:cNvPr id="6" name="Footer Placeholder 5"/>
-          <p:cNvSpPr>
-            <a:spLocks noGrp="1"/>
-          </p:cNvSpPr>
-          <p:nvPr>
-            <p:ph type="ftr" sz="quarter" idx="11"/>
-          </p:nvPr>
-        </p:nvSpPr>
-        <p:spPr/>
-        <p:txBody>
-          <a:bodyPr/>
-          <a:lstStyle/>
-          <a:p>
-            <a:endParaRPr lang="en-AU" dirty="0"/>
-          </a:p>
-        </p:txBody>
-      </p:sp>
-      <p:sp>
-        <p:nvSpPr>
-          <p:cNvPr id="7" name="Slide Number Placeholder 6"/>
-          <p:cNvSpPr>
-            <a:spLocks noGrp="1"/>
-          </p:cNvSpPr>
-          <p:nvPr>
-            <p:ph type="sldNum" sz="quarter" idx="12"/>
-          </p:nvPr>
-        </p:nvSpPr>
-        <p:spPr/>
-        <p:txBody>
-          <a:bodyPr/>
-          <a:lstStyle/>
-          <a:p>
-            <a:fld id="{9434A1CD-3FDA-461F-99C3-56480CBF16DC}" type="slidenum">
-              <a:rPr lang="en-AU" smtClean="0"/>
-              <a:t>‹#›</a:t>
-            </a:fld>
-            <a:endParaRPr lang="en-AU" dirty="0"/>
-          </a:p>
-        </p:txBody>
-      </p:sp>
     </p:spTree>
     <p:extLst>
       <p:ext uri="{BB962C8B-B14F-4D97-AF65-F5344CB8AC3E}">
-        <p14:creationId xmlns:p14="http://schemas.microsoft.com/office/powerpoint/2010/main" val="3780612009"/>
+        <p14:creationId xmlns:p14="http://schemas.microsoft.com/office/powerpoint/2010/main" val="2970801318"/>
       </p:ext>
     </p:extLst>
   </p:cSld>
@@ -2590,9 +2116,12 @@
 <p:sldMaster xmlns:a="http://schemas.openxmlformats.org/drawingml/2006/main" xmlns:r="http://schemas.openxmlformats.org/officeDocument/2006/relationships" xmlns:p="http://schemas.openxmlformats.org/presentationml/2006/main">
   <p:cSld>
     <p:bg>
-      <p:bgRef idx="1001">
-        <a:schemeClr val="bg1"/>
-      </p:bgRef>
+      <p:bgPr>
+        <a:solidFill>
+          <a:schemeClr val="bg1"/>
+        </a:solidFill>
+        <a:effectLst/>
+      </p:bgPr>
     </p:bg>
     <p:spTree>
       <p:nvGrpSpPr>
@@ -2610,59 +2139,283 @@
       </p:grpSpPr>
       <p:sp>
         <p:nvSpPr>
-          <p:cNvPr id="2" name="Title Placeholder 1"/>
+          <p:cNvPr id="1026" name="Rectangle 3"/>
           <p:cNvSpPr>
-            <a:spLocks noGrp="1"/>
+            <a:spLocks noChangeArrowheads="1"/>
+          </p:cNvSpPr>
+          <p:nvPr/>
+        </p:nvSpPr>
+        <p:spPr bwMode="auto">
+          <a:xfrm>
+            <a:off x="152400" y="152400"/>
+            <a:ext cx="8839200" cy="6477000"/>
+          </a:xfrm>
+          <a:prstGeom prst="rect">
+            <a:avLst/>
+          </a:prstGeom>
+          <a:solidFill>
+            <a:schemeClr val="bg1"/>
+          </a:solidFill>
+          <a:ln w="44450">
+            <a:solidFill>
+              <a:schemeClr val="folHlink"/>
+            </a:solidFill>
+            <a:miter lim="800000"/>
+            <a:headEnd/>
+            <a:tailEnd/>
+          </a:ln>
+          <a:effectLst/>
+          <a:extLst>
+            <a:ext uri="{AF507438-7753-43E0-B8FC-AC1667EBCBE1}">
+              <a14:hiddenEffects xmlns:a14="http://schemas.microsoft.com/office/drawing/2010/main">
+                <a:effectLst>
+                  <a:outerShdw dist="35921" dir="2700000" algn="ctr" rotWithShape="0">
+                    <a:schemeClr val="bg2"/>
+                  </a:outerShdw>
+                </a:effectLst>
+              </a14:hiddenEffects>
+            </a:ext>
+          </a:extLst>
+        </p:spPr>
+        <p:txBody>
+          <a:bodyPr wrap="none" anchor="ctr"/>
+          <a:lstStyle/>
+          <a:p>
+            <a:pPr algn="ctr" eaLnBrk="1" hangingPunct="1"/>
+            <a:endParaRPr lang="en-US" sz="2400">
+              <a:latin typeface="Times New Roman" pitchFamily="18" charset="0"/>
+            </a:endParaRPr>
+          </a:p>
+        </p:txBody>
+      </p:sp>
+      <p:sp>
+        <p:nvSpPr>
+          <p:cNvPr id="1027" name="Rectangle 4"/>
+          <p:cNvSpPr>
+            <a:spLocks noChangeArrowheads="1"/>
+          </p:cNvSpPr>
+          <p:nvPr/>
+        </p:nvSpPr>
+        <p:spPr bwMode="blackWhite">
+          <a:xfrm>
+            <a:off x="231775" y="236538"/>
+            <a:ext cx="8678863" cy="6289675"/>
+          </a:xfrm>
+          <a:prstGeom prst="rect">
+            <a:avLst/>
+          </a:prstGeom>
+          <a:solidFill>
+            <a:schemeClr val="bg1"/>
+          </a:solidFill>
+          <a:ln w="9525">
+            <a:solidFill>
+              <a:schemeClr val="folHlink"/>
+            </a:solidFill>
+            <a:miter lim="800000"/>
+            <a:headEnd/>
+            <a:tailEnd/>
+          </a:ln>
+          <a:effectLst/>
+          <a:extLst>
+            <a:ext uri="{AF507438-7753-43E0-B8FC-AC1667EBCBE1}">
+              <a14:hiddenEffects xmlns:a14="http://schemas.microsoft.com/office/drawing/2010/main">
+                <a:effectLst>
+                  <a:outerShdw dist="35921" dir="2700000" algn="ctr" rotWithShape="0">
+                    <a:schemeClr val="bg2"/>
+                  </a:outerShdw>
+                </a:effectLst>
+              </a14:hiddenEffects>
+            </a:ext>
+          </a:extLst>
+        </p:spPr>
+        <p:txBody>
+          <a:bodyPr wrap="none" anchor="ctr"/>
+          <a:lstStyle/>
+          <a:p>
+            <a:pPr algn="ctr" eaLnBrk="1" hangingPunct="1"/>
+            <a:endParaRPr lang="en-US" sz="2400">
+              <a:latin typeface="Times New Roman" pitchFamily="18" charset="0"/>
+            </a:endParaRPr>
+          </a:p>
+        </p:txBody>
+      </p:sp>
+      <p:sp>
+        <p:nvSpPr>
+          <p:cNvPr id="1028" name="Line 5"/>
+          <p:cNvSpPr>
+            <a:spLocks noChangeShapeType="1"/>
+          </p:cNvSpPr>
+          <p:nvPr/>
+        </p:nvSpPr>
+        <p:spPr bwMode="auto">
+          <a:xfrm>
+            <a:off x="461963" y="1600200"/>
+            <a:ext cx="8296275" cy="0"/>
+          </a:xfrm>
+          <a:prstGeom prst="line">
+            <a:avLst/>
+          </a:prstGeom>
+          <a:noFill/>
+          <a:ln w="38100">
+            <a:solidFill>
+              <a:schemeClr val="accent1"/>
+            </a:solidFill>
+            <a:round/>
+            <a:headEnd/>
+            <a:tailEnd/>
+          </a:ln>
+          <a:effectLst/>
+          <a:extLst>
+            <a:ext uri="{909E8E84-426E-40DD-AFC4-6F175D3DCCD1}">
+              <a14:hiddenFill xmlns:a14="http://schemas.microsoft.com/office/drawing/2010/main">
+                <a:noFill/>
+              </a14:hiddenFill>
+            </a:ext>
+            <a:ext uri="{AF507438-7753-43E0-B8FC-AC1667EBCBE1}">
+              <a14:hiddenEffects xmlns:a14="http://schemas.microsoft.com/office/drawing/2010/main">
+                <a:effectLst>
+                  <a:outerShdw dist="35921" dir="2700000" algn="ctr" rotWithShape="0">
+                    <a:schemeClr val="bg2"/>
+                  </a:outerShdw>
+                </a:effectLst>
+              </a14:hiddenEffects>
+            </a:ext>
+          </a:extLst>
+        </p:spPr>
+        <p:txBody>
+          <a:bodyPr/>
+          <a:lstStyle/>
+          <a:p>
+            <a:endParaRPr lang="en-AU"/>
+          </a:p>
+        </p:txBody>
+      </p:sp>
+      <p:sp>
+        <p:nvSpPr>
+          <p:cNvPr id="1029" name="Rectangle 6"/>
+          <p:cNvSpPr>
+            <a:spLocks noGrp="1" noChangeArrowheads="1"/>
           </p:cNvSpPr>
           <p:nvPr>
             <p:ph type="title"/>
           </p:nvPr>
         </p:nvSpPr>
-        <p:spPr>
-          <a:xfrm>
-            <a:off x="457200" y="274638"/>
-            <a:ext cx="8229600" cy="1143000"/>
+        <p:spPr bwMode="auto">
+          <a:xfrm>
+            <a:off x="533400" y="473075"/>
+            <a:ext cx="8153400" cy="822325"/>
           </a:xfrm>
           <a:prstGeom prst="rect">
             <a:avLst/>
           </a:prstGeom>
+          <a:noFill/>
+          <a:ln>
+            <a:noFill/>
+          </a:ln>
+          <a:effectLst/>
+          <a:extLst>
+            <a:ext uri="{909E8E84-426E-40DD-AFC4-6F175D3DCCD1}">
+              <a14:hiddenFill xmlns:a14="http://schemas.microsoft.com/office/drawing/2010/main">
+                <a:solidFill>
+                  <a:schemeClr val="accent1"/>
+                </a:solidFill>
+              </a14:hiddenFill>
+            </a:ext>
+            <a:ext uri="{91240B29-F687-4F45-9708-019B960494DF}">
+              <a14:hiddenLine xmlns:a14="http://schemas.microsoft.com/office/drawing/2010/main" w="9525">
+                <a:solidFill>
+                  <a:schemeClr val="tx1"/>
+                </a:solidFill>
+                <a:miter lim="800000"/>
+                <a:headEnd/>
+                <a:tailEnd/>
+              </a14:hiddenLine>
+            </a:ext>
+            <a:ext uri="{AF507438-7753-43E0-B8FC-AC1667EBCBE1}">
+              <a14:hiddenEffects xmlns:a14="http://schemas.microsoft.com/office/drawing/2010/main">
+                <a:effectLst>
+                  <a:outerShdw dist="35921" dir="2700000" algn="ctr" rotWithShape="0">
+                    <a:schemeClr val="bg2"/>
+                  </a:outerShdw>
+                </a:effectLst>
+              </a14:hiddenEffects>
+            </a:ext>
+          </a:extLst>
         </p:spPr>
         <p:txBody>
-          <a:bodyPr vert="horz" lIns="91440" tIns="45720" rIns="91440" bIns="45720" rtlCol="0" anchor="ctr">
-            <a:normAutofit/>
+          <a:bodyPr vert="horz" wrap="square" lIns="91440" tIns="45720" rIns="91440" bIns="45720" numCol="1" anchor="b" anchorCtr="0" compatLnSpc="1">
+            <a:prstTxWarp prst="textNoShape">
+              <a:avLst/>
+            </a:prstTxWarp>
           </a:bodyPr>
           <a:lstStyle/>
           <a:p>
+            <a:pPr lvl="0"/>
             <a:r>
               <a:rPr lang="en-US" smtClean="0"/>
               <a:t>Click to edit Master title style</a:t>
             </a:r>
-            <a:endParaRPr lang="en-AU"/>
+            <a:endParaRPr lang="en-US" smtClean="0"/>
           </a:p>
         </p:txBody>
       </p:sp>
       <p:sp>
         <p:nvSpPr>
-          <p:cNvPr id="3" name="Text Placeholder 2"/>
+          <p:cNvPr id="1030" name="Rectangle 7"/>
           <p:cNvSpPr>
-            <a:spLocks noGrp="1"/>
+            <a:spLocks noGrp="1" noChangeArrowheads="1"/>
           </p:cNvSpPr>
           <p:nvPr>
             <p:ph type="body" idx="1"/>
           </p:nvPr>
         </p:nvSpPr>
-        <p:spPr>
-          <a:xfrm>
-            <a:off x="457200" y="1600200"/>
-            <a:ext cx="8229600" cy="4525963"/>
+        <p:spPr bwMode="auto">
+          <a:xfrm>
+            <a:off x="381000" y="1828800"/>
+            <a:ext cx="8382000" cy="4419600"/>
           </a:xfrm>
           <a:prstGeom prst="rect">
             <a:avLst/>
           </a:prstGeom>
+          <a:noFill/>
+          <a:ln>
+            <a:noFill/>
+          </a:ln>
+          <a:effectLst/>
+          <a:extLst>
+            <a:ext uri="{909E8E84-426E-40DD-AFC4-6F175D3DCCD1}">
+              <a14:hiddenFill xmlns:a14="http://schemas.microsoft.com/office/drawing/2010/main">
+                <a:solidFill>
+                  <a:schemeClr val="accent1"/>
+                </a:solidFill>
+              </a14:hiddenFill>
+            </a:ext>
+            <a:ext uri="{91240B29-F687-4F45-9708-019B960494DF}">
+              <a14:hiddenLine xmlns:a14="http://schemas.microsoft.com/office/drawing/2010/main" w="9525">
+                <a:solidFill>
+                  <a:schemeClr val="tx1"/>
+                </a:solidFill>
+                <a:miter lim="800000"/>
+                <a:headEnd/>
+                <a:tailEnd/>
+              </a14:hiddenLine>
+            </a:ext>
+            <a:ext uri="{AF507438-7753-43E0-B8FC-AC1667EBCBE1}">
+              <a14:hiddenEffects xmlns:a14="http://schemas.microsoft.com/office/drawing/2010/main">
+                <a:effectLst>
+                  <a:outerShdw dist="35921" dir="2700000" algn="ctr" rotWithShape="0">
+                    <a:schemeClr val="bg2"/>
+                  </a:outerShdw>
+                </a:effectLst>
+              </a14:hiddenEffects>
+            </a:ext>
+          </a:extLst>
         </p:spPr>
         <p:txBody>
-          <a:bodyPr vert="horz" lIns="91440" tIns="45720" rIns="91440" bIns="45720" rtlCol="0">
-            <a:normAutofit/>
+          <a:bodyPr vert="horz" wrap="square" lIns="91440" tIns="45720" rIns="91440" bIns="45720" numCol="1" anchor="t" anchorCtr="0" compatLnSpc="1">
+            <a:prstTxWarp prst="textNoShape">
+              <a:avLst/>
+            </a:prstTxWarp>
           </a:bodyPr>
           <a:lstStyle/>
           <a:p>
@@ -2699,175 +2452,332 @@
               <a:rPr lang="en-US" smtClean="0"/>
               <a:t>Fifth level</a:t>
             </a:r>
-            <a:endParaRPr lang="en-AU"/>
+            <a:endParaRPr lang="en-US" smtClean="0"/>
           </a:p>
         </p:txBody>
       </p:sp>
       <p:sp>
         <p:nvSpPr>
-          <p:cNvPr id="4" name="Date Placeholder 3"/>
+          <p:cNvPr id="1031" name="Rectangle 13"/>
           <p:cNvSpPr>
-            <a:spLocks noGrp="1"/>
+            <a:spLocks noChangeArrowheads="1"/>
           </p:cNvSpPr>
-          <p:nvPr>
-            <p:ph type="dt" sz="half" idx="2"/>
-          </p:nvPr>
+          <p:nvPr/>
         </p:nvSpPr>
-        <p:spPr>
-          <a:xfrm>
-            <a:off x="457200" y="6356350"/>
-            <a:ext cx="2133600" cy="365125"/>
+        <p:spPr bwMode="auto">
+          <a:xfrm>
+            <a:off x="228600" y="6643688"/>
+            <a:ext cx="9144000" cy="214312"/>
           </a:xfrm>
           <a:prstGeom prst="rect">
             <a:avLst/>
           </a:prstGeom>
+          <a:noFill/>
+          <a:ln>
+            <a:noFill/>
+          </a:ln>
+          <a:effectLst/>
+          <a:extLst>
+            <a:ext uri="{909E8E84-426E-40DD-AFC4-6F175D3DCCD1}">
+              <a14:hiddenFill xmlns:a14="http://schemas.microsoft.com/office/drawing/2010/main">
+                <a:solidFill>
+                  <a:schemeClr val="accent1"/>
+                </a:solidFill>
+              </a14:hiddenFill>
+            </a:ext>
+            <a:ext uri="{91240B29-F687-4F45-9708-019B960494DF}">
+              <a14:hiddenLine xmlns:a14="http://schemas.microsoft.com/office/drawing/2010/main" w="9525">
+                <a:solidFill>
+                  <a:schemeClr val="tx1"/>
+                </a:solidFill>
+                <a:miter lim="800000"/>
+                <a:headEnd/>
+                <a:tailEnd/>
+              </a14:hiddenLine>
+            </a:ext>
+            <a:ext uri="{AF507438-7753-43E0-B8FC-AC1667EBCBE1}">
+              <a14:hiddenEffects xmlns:a14="http://schemas.microsoft.com/office/drawing/2010/main">
+                <a:effectLst>
+                  <a:outerShdw dist="35921" dir="2700000" algn="ctr" rotWithShape="0">
+                    <a:schemeClr val="bg2"/>
+                  </a:outerShdw>
+                </a:effectLst>
+              </a14:hiddenEffects>
+            </a:ext>
+          </a:extLst>
         </p:spPr>
         <p:txBody>
-          <a:bodyPr vert="horz" lIns="91440" tIns="45720" rIns="91440" bIns="45720" rtlCol="0" anchor="ctr"/>
-          <a:lstStyle>
-            <a:lvl1pPr algn="l">
-              <a:defRPr sz="1200">
-                <a:solidFill>
-                  <a:schemeClr val="tx1">
-                    <a:tint val="75000"/>
-                  </a:schemeClr>
-                </a:solidFill>
-              </a:defRPr>
-            </a:lvl1pPr>
-          </a:lstStyle>
-          <a:p>
-            <a:fld id="{5D3BBE8D-782C-4EBE-9078-1E1B2F186064}" type="datetimeFigureOut">
-              <a:rPr lang="en-AU" smtClean="0"/>
-              <a:t>4/12/2012</a:t>
-            </a:fld>
-            <a:endParaRPr lang="en-AU" dirty="0"/>
+          <a:bodyPr>
+            <a:spAutoFit/>
+          </a:bodyPr>
+          <a:lstStyle/>
+          <a:p>
+            <a:r>
+              <a:rPr lang="en-US" sz="800" b="1" dirty="0" smtClean="0"/>
+              <a:t>© 2012 HL7 ® International. Licensed</a:t>
+            </a:r>
+            <a:r>
+              <a:rPr lang="en-US" sz="800" b="1" baseline="0" dirty="0" smtClean="0"/>
+              <a:t> under Creative Commons</a:t>
+            </a:r>
+            <a:r>
+              <a:rPr lang="en-US" sz="800" b="1" dirty="0" smtClean="0"/>
+              <a:t>. HL7 &amp; Health Level Seven are registered trademarks of Health Level Seven International. Reg. U.S. TM Office.</a:t>
+            </a:r>
+            <a:endParaRPr lang="en-US" sz="800" b="1" dirty="0"/>
           </a:p>
         </p:txBody>
       </p:sp>
-      <p:sp>
-        <p:nvSpPr>
-          <p:cNvPr id="5" name="Footer Placeholder 4"/>
-          <p:cNvSpPr>
-            <a:spLocks noGrp="1"/>
-          </p:cNvSpPr>
-          <p:nvPr>
-            <p:ph type="ftr" sz="quarter" idx="3"/>
-          </p:nvPr>
-        </p:nvSpPr>
-        <p:spPr>
-          <a:xfrm>
-            <a:off x="3124200" y="6356350"/>
-            <a:ext cx="2895600" cy="365125"/>
+      <p:pic>
+        <p:nvPicPr>
+          <p:cNvPr id="1032" name="Picture 14" descr="HL7 International Logo"/>
+          <p:cNvPicPr>
+            <a:picLocks noChangeAspect="1" noChangeArrowheads="1"/>
+          </p:cNvPicPr>
+          <p:nvPr/>
+        </p:nvPicPr>
+        <p:blipFill>
+          <a:blip r:embed="rId13" cstate="print">
+            <a:extLst>
+              <a:ext uri="{28A0092B-C50C-407E-A947-70E740481C1C}">
+                <a14:useLocalDpi xmlns:a14="http://schemas.microsoft.com/office/drawing/2010/main" val="0"/>
+              </a:ext>
+            </a:extLst>
+          </a:blip>
+          <a:srcRect/>
+          <a:stretch>
+            <a:fillRect/>
+          </a:stretch>
+        </p:blipFill>
+        <p:spPr bwMode="auto">
+          <a:xfrm>
+            <a:off x="8174038" y="5791200"/>
+            <a:ext cx="665162" cy="685800"/>
           </a:xfrm>
           <a:prstGeom prst="rect">
             <a:avLst/>
           </a:prstGeom>
-        </p:spPr>
-        <p:txBody>
-          <a:bodyPr vert="horz" lIns="91440" tIns="45720" rIns="91440" bIns="45720" rtlCol="0" anchor="ctr"/>
-          <a:lstStyle>
-            <a:lvl1pPr algn="ctr">
-              <a:defRPr sz="1200">
+          <a:noFill/>
+          <a:ln>
+            <a:noFill/>
+          </a:ln>
+          <a:extLst>
+            <a:ext uri="{909E8E84-426E-40DD-AFC4-6F175D3DCCD1}">
+              <a14:hiddenFill xmlns:a14="http://schemas.microsoft.com/office/drawing/2010/main">
                 <a:solidFill>
-                  <a:schemeClr val="tx1">
-                    <a:tint val="75000"/>
-                  </a:schemeClr>
+                  <a:srgbClr val="FFFFFF"/>
                 </a:solidFill>
-              </a:defRPr>
-            </a:lvl1pPr>
-          </a:lstStyle>
-          <a:p>
-            <a:endParaRPr lang="en-AU" dirty="0"/>
-          </a:p>
-        </p:txBody>
-      </p:sp>
-      <p:sp>
-        <p:nvSpPr>
-          <p:cNvPr id="6" name="Slide Number Placeholder 5"/>
-          <p:cNvSpPr>
-            <a:spLocks noGrp="1"/>
-          </p:cNvSpPr>
-          <p:nvPr>
-            <p:ph type="sldNum" sz="quarter" idx="4"/>
-          </p:nvPr>
-        </p:nvSpPr>
-        <p:spPr>
-          <a:xfrm>
-            <a:off x="6553200" y="6356350"/>
-            <a:ext cx="2133600" cy="365125"/>
-          </a:xfrm>
-          <a:prstGeom prst="rect">
-            <a:avLst/>
-          </a:prstGeom>
-        </p:spPr>
-        <p:txBody>
-          <a:bodyPr vert="horz" lIns="91440" tIns="45720" rIns="91440" bIns="45720" rtlCol="0" anchor="ctr"/>
-          <a:lstStyle>
-            <a:lvl1pPr algn="r">
-              <a:defRPr sz="1200">
+              </a14:hiddenFill>
+            </a:ext>
+            <a:ext uri="{91240B29-F687-4F45-9708-019B960494DF}">
+              <a14:hiddenLine xmlns:a14="http://schemas.microsoft.com/office/drawing/2010/main" w="9525">
                 <a:solidFill>
-                  <a:schemeClr val="tx1">
-                    <a:tint val="75000"/>
-                  </a:schemeClr>
+                  <a:srgbClr val="000000"/>
                 </a:solidFill>
-              </a:defRPr>
-            </a:lvl1pPr>
-          </a:lstStyle>
-          <a:p>
-            <a:fld id="{9434A1CD-3FDA-461F-99C3-56480CBF16DC}" type="slidenum">
-              <a:rPr lang="en-AU" smtClean="0"/>
-              <a:t>‹#›</a:t>
-            </a:fld>
-            <a:endParaRPr lang="en-AU" dirty="0"/>
-          </a:p>
-        </p:txBody>
-      </p:sp>
+                <a:miter lim="800000"/>
+                <a:headEnd/>
+                <a:tailEnd/>
+              </a14:hiddenLine>
+            </a:ext>
+          </a:extLst>
+        </p:spPr>
+      </p:pic>
     </p:spTree>
-    <p:extLst>
-      <p:ext uri="{BB962C8B-B14F-4D97-AF65-F5344CB8AC3E}">
-        <p14:creationId xmlns:p14="http://schemas.microsoft.com/office/powerpoint/2010/main" val="3900360063"/>
-      </p:ext>
-    </p:extLst>
   </p:cSld>
   <p:clrMap bg1="lt1" tx1="dk1" bg2="lt2" tx2="dk2" accent1="accent1" accent2="accent2" accent3="accent3" accent4="accent4" accent5="accent5" accent6="accent6" hlink="hlink" folHlink="folHlink"/>
   <p:sldLayoutIdLst>
-    <p:sldLayoutId id="2147483649" r:id="rId1"/>
-    <p:sldLayoutId id="2147483650" r:id="rId2"/>
-    <p:sldLayoutId id="2147483651" r:id="rId3"/>
-    <p:sldLayoutId id="2147483652" r:id="rId4"/>
-    <p:sldLayoutId id="2147483653" r:id="rId5"/>
-    <p:sldLayoutId id="2147483654" r:id="rId6"/>
-    <p:sldLayoutId id="2147483655" r:id="rId7"/>
-    <p:sldLayoutId id="2147483656" r:id="rId8"/>
-    <p:sldLayoutId id="2147483657" r:id="rId9"/>
-    <p:sldLayoutId id="2147483658" r:id="rId10"/>
-    <p:sldLayoutId id="2147483659" r:id="rId11"/>
+    <p:sldLayoutId id="2147483661" r:id="rId1"/>
+    <p:sldLayoutId id="2147483662" r:id="rId2"/>
+    <p:sldLayoutId id="2147483663" r:id="rId3"/>
+    <p:sldLayoutId id="2147483664" r:id="rId4"/>
+    <p:sldLayoutId id="2147483665" r:id="rId5"/>
+    <p:sldLayoutId id="2147483666" r:id="rId6"/>
+    <p:sldLayoutId id="2147483667" r:id="rId7"/>
+    <p:sldLayoutId id="2147483668" r:id="rId8"/>
+    <p:sldLayoutId id="2147483669" r:id="rId9"/>
+    <p:sldLayoutId id="2147483670" r:id="rId10"/>
+    <p:sldLayoutId id="2147483671" r:id="rId11"/>
   </p:sldLayoutIdLst>
+  <p:timing>
+    <p:tnLst>
+      <p:par>
+        <p:cTn id="1" dur="indefinite" restart="never" nodeType="tmRoot"/>
+      </p:par>
+    </p:tnLst>
+  </p:timing>
   <p:txStyles>
     <p:titleStyle>
-      <a:lvl1pPr algn="ctr" defTabSz="914400" rtl="0" eaLnBrk="1" latinLnBrk="0" hangingPunct="1">
+      <a:lvl1pPr algn="l" rtl="0" eaLnBrk="1" fontAlgn="base" hangingPunct="1">
+        <a:lnSpc>
+          <a:spcPct val="80000"/>
+        </a:lnSpc>
         <a:spcBef>
           <a:spcPct val="0"/>
         </a:spcBef>
-        <a:buNone/>
-        <a:defRPr sz="4400" kern="1200">
+        <a:spcAft>
+          <a:spcPct val="0"/>
+        </a:spcAft>
+        <a:defRPr sz="4000">
           <a:solidFill>
-            <a:schemeClr val="tx1"/>
+            <a:schemeClr val="tx2"/>
           </a:solidFill>
           <a:latin typeface="+mj-lt"/>
           <a:ea typeface="+mj-ea"/>
           <a:cs typeface="+mj-cs"/>
         </a:defRPr>
       </a:lvl1pPr>
+      <a:lvl2pPr algn="l" rtl="0" eaLnBrk="1" fontAlgn="base" hangingPunct="1">
+        <a:lnSpc>
+          <a:spcPct val="80000"/>
+        </a:lnSpc>
+        <a:spcBef>
+          <a:spcPct val="0"/>
+        </a:spcBef>
+        <a:spcAft>
+          <a:spcPct val="0"/>
+        </a:spcAft>
+        <a:defRPr sz="4000">
+          <a:solidFill>
+            <a:schemeClr val="tx2"/>
+          </a:solidFill>
+          <a:latin typeface="Verdana" pitchFamily="34" charset="0"/>
+        </a:defRPr>
+      </a:lvl2pPr>
+      <a:lvl3pPr algn="l" rtl="0" eaLnBrk="1" fontAlgn="base" hangingPunct="1">
+        <a:lnSpc>
+          <a:spcPct val="80000"/>
+        </a:lnSpc>
+        <a:spcBef>
+          <a:spcPct val="0"/>
+        </a:spcBef>
+        <a:spcAft>
+          <a:spcPct val="0"/>
+        </a:spcAft>
+        <a:defRPr sz="4000">
+          <a:solidFill>
+            <a:schemeClr val="tx2"/>
+          </a:solidFill>
+          <a:latin typeface="Verdana" pitchFamily="34" charset="0"/>
+        </a:defRPr>
+      </a:lvl3pPr>
+      <a:lvl4pPr algn="l" rtl="0" eaLnBrk="1" fontAlgn="base" hangingPunct="1">
+        <a:lnSpc>
+          <a:spcPct val="80000"/>
+        </a:lnSpc>
+        <a:spcBef>
+          <a:spcPct val="0"/>
+        </a:spcBef>
+        <a:spcAft>
+          <a:spcPct val="0"/>
+        </a:spcAft>
+        <a:defRPr sz="4000">
+          <a:solidFill>
+            <a:schemeClr val="tx2"/>
+          </a:solidFill>
+          <a:latin typeface="Verdana" pitchFamily="34" charset="0"/>
+        </a:defRPr>
+      </a:lvl4pPr>
+      <a:lvl5pPr algn="l" rtl="0" eaLnBrk="1" fontAlgn="base" hangingPunct="1">
+        <a:lnSpc>
+          <a:spcPct val="80000"/>
+        </a:lnSpc>
+        <a:spcBef>
+          <a:spcPct val="0"/>
+        </a:spcBef>
+        <a:spcAft>
+          <a:spcPct val="0"/>
+        </a:spcAft>
+        <a:defRPr sz="4000">
+          <a:solidFill>
+            <a:schemeClr val="tx2"/>
+          </a:solidFill>
+          <a:latin typeface="Verdana" pitchFamily="34" charset="0"/>
+        </a:defRPr>
+      </a:lvl5pPr>
+      <a:lvl6pPr marL="457200" algn="l" rtl="0" eaLnBrk="1" fontAlgn="base" hangingPunct="1">
+        <a:lnSpc>
+          <a:spcPct val="80000"/>
+        </a:lnSpc>
+        <a:spcBef>
+          <a:spcPct val="0"/>
+        </a:spcBef>
+        <a:spcAft>
+          <a:spcPct val="0"/>
+        </a:spcAft>
+        <a:defRPr sz="4000">
+          <a:solidFill>
+            <a:schemeClr val="tx2"/>
+          </a:solidFill>
+          <a:latin typeface="Verdana" pitchFamily="34" charset="0"/>
+        </a:defRPr>
+      </a:lvl6pPr>
+      <a:lvl7pPr marL="914400" algn="l" rtl="0" eaLnBrk="1" fontAlgn="base" hangingPunct="1">
+        <a:lnSpc>
+          <a:spcPct val="80000"/>
+        </a:lnSpc>
+        <a:spcBef>
+          <a:spcPct val="0"/>
+        </a:spcBef>
+        <a:spcAft>
+          <a:spcPct val="0"/>
+        </a:spcAft>
+        <a:defRPr sz="4000">
+          <a:solidFill>
+            <a:schemeClr val="tx2"/>
+          </a:solidFill>
+          <a:latin typeface="Verdana" pitchFamily="34" charset="0"/>
+        </a:defRPr>
+      </a:lvl7pPr>
+      <a:lvl8pPr marL="1371600" algn="l" rtl="0" eaLnBrk="1" fontAlgn="base" hangingPunct="1">
+        <a:lnSpc>
+          <a:spcPct val="80000"/>
+        </a:lnSpc>
+        <a:spcBef>
+          <a:spcPct val="0"/>
+        </a:spcBef>
+        <a:spcAft>
+          <a:spcPct val="0"/>
+        </a:spcAft>
+        <a:defRPr sz="4000">
+          <a:solidFill>
+            <a:schemeClr val="tx2"/>
+          </a:solidFill>
+          <a:latin typeface="Verdana" pitchFamily="34" charset="0"/>
+        </a:defRPr>
+      </a:lvl8pPr>
+      <a:lvl9pPr marL="1828800" algn="l" rtl="0" eaLnBrk="1" fontAlgn="base" hangingPunct="1">
+        <a:lnSpc>
+          <a:spcPct val="80000"/>
+        </a:lnSpc>
+        <a:spcBef>
+          <a:spcPct val="0"/>
+        </a:spcBef>
+        <a:spcAft>
+          <a:spcPct val="0"/>
+        </a:spcAft>
+        <a:defRPr sz="4000">
+          <a:solidFill>
+            <a:schemeClr val="tx2"/>
+          </a:solidFill>
+          <a:latin typeface="Verdana" pitchFamily="34" charset="0"/>
+        </a:defRPr>
+      </a:lvl9pPr>
     </p:titleStyle>
     <p:bodyStyle>
-      <a:lvl1pPr marL="342900" indent="-342900" algn="l" defTabSz="914400" rtl="0" eaLnBrk="1" latinLnBrk="0" hangingPunct="1">
+      <a:lvl1pPr marL="342900" indent="-342900" algn="l" rtl="0" eaLnBrk="1" fontAlgn="base" hangingPunct="1">
         <a:spcBef>
           <a:spcPct val="20000"/>
         </a:spcBef>
-        <a:buFont typeface="Arial" pitchFamily="34" charset="0"/>
-        <a:buChar char="•"/>
-        <a:defRPr sz="3200" kern="1200">
+        <a:spcAft>
+          <a:spcPct val="0"/>
+        </a:spcAft>
+        <a:buClr>
+          <a:schemeClr val="accent1"/>
+        </a:buClr>
+        <a:buSzPct val="75000"/>
+        <a:buFont typeface="Wingdings" pitchFamily="2" charset="2"/>
+        <a:buChar char="n"/>
+        <a:defRPr sz="3100">
           <a:solidFill>
             <a:schemeClr val="tx1"/>
           </a:solidFill>
@@ -2876,124 +2786,162 @@
           <a:cs typeface="+mn-cs"/>
         </a:defRPr>
       </a:lvl1pPr>
-      <a:lvl2pPr marL="742950" indent="-285750" algn="l" defTabSz="914400" rtl="0" eaLnBrk="1" latinLnBrk="0" hangingPunct="1">
+      <a:lvl2pPr marL="742950" indent="-285750" algn="l" rtl="0" eaLnBrk="1" fontAlgn="base" hangingPunct="1">
         <a:spcBef>
           <a:spcPct val="20000"/>
         </a:spcBef>
-        <a:buFont typeface="Arial" pitchFamily="34" charset="0"/>
-        <a:buChar char="–"/>
-        <a:defRPr sz="2800" kern="1200">
+        <a:spcAft>
+          <a:spcPct val="0"/>
+        </a:spcAft>
+        <a:buClr>
+          <a:schemeClr val="accent1"/>
+        </a:buClr>
+        <a:buSzPct val="65000"/>
+        <a:buFont typeface="Wingdings" pitchFamily="2" charset="2"/>
+        <a:buChar char="Ø"/>
+        <a:defRPr sz="2600">
           <a:solidFill>
             <a:schemeClr val="tx1"/>
           </a:solidFill>
           <a:latin typeface="+mn-lt"/>
-          <a:ea typeface="+mn-ea"/>
-          <a:cs typeface="+mn-cs"/>
         </a:defRPr>
       </a:lvl2pPr>
-      <a:lvl3pPr marL="1143000" indent="-228600" algn="l" defTabSz="914400" rtl="0" eaLnBrk="1" latinLnBrk="0" hangingPunct="1">
+      <a:lvl3pPr marL="1143000" indent="-228600" algn="l" rtl="0" eaLnBrk="1" fontAlgn="base" hangingPunct="1">
         <a:spcBef>
           <a:spcPct val="20000"/>
         </a:spcBef>
-        <a:buFont typeface="Arial" pitchFamily="34" charset="0"/>
-        <a:buChar char="•"/>
-        <a:defRPr sz="2400" kern="1200">
+        <a:spcAft>
+          <a:spcPct val="0"/>
+        </a:spcAft>
+        <a:buClr>
+          <a:schemeClr val="folHlink"/>
+        </a:buClr>
+        <a:buSzPct val="55000"/>
+        <a:buFont typeface="Wingdings" pitchFamily="2" charset="2"/>
+        <a:buChar char="n"/>
+        <a:defRPr sz="2400">
           <a:solidFill>
             <a:schemeClr val="tx1"/>
           </a:solidFill>
           <a:latin typeface="+mn-lt"/>
-          <a:ea typeface="+mn-ea"/>
-          <a:cs typeface="+mn-cs"/>
         </a:defRPr>
       </a:lvl3pPr>
-      <a:lvl4pPr marL="1600200" indent="-228600" algn="l" defTabSz="914400" rtl="0" eaLnBrk="1" latinLnBrk="0" hangingPunct="1">
+      <a:lvl4pPr marL="1600200" indent="-228600" algn="l" rtl="0" eaLnBrk="1" fontAlgn="base" hangingPunct="1">
         <a:spcBef>
           <a:spcPct val="20000"/>
         </a:spcBef>
-        <a:buFont typeface="Arial" pitchFamily="34" charset="0"/>
-        <a:buChar char="–"/>
-        <a:defRPr sz="2000" kern="1200">
+        <a:spcAft>
+          <a:spcPct val="0"/>
+        </a:spcAft>
+        <a:buClr>
+          <a:schemeClr val="folHlink"/>
+        </a:buClr>
+        <a:buChar char="•"/>
+        <a:defRPr sz="2000">
           <a:solidFill>
             <a:schemeClr val="tx1"/>
           </a:solidFill>
           <a:latin typeface="+mn-lt"/>
-          <a:ea typeface="+mn-ea"/>
-          <a:cs typeface="+mn-cs"/>
         </a:defRPr>
       </a:lvl4pPr>
-      <a:lvl5pPr marL="2057400" indent="-228600" algn="l" defTabSz="914400" rtl="0" eaLnBrk="1" latinLnBrk="0" hangingPunct="1">
+      <a:lvl5pPr marL="2057400" indent="-228600" algn="l" rtl="0" eaLnBrk="1" fontAlgn="base" hangingPunct="1">
         <a:spcBef>
           <a:spcPct val="20000"/>
         </a:spcBef>
-        <a:buFont typeface="Arial" pitchFamily="34" charset="0"/>
-        <a:buChar char="»"/>
-        <a:defRPr sz="2000" kern="1200">
+        <a:spcAft>
+          <a:spcPct val="0"/>
+        </a:spcAft>
+        <a:buClr>
+          <a:schemeClr val="folHlink"/>
+        </a:buClr>
+        <a:buSzPct val="85000"/>
+        <a:buFont typeface="Wingdings" pitchFamily="2" charset="2"/>
+        <a:buChar char="ü"/>
+        <a:defRPr sz="2000">
           <a:solidFill>
             <a:schemeClr val="tx1"/>
           </a:solidFill>
           <a:latin typeface="+mn-lt"/>
-          <a:ea typeface="+mn-ea"/>
-          <a:cs typeface="+mn-cs"/>
         </a:defRPr>
       </a:lvl5pPr>
-      <a:lvl6pPr marL="2514600" indent="-228600" algn="l" defTabSz="914400" rtl="0" eaLnBrk="1" latinLnBrk="0" hangingPunct="1">
+      <a:lvl6pPr marL="2514600" indent="-228600" algn="l" rtl="0" eaLnBrk="1" fontAlgn="base" hangingPunct="1">
         <a:spcBef>
           <a:spcPct val="20000"/>
         </a:spcBef>
-        <a:buFont typeface="Arial" pitchFamily="34" charset="0"/>
-        <a:buChar char="•"/>
-        <a:defRPr sz="2000" kern="1200">
+        <a:spcAft>
+          <a:spcPct val="0"/>
+        </a:spcAft>
+        <a:buClr>
+          <a:schemeClr val="folHlink"/>
+        </a:buClr>
+        <a:buSzPct val="85000"/>
+        <a:buFont typeface="Wingdings" pitchFamily="2" charset="2"/>
+        <a:buChar char="ü"/>
+        <a:defRPr sz="2000">
           <a:solidFill>
             <a:schemeClr val="tx1"/>
           </a:solidFill>
           <a:latin typeface="+mn-lt"/>
-          <a:ea typeface="+mn-ea"/>
-          <a:cs typeface="+mn-cs"/>
         </a:defRPr>
       </a:lvl6pPr>
-      <a:lvl7pPr marL="2971800" indent="-228600" algn="l" defTabSz="914400" rtl="0" eaLnBrk="1" latinLnBrk="0" hangingPunct="1">
+      <a:lvl7pPr marL="2971800" indent="-228600" algn="l" rtl="0" eaLnBrk="1" fontAlgn="base" hangingPunct="1">
         <a:spcBef>
           <a:spcPct val="20000"/>
         </a:spcBef>
-        <a:buFont typeface="Arial" pitchFamily="34" charset="0"/>
-        <a:buChar char="•"/>
-        <a:defRPr sz="2000" kern="1200">
+        <a:spcAft>
+          <a:spcPct val="0"/>
+        </a:spcAft>
+        <a:buClr>
+          <a:schemeClr val="folHlink"/>
+        </a:buClr>
+        <a:buSzPct val="85000"/>
+        <a:buFont typeface="Wingdings" pitchFamily="2" charset="2"/>
+        <a:buChar char="ü"/>
+        <a:defRPr sz="2000">
           <a:solidFill>
             <a:schemeClr val="tx1"/>
           </a:solidFill>
           <a:latin typeface="+mn-lt"/>
-          <a:ea typeface="+mn-ea"/>
-          <a:cs typeface="+mn-cs"/>
         </a:defRPr>
       </a:lvl7pPr>
-      <a:lvl8pPr marL="3429000" indent="-228600" algn="l" defTabSz="914400" rtl="0" eaLnBrk="1" latinLnBrk="0" hangingPunct="1">
+      <a:lvl8pPr marL="3429000" indent="-228600" algn="l" rtl="0" eaLnBrk="1" fontAlgn="base" hangingPunct="1">
         <a:spcBef>
           <a:spcPct val="20000"/>
         </a:spcBef>
-        <a:buFont typeface="Arial" pitchFamily="34" charset="0"/>
-        <a:buChar char="•"/>
-        <a:defRPr sz="2000" kern="1200">
+        <a:spcAft>
+          <a:spcPct val="0"/>
+        </a:spcAft>
+        <a:buClr>
+          <a:schemeClr val="folHlink"/>
+        </a:buClr>
+        <a:buSzPct val="85000"/>
+        <a:buFont typeface="Wingdings" pitchFamily="2" charset="2"/>
+        <a:buChar char="ü"/>
+        <a:defRPr sz="2000">
           <a:solidFill>
             <a:schemeClr val="tx1"/>
           </a:solidFill>
           <a:latin typeface="+mn-lt"/>
-          <a:ea typeface="+mn-ea"/>
-          <a:cs typeface="+mn-cs"/>
         </a:defRPr>
       </a:lvl8pPr>
-      <a:lvl9pPr marL="3886200" indent="-228600" algn="l" defTabSz="914400" rtl="0" eaLnBrk="1" latinLnBrk="0" hangingPunct="1">
+      <a:lvl9pPr marL="3886200" indent="-228600" algn="l" rtl="0" eaLnBrk="1" fontAlgn="base" hangingPunct="1">
         <a:spcBef>
           <a:spcPct val="20000"/>
         </a:spcBef>
-        <a:buFont typeface="Arial" pitchFamily="34" charset="0"/>
-        <a:buChar char="•"/>
-        <a:defRPr sz="2000" kern="1200">
+        <a:spcAft>
+          <a:spcPct val="0"/>
+        </a:spcAft>
+        <a:buClr>
+          <a:schemeClr val="folHlink"/>
+        </a:buClr>
+        <a:buSzPct val="85000"/>
+        <a:buFont typeface="Wingdings" pitchFamily="2" charset="2"/>
+        <a:buChar char="ü"/>
+        <a:defRPr sz="2000">
           <a:solidFill>
             <a:schemeClr val="tx1"/>
           </a:solidFill>
           <a:latin typeface="+mn-lt"/>
-          <a:ea typeface="+mn-ea"/>
-          <a:cs typeface="+mn-cs"/>
         </a:defRPr>
       </a:lvl9pPr>
     </p:bodyStyle>
@@ -3125,7 +3073,7 @@
         </p:nvSpPr>
         <p:spPr>
           <a:xfrm>
-            <a:off x="735360" y="3036967"/>
+            <a:off x="755576" y="2204864"/>
             <a:ext cx="7772400" cy="1470025"/>
           </a:xfrm>
         </p:spPr>
@@ -3197,7 +3145,7 @@
         </p:blipFill>
         <p:spPr>
           <a:xfrm>
-            <a:off x="2411760" y="948735"/>
+            <a:off x="2339752" y="260648"/>
             <a:ext cx="4419600" cy="2451100"/>
           </a:xfrm>
           <a:prstGeom prst="rect">
@@ -3264,7 +3212,7 @@
           <a:p>
             <a:r>
               <a:rPr lang="en-AU" dirty="0" smtClean="0"/>
-              <a:t>Using Resources</a:t>
+              <a:t>Resources</a:t>
             </a:r>
             <a:endParaRPr lang="en-AU" dirty="0"/>
           </a:p>
@@ -3292,84 +3240,79 @@
           </a:bodyPr>
           <a:lstStyle/>
           <a:p>
+            <a:pPr marL="0" indent="0">
+              <a:buNone/>
+            </a:pPr>
+            <a:r>
+              <a:rPr lang="en-AU" dirty="0" smtClean="0"/>
+              <a:t>Resources have 3 parts</a:t>
+            </a:r>
+          </a:p>
+          <a:p>
+            <a:r>
+              <a:rPr lang="en-AU" dirty="0" smtClean="0"/>
+              <a:t>Defined Structured Data</a:t>
+            </a:r>
+          </a:p>
+          <a:p>
+            <a:pPr lvl="1"/>
+            <a:r>
+              <a:rPr lang="en-AU" dirty="0" smtClean="0"/>
+              <a:t>The logical, </a:t>
+            </a:r>
+            <a:r>
+              <a:rPr lang="en-AU" i="1" dirty="0" smtClean="0"/>
+              <a:t>common</a:t>
+            </a:r>
+            <a:r>
+              <a:rPr lang="en-AU" dirty="0" smtClean="0"/>
+              <a:t> contents of the </a:t>
+            </a:r>
+            <a:r>
+              <a:rPr lang="en-AU" dirty="0" smtClean="0"/>
+              <a:t>resource</a:t>
+            </a:r>
+          </a:p>
+          <a:p>
+            <a:pPr lvl="1"/>
             <a:r>
               <a:rPr lang="en-AU" dirty="0"/>
-              <a:t>C</a:t>
-            </a:r>
-            <a:r>
-              <a:rPr lang="en-AU" dirty="0" smtClean="0"/>
-              <a:t>lassic HTTP RESTful approach</a:t>
+              <a:t>Mapped to formal definitions/RIM &amp; other formats</a:t>
+            </a:r>
+            <a:endParaRPr lang="en-AU" dirty="0"/>
+          </a:p>
+          <a:p>
+            <a:r>
+              <a:rPr lang="en-AU" dirty="0" smtClean="0"/>
+              <a:t>Extensions</a:t>
             </a:r>
           </a:p>
           <a:p>
             <a:pPr lvl="1"/>
             <a:r>
               <a:rPr lang="en-AU" dirty="0" smtClean="0"/>
-              <a:t>Simple approach led by </a:t>
-            </a:r>
-            <a:r>
-              <a:rPr lang="en-AU" dirty="0"/>
-              <a:t>F</a:t>
-            </a:r>
-            <a:r>
-              <a:rPr lang="en-AU" dirty="0" smtClean="0"/>
-              <a:t>acebook, </a:t>
-            </a:r>
-            <a:r>
-              <a:rPr lang="en-AU" dirty="0" smtClean="0"/>
-              <a:t>Twitter, etc.</a:t>
-            </a:r>
-            <a:endParaRPr lang="en-AU" dirty="0" smtClean="0"/>
-          </a:p>
-          <a:p>
-            <a:r>
-              <a:rPr lang="en-AU" dirty="0" smtClean="0"/>
-              <a:t>Also uses Atom</a:t>
+              <a:t>Local requirements, but everyone can use</a:t>
             </a:r>
           </a:p>
           <a:p>
             <a:pPr lvl="1"/>
             <a:r>
               <a:rPr lang="en-AU" dirty="0" smtClean="0"/>
-              <a:t>Use Atom to “bundle” resources</a:t>
+              <a:t>Published and managed</a:t>
+            </a:r>
+          </a:p>
+          <a:p>
+            <a:r>
+              <a:rPr lang="en-AU" dirty="0" smtClean="0"/>
+              <a:t>Narrative</a:t>
             </a:r>
           </a:p>
           <a:p>
             <a:pPr lvl="1"/>
             <a:r>
               <a:rPr lang="en-AU" dirty="0" smtClean="0"/>
-              <a:t>Pub/sub framework, Multi-resource Transactions</a:t>
-            </a:r>
-          </a:p>
-          <a:p>
-            <a:pPr lvl="1"/>
-            <a:r>
-              <a:rPr lang="en-AU" dirty="0" smtClean="0"/>
-              <a:t>Messages (v2-like), Documents (per CDA)</a:t>
-            </a:r>
-          </a:p>
-          <a:p>
-            <a:r>
-              <a:rPr lang="en-AU" dirty="0" smtClean="0"/>
-              <a:t>Custom Services / SOA</a:t>
-            </a:r>
-          </a:p>
-          <a:p>
-            <a:pPr lvl="1"/>
-            <a:r>
-              <a:rPr lang="en-AU" dirty="0" smtClean="0"/>
-              <a:t>Same content</a:t>
-            </a:r>
-          </a:p>
-          <a:p>
-            <a:pPr lvl="1"/>
-            <a:r>
-              <a:rPr lang="en-AU" dirty="0" smtClean="0"/>
-              <a:t>Same base rules</a:t>
-            </a:r>
-          </a:p>
-          <a:p>
-            <a:endParaRPr lang="en-AU" dirty="0"/>
+              <a:t>Human readable (fall back)</a:t>
+            </a:r>
           </a:p>
         </p:txBody>
       </p:sp>
@@ -3394,7 +3337,7 @@
         </p:blipFill>
         <p:spPr>
           <a:xfrm>
-            <a:off x="0" y="0"/>
+            <a:off x="6876256" y="260647"/>
             <a:ext cx="2034746" cy="1252151"/>
           </a:xfrm>
           <a:prstGeom prst="rect">
@@ -3405,7 +3348,7 @@
     </p:spTree>
     <p:extLst>
       <p:ext uri="{BB962C8B-B14F-4D97-AF65-F5344CB8AC3E}">
-        <p14:creationId xmlns:p14="http://schemas.microsoft.com/office/powerpoint/2010/main" val="2028958240"/>
+        <p14:creationId xmlns:p14="http://schemas.microsoft.com/office/powerpoint/2010/main" val="1228129700"/>
       </p:ext>
     </p:extLst>
   </p:cSld>
@@ -3449,14 +3392,19 @@
             <p:ph type="title"/>
           </p:nvPr>
         </p:nvSpPr>
-        <p:spPr/>
+        <p:spPr>
+          <a:xfrm>
+            <a:off x="1017372" y="274638"/>
+            <a:ext cx="7669427" cy="1143000"/>
+          </a:xfrm>
+        </p:spPr>
         <p:txBody>
           <a:bodyPr/>
           <a:lstStyle/>
           <a:p>
             <a:r>
               <a:rPr lang="en-AU" dirty="0" smtClean="0"/>
-              <a:t>  The Specification</a:t>
+              <a:t>Using Resources</a:t>
             </a:r>
             <a:endParaRPr lang="en-AU" dirty="0"/>
           </a:p>
@@ -3472,60 +3420,98 @@
             <p:ph idx="1"/>
           </p:nvPr>
         </p:nvSpPr>
-        <p:spPr/>
+        <p:spPr>
+          <a:xfrm>
+            <a:off x="457200" y="1600200"/>
+            <a:ext cx="8229600" cy="5141168"/>
+          </a:xfrm>
+        </p:spPr>
         <p:txBody>
-          <a:bodyPr/>
+          <a:bodyPr>
+            <a:normAutofit/>
+          </a:bodyPr>
           <a:lstStyle/>
           <a:p>
             <a:r>
-              <a:rPr lang="en-AU" dirty="0" smtClean="0"/>
-              <a:t>Introduction</a:t>
+              <a:rPr lang="en-AU" dirty="0"/>
+              <a:t>C</a:t>
+            </a:r>
+            <a:r>
+              <a:rPr lang="en-AU" dirty="0" smtClean="0"/>
+              <a:t>lassic HTTP RESTful approach</a:t>
             </a:r>
           </a:p>
           <a:p>
             <a:pPr lvl="1"/>
             <a:r>
               <a:rPr lang="en-AU" dirty="0" smtClean="0"/>
-              <a:t>Background, basics, framework</a:t>
-            </a:r>
-          </a:p>
-          <a:p>
-            <a:r>
-              <a:rPr lang="en-AU" dirty="0" smtClean="0"/>
-              <a:t>Implementation</a:t>
-            </a:r>
+              <a:t>Simple approach led by </a:t>
+            </a:r>
+            <a:r>
+              <a:rPr lang="en-AU" dirty="0"/>
+              <a:t>F</a:t>
+            </a:r>
+            <a:r>
+              <a:rPr lang="en-AU" dirty="0" smtClean="0"/>
+              <a:t>acebook, Twitter, etc.</a:t>
+            </a:r>
+          </a:p>
+          <a:p>
+            <a:r>
+              <a:rPr lang="en-AU" dirty="0" smtClean="0"/>
+              <a:t>Atom (RSS feed standard)</a:t>
+            </a:r>
+            <a:endParaRPr lang="en-AU" dirty="0" smtClean="0"/>
           </a:p>
           <a:p>
             <a:pPr lvl="1"/>
             <a:r>
               <a:rPr lang="en-AU" dirty="0" smtClean="0"/>
-              <a:t>HTTP, conformance, </a:t>
-            </a:r>
-            <a:r>
-              <a:rPr lang="en-AU" dirty="0" smtClean="0"/>
-              <a:t>JSON, etc.</a:t>
-            </a:r>
-            <a:endParaRPr lang="en-AU" dirty="0" smtClean="0"/>
-          </a:p>
-          <a:p>
-            <a:r>
-              <a:rPr lang="en-AU" dirty="0" smtClean="0"/>
-              <a:t>Resource Definitions</a:t>
+              <a:t>Use Atom to “bundle” resources</a:t>
             </a:r>
           </a:p>
           <a:p>
             <a:pPr lvl="1"/>
             <a:r>
               <a:rPr lang="en-AU" dirty="0" smtClean="0"/>
-              <a:t>Actual logical definitions of resources and their behaviour</a:t>
-            </a:r>
+              <a:t>Pub/sub framework, Multi-resource Transactions</a:t>
+            </a:r>
+          </a:p>
+          <a:p>
+            <a:pPr lvl="1"/>
+            <a:r>
+              <a:rPr lang="en-AU" dirty="0" smtClean="0"/>
+              <a:t>Messages (v2-like), Documents (per CDA)</a:t>
+            </a:r>
+          </a:p>
+          <a:p>
+            <a:r>
+              <a:rPr lang="en-AU" dirty="0" smtClean="0"/>
+              <a:t>Custom Services / SOA</a:t>
+            </a:r>
+          </a:p>
+          <a:p>
+            <a:pPr lvl="1"/>
+            <a:r>
+              <a:rPr lang="en-AU" dirty="0" smtClean="0"/>
+              <a:t>Same content</a:t>
+            </a:r>
+          </a:p>
+          <a:p>
+            <a:pPr lvl="1"/>
+            <a:r>
+              <a:rPr lang="en-AU" dirty="0" smtClean="0"/>
+              <a:t>Same base rules</a:t>
+            </a:r>
+          </a:p>
+          <a:p>
             <a:endParaRPr lang="en-AU" dirty="0"/>
           </a:p>
         </p:txBody>
       </p:sp>
       <p:pic>
         <p:nvPicPr>
-          <p:cNvPr id="4" name="Picture 3"/>
+          <p:cNvPr id="7" name="Picture 6"/>
           <p:cNvPicPr>
             <a:picLocks noChangeAspect="1"/>
           </p:cNvPicPr>
@@ -3544,7 +3530,7 @@
         </p:blipFill>
         <p:spPr>
           <a:xfrm>
-            <a:off x="0" y="0"/>
+            <a:off x="6876256" y="260648"/>
             <a:ext cx="2034746" cy="1252151"/>
           </a:xfrm>
           <a:prstGeom prst="rect">
@@ -3555,7 +3541,7 @@
     </p:spTree>
     <p:extLst>
       <p:ext uri="{BB962C8B-B14F-4D97-AF65-F5344CB8AC3E}">
-        <p14:creationId xmlns:p14="http://schemas.microsoft.com/office/powerpoint/2010/main" val="46966426"/>
+        <p14:creationId xmlns:p14="http://schemas.microsoft.com/office/powerpoint/2010/main" val="2028958240"/>
       </p:ext>
     </p:extLst>
   </p:cSld>
@@ -3604,6 +3590,10 @@
           <a:bodyPr/>
           <a:lstStyle/>
           <a:p>
+            <a:r>
+              <a:rPr lang="en-AU" dirty="0" smtClean="0"/>
+              <a:t>  The Specification</a:t>
+            </a:r>
             <a:endParaRPr lang="en-AU" dirty="0"/>
           </a:p>
         </p:txBody>
@@ -3623,19 +3613,56 @@
           <a:bodyPr/>
           <a:lstStyle/>
           <a:p>
+            <a:r>
+              <a:rPr lang="en-AU" dirty="0" smtClean="0"/>
+              <a:t>Introduction</a:t>
+            </a:r>
+          </a:p>
+          <a:p>
+            <a:pPr lvl="1"/>
+            <a:r>
+              <a:rPr lang="en-AU" dirty="0" smtClean="0"/>
+              <a:t>Background, basics, framework</a:t>
+            </a:r>
+          </a:p>
+          <a:p>
+            <a:r>
+              <a:rPr lang="en-AU" dirty="0" smtClean="0"/>
+              <a:t>Implementation</a:t>
+            </a:r>
+          </a:p>
+          <a:p>
+            <a:pPr lvl="1"/>
+            <a:r>
+              <a:rPr lang="en-AU" dirty="0" smtClean="0"/>
+              <a:t>HTTP, conformance, JSON, etc.</a:t>
+            </a:r>
+          </a:p>
+          <a:p>
+            <a:r>
+              <a:rPr lang="en-AU" dirty="0" smtClean="0"/>
+              <a:t>Resource Definitions</a:t>
+            </a:r>
+          </a:p>
+          <a:p>
+            <a:pPr lvl="1"/>
+            <a:r>
+              <a:rPr lang="en-AU" dirty="0" smtClean="0"/>
+              <a:t>Actual logical definitions of resources and their behaviour</a:t>
+            </a:r>
             <a:endParaRPr lang="en-AU" dirty="0"/>
           </a:p>
         </p:txBody>
       </p:sp>
       <p:pic>
         <p:nvPicPr>
-          <p:cNvPr id="3074" name="Picture 2"/>
+          <p:cNvPr id="4" name="Picture 3"/>
           <p:cNvPicPr>
-            <a:picLocks noChangeAspect="1" noChangeArrowheads="1"/>
+            <a:picLocks noChangeAspect="1"/>
           </p:cNvPicPr>
           <p:nvPr/>
         </p:nvPicPr>
-        <p:blipFill>
+        <p:blipFill rotWithShape="1">
           <a:blip r:embed="rId2">
             <a:extLst>
               <a:ext uri="{28A0092B-C50C-407E-A947-70E740481C1C}">
@@ -3643,58 +3670,23 @@
               </a:ext>
             </a:extLst>
           </a:blip>
-          <a:srcRect/>
-          <a:stretch>
-            <a:fillRect/>
-          </a:stretch>
+          <a:srcRect l="27071" t="19101" r="26890" b="29814"/>
+          <a:stretch/>
         </p:blipFill>
-        <p:spPr bwMode="auto">
-          <a:xfrm>
-            <a:off x="0" y="188640"/>
-            <a:ext cx="9184634" cy="5877272"/>
+        <p:spPr>
+          <a:xfrm>
+            <a:off x="6876256" y="260648"/>
+            <a:ext cx="2034746" cy="1252151"/>
           </a:xfrm>
           <a:prstGeom prst="rect">
             <a:avLst/>
           </a:prstGeom>
-          <a:noFill/>
-          <a:ln>
-            <a:noFill/>
-          </a:ln>
-          <a:effectLst/>
-          <a:extLst>
-            <a:ext uri="{909E8E84-426E-40DD-AFC4-6F175D3DCCD1}">
-              <a14:hiddenFill xmlns:a14="http://schemas.microsoft.com/office/drawing/2010/main">
-                <a:solidFill>
-                  <a:schemeClr val="accent1"/>
-                </a:solidFill>
-              </a14:hiddenFill>
-            </a:ext>
-            <a:ext uri="{91240B29-F687-4F45-9708-019B960494DF}">
-              <a14:hiddenLine xmlns:a14="http://schemas.microsoft.com/office/drawing/2010/main" w="9525">
-                <a:solidFill>
-                  <a:schemeClr val="tx1"/>
-                </a:solidFill>
-                <a:miter lim="800000"/>
-                <a:headEnd/>
-                <a:tailEnd/>
-              </a14:hiddenLine>
-            </a:ext>
-            <a:ext uri="{AF507438-7753-43E0-B8FC-AC1667EBCBE1}">
-              <a14:hiddenEffects xmlns:a14="http://schemas.microsoft.com/office/drawing/2010/main">
-                <a:effectLst>
-                  <a:outerShdw dist="35921" dir="2700000" algn="ctr" rotWithShape="0">
-                    <a:schemeClr val="bg2"/>
-                  </a:outerShdw>
-                </a:effectLst>
-              </a14:hiddenEffects>
-            </a:ext>
-          </a:extLst>
         </p:spPr>
       </p:pic>
     </p:spTree>
     <p:extLst>
       <p:ext uri="{BB962C8B-B14F-4D97-AF65-F5344CB8AC3E}">
-        <p14:creationId xmlns:p14="http://schemas.microsoft.com/office/powerpoint/2010/main" val="3033982109"/>
+        <p14:creationId xmlns:p14="http://schemas.microsoft.com/office/powerpoint/2010/main" val="46966426"/>
       </p:ext>
     </p:extLst>
   </p:cSld>
@@ -3768,7 +3760,7 @@
       </p:sp>
       <p:pic>
         <p:nvPicPr>
-          <p:cNvPr id="4098" name="Picture 2"/>
+          <p:cNvPr id="3074" name="Picture 2"/>
           <p:cNvPicPr>
             <a:picLocks noChangeAspect="1" noChangeArrowheads="1"/>
           </p:cNvPicPr>
@@ -3789,8 +3781,8 @@
         </p:blipFill>
         <p:spPr bwMode="auto">
           <a:xfrm>
-            <a:off x="395536" y="13566"/>
-            <a:ext cx="8280920" cy="6844434"/>
+            <a:off x="296783" y="260648"/>
+            <a:ext cx="8595698" cy="5500410"/>
           </a:xfrm>
           <a:prstGeom prst="rect">
             <a:avLst/>
@@ -3833,7 +3825,7 @@
     </p:spTree>
     <p:extLst>
       <p:ext uri="{BB962C8B-B14F-4D97-AF65-F5344CB8AC3E}">
-        <p14:creationId xmlns:p14="http://schemas.microsoft.com/office/powerpoint/2010/main" val="2965511546"/>
+        <p14:creationId xmlns:p14="http://schemas.microsoft.com/office/powerpoint/2010/main" val="3033982109"/>
       </p:ext>
     </p:extLst>
   </p:cSld>
@@ -3877,20 +3869,11 @@
             <p:ph type="title"/>
           </p:nvPr>
         </p:nvSpPr>
-        <p:spPr>
-          <a:xfrm>
-            <a:off x="1017372" y="274638"/>
-            <a:ext cx="7669427" cy="1143000"/>
-          </a:xfrm>
-        </p:spPr>
+        <p:spPr/>
         <p:txBody>
           <a:bodyPr/>
           <a:lstStyle/>
           <a:p>
-            <a:r>
-              <a:rPr lang="en-AU" dirty="0" smtClean="0"/>
-              <a:t>Ethos</a:t>
-            </a:r>
             <a:endParaRPr lang="en-AU" dirty="0"/>
           </a:p>
         </p:txBody>
@@ -3905,73 +3888,10 @@
             <p:ph idx="1"/>
           </p:nvPr>
         </p:nvSpPr>
-        <p:spPr>
-          <a:xfrm>
-            <a:off x="457200" y="1600200"/>
-            <a:ext cx="8229600" cy="5141168"/>
-          </a:xfrm>
-        </p:spPr>
+        <p:spPr/>
         <p:txBody>
-          <a:bodyPr>
-            <a:normAutofit/>
-          </a:bodyPr>
+          <a:bodyPr/>
           <a:lstStyle/>
-          <a:p>
-            <a:r>
-              <a:rPr lang="en-AU" dirty="0" smtClean="0"/>
-              <a:t>Simplicity / Web alignment</a:t>
-            </a:r>
-          </a:p>
-          <a:p>
-            <a:r>
-              <a:rPr lang="en-AU" dirty="0" smtClean="0"/>
-              <a:t>Implementation focused</a:t>
-            </a:r>
-          </a:p>
-          <a:p>
-            <a:pPr lvl="1"/>
-            <a:r>
-              <a:rPr lang="en-AU" dirty="0" smtClean="0"/>
-              <a:t>Reference Implementations published</a:t>
-            </a:r>
-          </a:p>
-          <a:p>
-            <a:pPr lvl="1"/>
-            <a:r>
-              <a:rPr lang="en-AU" dirty="0" smtClean="0"/>
-              <a:t>Publically available test servers (now)</a:t>
-            </a:r>
-          </a:p>
-          <a:p>
-            <a:pPr lvl="1"/>
-            <a:r>
-              <a:rPr lang="en-AU" dirty="0" smtClean="0"/>
-              <a:t>Connectathon</a:t>
-            </a:r>
-          </a:p>
-          <a:p>
-            <a:r>
-              <a:rPr lang="en-AU" dirty="0" smtClean="0"/>
-              <a:t>Freely available</a:t>
-            </a:r>
-          </a:p>
-          <a:p>
-            <a:pPr lvl="1"/>
-            <a:r>
-              <a:rPr lang="en-AU" dirty="0" smtClean="0">
-                <a:hlinkClick r:id="rId2"/>
-              </a:rPr>
-              <a:t>http://hl7.org/fhir</a:t>
-            </a:r>
-            <a:endParaRPr lang="en-AU" dirty="0" smtClean="0"/>
-          </a:p>
-          <a:p>
-            <a:pPr lvl="1"/>
-            <a:r>
-              <a:rPr lang="en-AU" dirty="0" smtClean="0"/>
-              <a:t>Unencumbered – free for anyone to use</a:t>
-            </a:r>
-          </a:p>
           <a:p>
             <a:endParaRPr lang="en-AU" dirty="0"/>
           </a:p>
@@ -3979,37 +3899,72 @@
       </p:sp>
       <p:pic>
         <p:nvPicPr>
-          <p:cNvPr id="7" name="Picture 6"/>
+          <p:cNvPr id="4098" name="Picture 2"/>
           <p:cNvPicPr>
-            <a:picLocks noChangeAspect="1"/>
+            <a:picLocks noChangeAspect="1" noChangeArrowheads="1"/>
           </p:cNvPicPr>
           <p:nvPr/>
         </p:nvPicPr>
-        <p:blipFill rotWithShape="1">
-          <a:blip r:embed="rId3">
+        <p:blipFill>
+          <a:blip r:embed="rId2">
             <a:extLst>
               <a:ext uri="{28A0092B-C50C-407E-A947-70E740481C1C}">
                 <a14:useLocalDpi xmlns:a14="http://schemas.microsoft.com/office/drawing/2010/main" val="0"/>
               </a:ext>
             </a:extLst>
           </a:blip>
-          <a:srcRect l="27071" t="19101" r="26890" b="29814"/>
-          <a:stretch/>
+          <a:srcRect/>
+          <a:stretch>
+            <a:fillRect/>
+          </a:stretch>
         </p:blipFill>
-        <p:spPr>
-          <a:xfrm>
-            <a:off x="0" y="0"/>
-            <a:ext cx="2034746" cy="1252151"/>
+        <p:spPr bwMode="auto">
+          <a:xfrm>
+            <a:off x="467544" y="252716"/>
+            <a:ext cx="7589106" cy="6272628"/>
           </a:xfrm>
           <a:prstGeom prst="rect">
             <a:avLst/>
           </a:prstGeom>
+          <a:noFill/>
+          <a:ln>
+            <a:noFill/>
+          </a:ln>
+          <a:effectLst/>
+          <a:extLst>
+            <a:ext uri="{909E8E84-426E-40DD-AFC4-6F175D3DCCD1}">
+              <a14:hiddenFill xmlns:a14="http://schemas.microsoft.com/office/drawing/2010/main">
+                <a:solidFill>
+                  <a:schemeClr val="accent1"/>
+                </a:solidFill>
+              </a14:hiddenFill>
+            </a:ext>
+            <a:ext uri="{91240B29-F687-4F45-9708-019B960494DF}">
+              <a14:hiddenLine xmlns:a14="http://schemas.microsoft.com/office/drawing/2010/main" w="9525">
+                <a:solidFill>
+                  <a:schemeClr val="tx1"/>
+                </a:solidFill>
+                <a:miter lim="800000"/>
+                <a:headEnd/>
+                <a:tailEnd/>
+              </a14:hiddenLine>
+            </a:ext>
+            <a:ext uri="{AF507438-7753-43E0-B8FC-AC1667EBCBE1}">
+              <a14:hiddenEffects xmlns:a14="http://schemas.microsoft.com/office/drawing/2010/main">
+                <a:effectLst>
+                  <a:outerShdw dist="35921" dir="2700000" algn="ctr" rotWithShape="0">
+                    <a:schemeClr val="bg2"/>
+                  </a:outerShdw>
+                </a:effectLst>
+              </a14:hiddenEffects>
+            </a:ext>
+          </a:extLst>
         </p:spPr>
       </p:pic>
     </p:spTree>
     <p:extLst>
       <p:ext uri="{BB962C8B-B14F-4D97-AF65-F5344CB8AC3E}">
-        <p14:creationId xmlns:p14="http://schemas.microsoft.com/office/powerpoint/2010/main" val="350890064"/>
+        <p14:creationId xmlns:p14="http://schemas.microsoft.com/office/powerpoint/2010/main" val="2965511546"/>
       </p:ext>
     </p:extLst>
   </p:cSld>
@@ -4065,8 +4020,90 @@
           <a:p>
             <a:r>
               <a:rPr lang="en-AU" dirty="0" smtClean="0"/>
-              <a:t>License</a:t>
-            </a:r>
+              <a:t>Ethos</a:t>
+            </a:r>
+            <a:endParaRPr lang="en-AU" dirty="0"/>
+          </a:p>
+        </p:txBody>
+      </p:sp>
+      <p:sp>
+        <p:nvSpPr>
+          <p:cNvPr id="3" name="Content Placeholder 2"/>
+          <p:cNvSpPr>
+            <a:spLocks noGrp="1"/>
+          </p:cNvSpPr>
+          <p:nvPr>
+            <p:ph idx="1"/>
+          </p:nvPr>
+        </p:nvSpPr>
+        <p:spPr>
+          <a:xfrm>
+            <a:off x="457200" y="1600200"/>
+            <a:ext cx="8229600" cy="5141168"/>
+          </a:xfrm>
+        </p:spPr>
+        <p:txBody>
+          <a:bodyPr>
+            <a:normAutofit/>
+          </a:bodyPr>
+          <a:lstStyle/>
+          <a:p>
+            <a:r>
+              <a:rPr lang="en-AU" dirty="0" smtClean="0"/>
+              <a:t>Simplicity / Web alignment</a:t>
+            </a:r>
+          </a:p>
+          <a:p>
+            <a:r>
+              <a:rPr lang="en-AU" dirty="0" smtClean="0"/>
+              <a:t>Implementation focused</a:t>
+            </a:r>
+          </a:p>
+          <a:p>
+            <a:pPr lvl="1"/>
+            <a:r>
+              <a:rPr lang="en-AU" dirty="0" smtClean="0"/>
+              <a:t>Reference Implementations published</a:t>
+            </a:r>
+          </a:p>
+          <a:p>
+            <a:pPr lvl="1"/>
+            <a:r>
+              <a:rPr lang="en-AU" dirty="0" smtClean="0"/>
+              <a:t>Publically available test servers (now)</a:t>
+            </a:r>
+          </a:p>
+          <a:p>
+            <a:pPr lvl="1"/>
+            <a:r>
+              <a:rPr lang="en-AU" dirty="0" smtClean="0"/>
+              <a:t>Connectathon</a:t>
+            </a:r>
+          </a:p>
+          <a:p>
+            <a:r>
+              <a:rPr lang="en-AU" dirty="0" smtClean="0"/>
+              <a:t>Freely available</a:t>
+            </a:r>
+          </a:p>
+          <a:p>
+            <a:pPr lvl="1"/>
+            <a:r>
+              <a:rPr lang="en-AU" dirty="0" smtClean="0">
+                <a:hlinkClick r:id="rId2"/>
+              </a:rPr>
+              <a:t>http://hl7.org/fhir</a:t>
+            </a:r>
+            <a:endParaRPr lang="en-AU" dirty="0" smtClean="0"/>
+          </a:p>
+          <a:p>
+            <a:pPr lvl="1"/>
+            <a:r>
+              <a:rPr lang="en-AU" dirty="0" smtClean="0"/>
+              <a:t>Unencumbered – free for anyone to use</a:t>
+            </a:r>
+          </a:p>
+          <a:p>
             <a:endParaRPr lang="en-AU" dirty="0"/>
           </a:p>
         </p:txBody>
@@ -4080,7 +4117,7 @@
           <p:nvPr/>
         </p:nvPicPr>
         <p:blipFill rotWithShape="1">
-          <a:blip r:embed="rId2">
+          <a:blip r:embed="rId3">
             <a:extLst>
               <a:ext uri="{28A0092B-C50C-407E-A947-70E740481C1C}">
                 <a14:useLocalDpi xmlns:a14="http://schemas.microsoft.com/office/drawing/2010/main" val="0"/>
@@ -4092,84 +4129,18 @@
         </p:blipFill>
         <p:spPr>
           <a:xfrm>
-            <a:off x="0" y="0"/>
+            <a:off x="6876256" y="260648"/>
             <a:ext cx="2034746" cy="1252151"/>
           </a:xfrm>
           <a:prstGeom prst="rect">
             <a:avLst/>
           </a:prstGeom>
-        </p:spPr>
-      </p:pic>
-      <p:pic>
-        <p:nvPicPr>
-          <p:cNvPr id="5122" name="Picture 2"/>
-          <p:cNvPicPr>
-            <a:picLocks noGrp="1" noChangeAspect="1" noChangeArrowheads="1"/>
-          </p:cNvPicPr>
-          <p:nvPr>
-            <p:ph idx="1"/>
-          </p:nvPr>
-        </p:nvPicPr>
-        <p:blipFill>
-          <a:blip r:embed="rId3">
-            <a:extLst>
-              <a:ext uri="{28A0092B-C50C-407E-A947-70E740481C1C}">
-                <a14:useLocalDpi xmlns:a14="http://schemas.microsoft.com/office/drawing/2010/main" val="0"/>
-              </a:ext>
-            </a:extLst>
-          </a:blip>
-          <a:srcRect/>
-          <a:stretch>
-            <a:fillRect/>
-          </a:stretch>
-        </p:blipFill>
-        <p:spPr bwMode="auto">
-          <a:xfrm>
-            <a:off x="323528" y="1916832"/>
-            <a:ext cx="8505174" cy="2592288"/>
-          </a:xfrm>
-          <a:prstGeom prst="rect">
-            <a:avLst/>
-          </a:prstGeom>
-          <a:noFill/>
-          <a:ln>
-            <a:noFill/>
-          </a:ln>
-          <a:effectLst/>
-          <a:extLst>
-            <a:ext uri="{909E8E84-426E-40DD-AFC4-6F175D3DCCD1}">
-              <a14:hiddenFill xmlns:a14="http://schemas.microsoft.com/office/drawing/2010/main">
-                <a:solidFill>
-                  <a:schemeClr val="accent1"/>
-                </a:solidFill>
-              </a14:hiddenFill>
-            </a:ext>
-            <a:ext uri="{91240B29-F687-4F45-9708-019B960494DF}">
-              <a14:hiddenLine xmlns:a14="http://schemas.microsoft.com/office/drawing/2010/main" w="9525">
-                <a:solidFill>
-                  <a:schemeClr val="tx1"/>
-                </a:solidFill>
-                <a:miter lim="800000"/>
-                <a:headEnd/>
-                <a:tailEnd/>
-              </a14:hiddenLine>
-            </a:ext>
-            <a:ext uri="{AF507438-7753-43E0-B8FC-AC1667EBCBE1}">
-              <a14:hiddenEffects xmlns:a14="http://schemas.microsoft.com/office/drawing/2010/main">
-                <a:effectLst>
-                  <a:outerShdw dist="35921" dir="2700000" algn="ctr" rotWithShape="0">
-                    <a:schemeClr val="bg2"/>
-                  </a:outerShdw>
-                </a:effectLst>
-              </a14:hiddenEffects>
-            </a:ext>
-          </a:extLst>
         </p:spPr>
       </p:pic>
     </p:spTree>
     <p:extLst>
       <p:ext uri="{BB962C8B-B14F-4D97-AF65-F5344CB8AC3E}">
-        <p14:creationId xmlns:p14="http://schemas.microsoft.com/office/powerpoint/2010/main" val="240111203"/>
+        <p14:creationId xmlns:p14="http://schemas.microsoft.com/office/powerpoint/2010/main" val="350890064"/>
       </p:ext>
     </p:extLst>
   </p:cSld>
@@ -4225,92 +4196,78 @@
           <a:p>
             <a:r>
               <a:rPr lang="en-AU" dirty="0" smtClean="0"/>
-              <a:t>Collaborations</a:t>
+              <a:t>License</a:t>
             </a:r>
             <a:endParaRPr lang="en-AU" dirty="0"/>
           </a:p>
         </p:txBody>
       </p:sp>
-      <p:sp>
-        <p:nvSpPr>
-          <p:cNvPr id="3" name="Content Placeholder 2"/>
-          <p:cNvSpPr>
-            <a:spLocks noGrp="1"/>
-          </p:cNvSpPr>
+      <p:pic>
+        <p:nvPicPr>
+          <p:cNvPr id="5122" name="Picture 2"/>
+          <p:cNvPicPr>
+            <a:picLocks noGrp="1" noChangeAspect="1" noChangeArrowheads="1"/>
+          </p:cNvPicPr>
           <p:nvPr>
             <p:ph idx="1"/>
           </p:nvPr>
-        </p:nvSpPr>
-        <p:spPr>
-          <a:xfrm>
-            <a:off x="457200" y="1600200"/>
-            <a:ext cx="8229600" cy="5141168"/>
-          </a:xfrm>
-        </p:spPr>
-        <p:txBody>
-          <a:bodyPr>
-            <a:normAutofit/>
-          </a:bodyPr>
-          <a:lstStyle/>
-          <a:p>
-            <a:r>
-              <a:rPr lang="en-AU" dirty="0" smtClean="0"/>
-              <a:t>IHE</a:t>
-            </a:r>
-          </a:p>
-          <a:p>
-            <a:pPr lvl="1"/>
-            <a:r>
-              <a:rPr lang="en-AU" dirty="0" smtClean="0"/>
-              <a:t>XDS / ATNA</a:t>
-            </a:r>
-          </a:p>
-          <a:p>
-            <a:pPr lvl="1"/>
-            <a:r>
-              <a:rPr lang="en-AU" dirty="0" smtClean="0"/>
-              <a:t>investigating use of FHIR for MHD (mobile XDS)</a:t>
-            </a:r>
-          </a:p>
-          <a:p>
-            <a:r>
-              <a:rPr lang="en-AU" dirty="0" smtClean="0"/>
-              <a:t>DICOM</a:t>
-            </a:r>
-          </a:p>
-          <a:p>
-            <a:pPr lvl="1"/>
-            <a:r>
-              <a:rPr lang="en-AU" dirty="0"/>
-              <a:t>i</a:t>
-            </a:r>
-            <a:r>
-              <a:rPr lang="en-AU" dirty="0" smtClean="0"/>
-              <a:t>nterested in using FHIR for RESTful access to image metadata</a:t>
-            </a:r>
-          </a:p>
-          <a:p>
-            <a:r>
-              <a:rPr lang="en-AU" dirty="0" smtClean="0"/>
-              <a:t>W3C </a:t>
-            </a:r>
-          </a:p>
-          <a:p>
-            <a:pPr lvl="1"/>
-            <a:r>
-              <a:rPr lang="en-AU" dirty="0" smtClean="0"/>
-              <a:t>Semantic health group helping us with RDF</a:t>
-            </a:r>
-          </a:p>
-          <a:p>
-            <a:r>
-              <a:rPr lang="en-AU" dirty="0" smtClean="0"/>
-              <a:t>Lots of work to be done</a:t>
-            </a:r>
-            <a:endParaRPr lang="en-AU" dirty="0"/>
-          </a:p>
-        </p:txBody>
-      </p:sp>
+        </p:nvPicPr>
+        <p:blipFill>
+          <a:blip r:embed="rId2">
+            <a:extLst>
+              <a:ext uri="{28A0092B-C50C-407E-A947-70E740481C1C}">
+                <a14:useLocalDpi xmlns:a14="http://schemas.microsoft.com/office/drawing/2010/main" val="0"/>
+              </a:ext>
+            </a:extLst>
+          </a:blip>
+          <a:srcRect/>
+          <a:stretch>
+            <a:fillRect/>
+          </a:stretch>
+        </p:blipFill>
+        <p:spPr bwMode="auto">
+          <a:xfrm>
+            <a:off x="323528" y="1916832"/>
+            <a:ext cx="8505174" cy="2592288"/>
+          </a:xfrm>
+          <a:prstGeom prst="rect">
+            <a:avLst/>
+          </a:prstGeom>
+          <a:noFill/>
+          <a:ln>
+            <a:noFill/>
+          </a:ln>
+          <a:effectLst/>
+          <a:extLst>
+            <a:ext uri="{909E8E84-426E-40DD-AFC4-6F175D3DCCD1}">
+              <a14:hiddenFill xmlns:a14="http://schemas.microsoft.com/office/drawing/2010/main">
+                <a:solidFill>
+                  <a:schemeClr val="accent1"/>
+                </a:solidFill>
+              </a14:hiddenFill>
+            </a:ext>
+            <a:ext uri="{91240B29-F687-4F45-9708-019B960494DF}">
+              <a14:hiddenLine xmlns:a14="http://schemas.microsoft.com/office/drawing/2010/main" w="9525">
+                <a:solidFill>
+                  <a:schemeClr val="tx1"/>
+                </a:solidFill>
+                <a:miter lim="800000"/>
+                <a:headEnd/>
+                <a:tailEnd/>
+              </a14:hiddenLine>
+            </a:ext>
+            <a:ext uri="{AF507438-7753-43E0-B8FC-AC1667EBCBE1}">
+              <a14:hiddenEffects xmlns:a14="http://schemas.microsoft.com/office/drawing/2010/main">
+                <a:effectLst>
+                  <a:outerShdw dist="35921" dir="2700000" algn="ctr" rotWithShape="0">
+                    <a:schemeClr val="bg2"/>
+                  </a:outerShdw>
+                </a:effectLst>
+              </a14:hiddenEffects>
+            </a:ext>
+          </a:extLst>
+        </p:spPr>
+      </p:pic>
       <p:pic>
         <p:nvPicPr>
           <p:cNvPr id="7" name="Picture 6"/>
@@ -4320,7 +4277,7 @@
           <p:nvPr/>
         </p:nvPicPr>
         <p:blipFill rotWithShape="1">
-          <a:blip r:embed="rId2">
+          <a:blip r:embed="rId3">
             <a:extLst>
               <a:ext uri="{28A0092B-C50C-407E-A947-70E740481C1C}">
                 <a14:useLocalDpi xmlns:a14="http://schemas.microsoft.com/office/drawing/2010/main" val="0"/>
@@ -4332,7 +4289,7 @@
         </p:blipFill>
         <p:spPr>
           <a:xfrm>
-            <a:off x="0" y="0"/>
+            <a:off x="6876256" y="260648"/>
             <a:ext cx="2034746" cy="1252151"/>
           </a:xfrm>
           <a:prstGeom prst="rect">
@@ -4343,7 +4300,7 @@
     </p:spTree>
     <p:extLst>
       <p:ext uri="{BB962C8B-B14F-4D97-AF65-F5344CB8AC3E}">
-        <p14:creationId xmlns:p14="http://schemas.microsoft.com/office/powerpoint/2010/main" val="2578141083"/>
+        <p14:creationId xmlns:p14="http://schemas.microsoft.com/office/powerpoint/2010/main" val="240111203"/>
       </p:ext>
     </p:extLst>
   </p:cSld>
@@ -4399,7 +4356,7 @@
           <a:p>
             <a:r>
               <a:rPr lang="en-AU" dirty="0" smtClean="0"/>
-              <a:t>Future Plans</a:t>
+              <a:t>Collaborations</a:t>
             </a:r>
             <a:endParaRPr lang="en-AU" dirty="0"/>
           </a:p>
@@ -4429,36 +4386,65 @@
           <a:p>
             <a:r>
               <a:rPr lang="en-AU" dirty="0" smtClean="0"/>
-              <a:t>2</a:t>
-            </a:r>
-            <a:r>
-              <a:rPr lang="en-AU" baseline="30000" dirty="0" smtClean="0"/>
-              <a:t>nd</a:t>
-            </a:r>
-            <a:r>
-              <a:rPr lang="en-AU" dirty="0" smtClean="0"/>
-              <a:t> Draft for comment open now</a:t>
+              <a:t>IHE</a:t>
             </a:r>
           </a:p>
           <a:p>
             <a:pPr lvl="1"/>
             <a:r>
               <a:rPr lang="en-AU" dirty="0" smtClean="0"/>
-              <a:t>Infrastructure very solid (implementation focus)</a:t>
+              <a:t>investigating - use </a:t>
+            </a:r>
+            <a:r>
+              <a:rPr lang="en-AU" dirty="0" smtClean="0"/>
+              <a:t>of FHIR for MHD (mobile XDS</a:t>
+            </a:r>
+            <a:r>
+              <a:rPr lang="en-AU" dirty="0" smtClean="0"/>
+              <a:t>)</a:t>
+            </a:r>
+            <a:endParaRPr lang="en-AU" dirty="0" smtClean="0"/>
+          </a:p>
+          <a:p>
+            <a:r>
+              <a:rPr lang="en-AU" dirty="0" smtClean="0"/>
+              <a:t>DICOM</a:t>
             </a:r>
           </a:p>
           <a:p>
             <a:pPr lvl="1"/>
             <a:r>
-              <a:rPr lang="en-AU" dirty="0" smtClean="0"/>
-              <a:t>Definitions &amp; Mappings need work</a:t>
+              <a:rPr lang="en-AU" dirty="0"/>
+              <a:t>i</a:t>
+            </a:r>
+            <a:r>
+              <a:rPr lang="en-AU" dirty="0" smtClean="0"/>
+              <a:t>nterested </a:t>
+            </a:r>
+            <a:r>
+              <a:rPr lang="en-AU" dirty="0" smtClean="0"/>
+              <a:t>- </a:t>
+            </a:r>
+            <a:r>
+              <a:rPr lang="en-AU" dirty="0" smtClean="0"/>
+              <a:t>RESTful access to image metadata</a:t>
+            </a:r>
+          </a:p>
+          <a:p>
+            <a:r>
+              <a:rPr lang="en-AU" dirty="0" smtClean="0"/>
+              <a:t>W3C </a:t>
             </a:r>
           </a:p>
           <a:p>
             <a:pPr lvl="1"/>
             <a:r>
               <a:rPr lang="en-AU" dirty="0" smtClean="0"/>
-              <a:t>Resource coverage needs to broaden</a:t>
+              <a:t>Semantic health group helping us with </a:t>
+            </a:r>
+            <a:r>
+              <a:rPr lang="en-AU" dirty="0" smtClean="0"/>
+              <a:t>RDF</a:t>
             </a:r>
           </a:p>
           <a:p>
@@ -4468,21 +4454,7 @@
           <a:p>
             <a:r>
               <a:rPr lang="en-AU" dirty="0" smtClean="0"/>
-              <a:t>Next ballot cycle – DSTU grind starts</a:t>
-            </a:r>
-          </a:p>
-          <a:p>
-            <a:pPr lvl="1"/>
-            <a:r>
-              <a:rPr lang="en-AU" dirty="0" smtClean="0"/>
-              <a:t>Publish FHIR as full DSTU</a:t>
-            </a:r>
-          </a:p>
-          <a:p>
-            <a:pPr lvl="1"/>
-            <a:r>
-              <a:rPr lang="en-AU" dirty="0" smtClean="0"/>
-              <a:t>Testing, real world implementation experience</a:t>
+              <a:t>Lots of work to be done</a:t>
             </a:r>
             <a:endParaRPr lang="en-AU" dirty="0"/>
           </a:p>
@@ -4509,7 +4481,7 @@
         </p:blipFill>
         <p:spPr>
           <a:xfrm>
-            <a:off x="0" y="0"/>
+            <a:off x="6879784" y="269576"/>
             <a:ext cx="2034746" cy="1252151"/>
           </a:xfrm>
           <a:prstGeom prst="rect">
@@ -4520,7 +4492,7 @@
     </p:spTree>
     <p:extLst>
       <p:ext uri="{BB962C8B-B14F-4D97-AF65-F5344CB8AC3E}">
-        <p14:creationId xmlns:p14="http://schemas.microsoft.com/office/powerpoint/2010/main" val="2933130005"/>
+        <p14:creationId xmlns:p14="http://schemas.microsoft.com/office/powerpoint/2010/main" val="2578141083"/>
       </p:ext>
     </p:extLst>
   </p:cSld>
@@ -4576,7 +4548,7 @@
           <a:p>
             <a:r>
               <a:rPr lang="en-AU" dirty="0" smtClean="0"/>
-              <a:t>Next Steps</a:t>
+              <a:t>Future Plans</a:t>
             </a:r>
             <a:endParaRPr lang="en-AU" dirty="0"/>
           </a:p>
@@ -4606,93 +4578,60 @@
           <a:p>
             <a:r>
               <a:rPr lang="en-AU" dirty="0" smtClean="0"/>
-              <a:t>Read the spec: </a:t>
-            </a:r>
-            <a:r>
-              <a:rPr lang="en-AU" dirty="0" smtClean="0">
-                <a:hlinkClick r:id="rId2"/>
-              </a:rPr>
-              <a:t>http://hl7.org/fhir</a:t>
-            </a:r>
+              <a:t>2</a:t>
+            </a:r>
+            <a:r>
+              <a:rPr lang="en-AU" baseline="30000" dirty="0" smtClean="0"/>
+              <a:t>nd</a:t>
+            </a:r>
+            <a:r>
+              <a:rPr lang="en-AU" dirty="0" smtClean="0"/>
+              <a:t> Draft for comment open now</a:t>
+            </a:r>
+          </a:p>
+          <a:p>
+            <a:pPr lvl="1"/>
+            <a:r>
+              <a:rPr lang="en-AU" dirty="0" smtClean="0"/>
+              <a:t>Infrastructure very solid (implementation focus)</a:t>
+            </a:r>
+          </a:p>
+          <a:p>
+            <a:pPr lvl="1"/>
+            <a:r>
+              <a:rPr lang="en-AU" dirty="0" smtClean="0"/>
+              <a:t>Definitions &amp; Mappings need work</a:t>
+            </a:r>
+          </a:p>
+          <a:p>
+            <a:pPr lvl="1"/>
+            <a:r>
+              <a:rPr lang="en-AU" dirty="0" smtClean="0"/>
+              <a:t>Resource coverage needs to broaden</a:t>
+            </a:r>
+          </a:p>
+          <a:p>
+            <a:pPr lvl="1"/>
             <a:endParaRPr lang="en-AU" dirty="0" smtClean="0"/>
           </a:p>
           <a:p>
             <a:r>
-              <a:rPr lang="en-AU" dirty="0"/>
-              <a:t>Follow #FHIR on Twitter</a:t>
-            </a:r>
-          </a:p>
-          <a:p>
-            <a:r>
-              <a:rPr lang="en-AU" dirty="0" smtClean="0"/>
-              <a:t>Shape the specification:</a:t>
+              <a:rPr lang="en-AU" dirty="0" smtClean="0"/>
+              <a:t>Next ballot cycle – DSTU grind starts</a:t>
             </a:r>
           </a:p>
           <a:p>
             <a:pPr lvl="1"/>
             <a:r>
               <a:rPr lang="en-AU" dirty="0" smtClean="0"/>
-              <a:t>Make Ballot comments</a:t>
+              <a:t>Publish FHIR as full DSTU</a:t>
             </a:r>
           </a:p>
           <a:p>
             <a:pPr lvl="1"/>
             <a:r>
               <a:rPr lang="en-AU" dirty="0" smtClean="0"/>
-              <a:t>Join the FHIR email </a:t>
-            </a:r>
-            <a:r>
-              <a:rPr lang="en-AU" dirty="0"/>
-              <a:t>list </a:t>
-            </a:r>
-            <a:br>
-              <a:rPr lang="en-AU" dirty="0"/>
-            </a:br>
-            <a:r>
-              <a:rPr lang="en-AU" sz="1200" dirty="0">
-                <a:hlinkClick r:id="rId3"/>
-              </a:rPr>
-              <a:t>http://</a:t>
-            </a:r>
-            <a:r>
-              <a:rPr lang="en-AU" sz="1200" dirty="0" smtClean="0">
-                <a:hlinkClick r:id="rId3"/>
-              </a:rPr>
-              <a:t>wiki.hl7.org/index.php?title=FHIR_email_list_subscription_instructions</a:t>
-            </a:r>
-            <a:endParaRPr lang="en-AU" dirty="0"/>
-          </a:p>
-          <a:p>
-            <a:pPr lvl="1"/>
-            <a:r>
-              <a:rPr lang="en-AU" dirty="0" smtClean="0"/>
-              <a:t>Try implementing it</a:t>
-            </a:r>
-          </a:p>
-          <a:p>
-            <a:pPr lvl="1"/>
-            <a:r>
-              <a:rPr lang="en-AU" dirty="0" smtClean="0"/>
-              <a:t>Come to the </a:t>
-            </a:r>
-            <a:r>
-              <a:rPr lang="en-AU" dirty="0"/>
-              <a:t>C</a:t>
-            </a:r>
-            <a:r>
-              <a:rPr lang="en-AU" dirty="0" smtClean="0"/>
-              <a:t>onnectathon</a:t>
-            </a:r>
-            <a:r>
-              <a:rPr lang="en-AU" dirty="0" smtClean="0"/>
-              <a:t>!</a:t>
-            </a:r>
-          </a:p>
-          <a:p>
-            <a:pPr lvl="1"/>
-            <a:r>
-              <a:rPr lang="en-AU" dirty="0" smtClean="0"/>
-              <a:t>Come to the next meeting (Phoenix in January)</a:t>
+              <a:t>Testing, real world implementation experience</a:t>
             </a:r>
             <a:endParaRPr lang="en-AU" dirty="0"/>
           </a:p>
@@ -4707,7 +4646,7 @@
           <p:nvPr/>
         </p:nvPicPr>
         <p:blipFill rotWithShape="1">
-          <a:blip r:embed="rId4">
+          <a:blip r:embed="rId2">
             <a:extLst>
               <a:ext uri="{28A0092B-C50C-407E-A947-70E740481C1C}">
                 <a14:useLocalDpi xmlns:a14="http://schemas.microsoft.com/office/drawing/2010/main" val="0"/>
@@ -4719,7 +4658,7 @@
         </p:blipFill>
         <p:spPr>
           <a:xfrm>
-            <a:off x="0" y="0"/>
+            <a:off x="6876256" y="260647"/>
             <a:ext cx="2034746" cy="1252151"/>
           </a:xfrm>
           <a:prstGeom prst="rect">
@@ -4730,7 +4669,7 @@
     </p:spTree>
     <p:extLst>
       <p:ext uri="{BB962C8B-B14F-4D97-AF65-F5344CB8AC3E}">
-        <p14:creationId xmlns:p14="http://schemas.microsoft.com/office/powerpoint/2010/main" val="2619905187"/>
+        <p14:creationId xmlns:p14="http://schemas.microsoft.com/office/powerpoint/2010/main" val="2933130005"/>
       </p:ext>
     </p:extLst>
   </p:cSld>
@@ -4786,7 +4725,7 @@
           <a:p>
             <a:r>
               <a:rPr lang="en-AU" dirty="0" smtClean="0"/>
-              <a:t>Webinar</a:t>
+              <a:t>Next Steps</a:t>
             </a:r>
             <a:endParaRPr lang="en-AU" dirty="0"/>
           </a:p>
@@ -4805,7 +4744,7 @@
         <p:spPr>
           <a:xfrm>
             <a:off x="457200" y="1600200"/>
-            <a:ext cx="8229600" cy="4637112"/>
+            <a:ext cx="8229600" cy="5141168"/>
           </a:xfrm>
         </p:spPr>
         <p:txBody>
@@ -4816,38 +4755,8 @@
           <a:p>
             <a:r>
               <a:rPr lang="en-AU" dirty="0" smtClean="0"/>
-              <a:t>Questions….</a:t>
-            </a:r>
-          </a:p>
-          <a:p>
-            <a:endParaRPr lang="en-AU" dirty="0" smtClean="0">
-              <a:hlinkClick r:id="rId2"/>
-            </a:endParaRPr>
-          </a:p>
-          <a:p>
-            <a:endParaRPr lang="en-AU" dirty="0">
-              <a:hlinkClick r:id="rId2"/>
-            </a:endParaRPr>
-          </a:p>
-          <a:p>
-            <a:endParaRPr lang="en-AU" dirty="0" smtClean="0">
-              <a:hlinkClick r:id="rId2"/>
-            </a:endParaRPr>
-          </a:p>
-          <a:p>
-            <a:endParaRPr lang="en-AU" dirty="0">
-              <a:hlinkClick r:id="rId2"/>
-            </a:endParaRPr>
-          </a:p>
-          <a:p>
-            <a:endParaRPr lang="en-AU" dirty="0">
-              <a:hlinkClick r:id="rId2"/>
-            </a:endParaRPr>
-          </a:p>
-          <a:p>
-            <a:pPr marL="0" indent="0" algn="r">
-              <a:buNone/>
-            </a:pPr>
+              <a:t>Read the spec: </a:t>
+            </a:r>
             <a:r>
               <a:rPr lang="en-AU" dirty="0" smtClean="0">
                 <a:hlinkClick r:id="rId2"/>
@@ -4855,6 +4764,82 @@
               <a:t>http://hl7.org/fhir</a:t>
             </a:r>
             <a:endParaRPr lang="en-AU" dirty="0" smtClean="0"/>
+          </a:p>
+          <a:p>
+            <a:r>
+              <a:rPr lang="en-AU" dirty="0"/>
+              <a:t>Follow #FHIR on Twitter</a:t>
+            </a:r>
+          </a:p>
+          <a:p>
+            <a:r>
+              <a:rPr lang="en-AU" dirty="0" smtClean="0"/>
+              <a:t>Shape the specification:</a:t>
+            </a:r>
+          </a:p>
+          <a:p>
+            <a:pPr lvl="1"/>
+            <a:r>
+              <a:rPr lang="en-AU" dirty="0" smtClean="0"/>
+              <a:t>Make Ballot comments</a:t>
+            </a:r>
+          </a:p>
+          <a:p>
+            <a:pPr lvl="1"/>
+            <a:r>
+              <a:rPr lang="en-AU" dirty="0" smtClean="0"/>
+              <a:t>Join the FHIR email </a:t>
+            </a:r>
+            <a:r>
+              <a:rPr lang="en-AU" dirty="0"/>
+              <a:t>list </a:t>
+            </a:r>
+            <a:br>
+              <a:rPr lang="en-AU" dirty="0"/>
+            </a:br>
+            <a:r>
+              <a:rPr lang="en-AU" sz="1200" dirty="0">
+                <a:hlinkClick r:id="rId3"/>
+              </a:rPr>
+              <a:t>http://</a:t>
+            </a:r>
+            <a:r>
+              <a:rPr lang="en-AU" sz="1200" dirty="0" smtClean="0">
+                <a:hlinkClick r:id="rId3"/>
+              </a:rPr>
+              <a:t>wiki.hl7.org/index.php?title=FHIR_email_list_subscription_instructions</a:t>
+            </a:r>
+            <a:endParaRPr lang="en-AU" dirty="0"/>
+          </a:p>
+          <a:p>
+            <a:pPr lvl="1"/>
+            <a:r>
+              <a:rPr lang="en-AU" dirty="0" smtClean="0"/>
+              <a:t>Try implementing it</a:t>
+            </a:r>
+          </a:p>
+          <a:p>
+            <a:pPr lvl="1"/>
+            <a:r>
+              <a:rPr lang="en-AU" dirty="0" smtClean="0"/>
+              <a:t>Come to the </a:t>
+            </a:r>
+            <a:r>
+              <a:rPr lang="en-AU" dirty="0"/>
+              <a:t>C</a:t>
+            </a:r>
+            <a:r>
+              <a:rPr lang="en-AU" dirty="0" smtClean="0"/>
+              <a:t>onnectathon!</a:t>
+            </a:r>
+          </a:p>
+          <a:p>
+            <a:pPr lvl="1"/>
+            <a:r>
+              <a:rPr lang="en-AU" dirty="0" smtClean="0"/>
+              <a:t>Come to the next meeting (Phoenix in January)</a:t>
+            </a:r>
+            <a:endParaRPr lang="en-AU" dirty="0"/>
           </a:p>
         </p:txBody>
       </p:sp>
@@ -4867,7 +4852,7 @@
           <p:nvPr/>
         </p:nvPicPr>
         <p:blipFill rotWithShape="1">
-          <a:blip r:embed="rId3">
+          <a:blip r:embed="rId4">
             <a:extLst>
               <a:ext uri="{28A0092B-C50C-407E-A947-70E740481C1C}">
                 <a14:useLocalDpi xmlns:a14="http://schemas.microsoft.com/office/drawing/2010/main" val="0"/>
@@ -4879,7 +4864,7 @@
         </p:blipFill>
         <p:spPr>
           <a:xfrm>
-            <a:off x="0" y="0"/>
+            <a:off x="6876256" y="260648"/>
             <a:ext cx="2034746" cy="1252151"/>
           </a:xfrm>
           <a:prstGeom prst="rect">
@@ -4890,7 +4875,7 @@
     </p:spTree>
     <p:extLst>
       <p:ext uri="{BB962C8B-B14F-4D97-AF65-F5344CB8AC3E}">
-        <p14:creationId xmlns:p14="http://schemas.microsoft.com/office/powerpoint/2010/main" val="1453366423"/>
+        <p14:creationId xmlns:p14="http://schemas.microsoft.com/office/powerpoint/2010/main" val="2619905187"/>
       </p:ext>
     </p:extLst>
   </p:cSld>
@@ -5051,7 +5036,7 @@
         </p:blipFill>
         <p:spPr>
           <a:xfrm>
-            <a:off x="0" y="0"/>
+            <a:off x="6876256" y="267310"/>
             <a:ext cx="2034746" cy="1252151"/>
           </a:xfrm>
           <a:prstGeom prst="rect">
@@ -5063,6 +5048,166 @@
     <p:extLst>
       <p:ext uri="{BB962C8B-B14F-4D97-AF65-F5344CB8AC3E}">
         <p14:creationId xmlns:p14="http://schemas.microsoft.com/office/powerpoint/2010/main" val="507366605"/>
+      </p:ext>
+    </p:extLst>
+  </p:cSld>
+  <p:clrMapOvr>
+    <a:masterClrMapping/>
+  </p:clrMapOvr>
+  <p:timing>
+    <p:tnLst>
+      <p:par>
+        <p:cTn id="1" dur="indefinite" restart="never" nodeType="tmRoot"/>
+      </p:par>
+    </p:tnLst>
+  </p:timing>
+</p:sld>
+</file>
+
+<file path=ppt/slides/slide20.xml><?xml version="1.0" encoding="utf-8"?>
+<p:sld xmlns:a="http://schemas.openxmlformats.org/drawingml/2006/main" xmlns:r="http://schemas.openxmlformats.org/officeDocument/2006/relationships" xmlns:p="http://schemas.openxmlformats.org/presentationml/2006/main">
+  <p:cSld>
+    <p:spTree>
+      <p:nvGrpSpPr>
+        <p:cNvPr id="1" name=""/>
+        <p:cNvGrpSpPr/>
+        <p:nvPr/>
+      </p:nvGrpSpPr>
+      <p:grpSpPr>
+        <a:xfrm>
+          <a:off x="0" y="0"/>
+          <a:ext cx="0" cy="0"/>
+          <a:chOff x="0" y="0"/>
+          <a:chExt cx="0" cy="0"/>
+        </a:xfrm>
+      </p:grpSpPr>
+      <p:sp>
+        <p:nvSpPr>
+          <p:cNvPr id="2" name="Title 1"/>
+          <p:cNvSpPr>
+            <a:spLocks noGrp="1"/>
+          </p:cNvSpPr>
+          <p:nvPr>
+            <p:ph type="title"/>
+          </p:nvPr>
+        </p:nvSpPr>
+        <p:spPr>
+          <a:xfrm>
+            <a:off x="1017372" y="274638"/>
+            <a:ext cx="7669427" cy="1143000"/>
+          </a:xfrm>
+        </p:spPr>
+        <p:txBody>
+          <a:bodyPr/>
+          <a:lstStyle/>
+          <a:p>
+            <a:r>
+              <a:rPr lang="en-AU" dirty="0" smtClean="0"/>
+              <a:t>Webinar</a:t>
+            </a:r>
+            <a:endParaRPr lang="en-AU" dirty="0"/>
+          </a:p>
+        </p:txBody>
+      </p:sp>
+      <p:sp>
+        <p:nvSpPr>
+          <p:cNvPr id="3" name="Content Placeholder 2"/>
+          <p:cNvSpPr>
+            <a:spLocks noGrp="1"/>
+          </p:cNvSpPr>
+          <p:nvPr>
+            <p:ph idx="1"/>
+          </p:nvPr>
+        </p:nvSpPr>
+        <p:spPr>
+          <a:xfrm>
+            <a:off x="457200" y="1600200"/>
+            <a:ext cx="8229600" cy="4637112"/>
+          </a:xfrm>
+        </p:spPr>
+        <p:txBody>
+          <a:bodyPr>
+            <a:normAutofit/>
+          </a:bodyPr>
+          <a:lstStyle/>
+          <a:p>
+            <a:r>
+              <a:rPr lang="en-AU" dirty="0" smtClean="0"/>
+              <a:t>Questions….</a:t>
+            </a:r>
+          </a:p>
+          <a:p>
+            <a:endParaRPr lang="en-AU" dirty="0" smtClean="0">
+              <a:hlinkClick r:id="rId2"/>
+            </a:endParaRPr>
+          </a:p>
+          <a:p>
+            <a:endParaRPr lang="en-AU" dirty="0">
+              <a:hlinkClick r:id="rId2"/>
+            </a:endParaRPr>
+          </a:p>
+          <a:p>
+            <a:endParaRPr lang="en-AU" dirty="0" smtClean="0">
+              <a:hlinkClick r:id="rId2"/>
+            </a:endParaRPr>
+          </a:p>
+          <a:p>
+            <a:endParaRPr lang="en-AU" dirty="0">
+              <a:hlinkClick r:id="rId2"/>
+            </a:endParaRPr>
+          </a:p>
+          <a:p>
+            <a:endParaRPr lang="en-AU" dirty="0">
+              <a:hlinkClick r:id="rId2"/>
+            </a:endParaRPr>
+          </a:p>
+          <a:p>
+            <a:pPr marL="0" indent="0" algn="r">
+              <a:buNone/>
+            </a:pPr>
+            <a:r>
+              <a:rPr lang="en-AU" dirty="0" smtClean="0">
+                <a:hlinkClick r:id="rId2"/>
+              </a:rPr>
+              <a:t>http://hl7.org/fhir</a:t>
+            </a:r>
+            <a:endParaRPr lang="en-AU" dirty="0" smtClean="0"/>
+          </a:p>
+        </p:txBody>
+      </p:sp>
+      <p:pic>
+        <p:nvPicPr>
+          <p:cNvPr id="7" name="Picture 6"/>
+          <p:cNvPicPr>
+            <a:picLocks noChangeAspect="1"/>
+          </p:cNvPicPr>
+          <p:nvPr/>
+        </p:nvPicPr>
+        <p:blipFill rotWithShape="1">
+          <a:blip r:embed="rId3">
+            <a:extLst>
+              <a:ext uri="{28A0092B-C50C-407E-A947-70E740481C1C}">
+                <a14:useLocalDpi xmlns:a14="http://schemas.microsoft.com/office/drawing/2010/main" val="0"/>
+              </a:ext>
+            </a:extLst>
+          </a:blip>
+          <a:srcRect l="27071" t="19101" r="26890" b="29814"/>
+          <a:stretch/>
+        </p:blipFill>
+        <p:spPr>
+          <a:xfrm>
+            <a:off x="6876256" y="260647"/>
+            <a:ext cx="2034746" cy="1252151"/>
+          </a:xfrm>
+          <a:prstGeom prst="rect">
+            <a:avLst/>
+          </a:prstGeom>
+        </p:spPr>
+      </p:pic>
+    </p:spTree>
+    <p:extLst>
+      <p:ext uri="{BB962C8B-B14F-4D97-AF65-F5344CB8AC3E}">
+        <p14:creationId xmlns:p14="http://schemas.microsoft.com/office/powerpoint/2010/main" val="1453366423"/>
       </p:ext>
     </p:extLst>
   </p:cSld>
@@ -5182,8 +5327,13 @@
             <a:pPr lvl="1"/>
             <a:r>
               <a:rPr lang="en-AU" dirty="0" smtClean="0"/>
-              <a:t>CDA – well established, but too hard &amp; too simple</a:t>
-            </a:r>
+              <a:t>CDA – well established, but </a:t>
+            </a:r>
+            <a:r>
+              <a:rPr lang="en-AU" dirty="0" smtClean="0"/>
+              <a:t>also limited in scope and difficult</a:t>
+            </a:r>
+            <a:endParaRPr lang="en-AU" dirty="0" smtClean="0"/>
           </a:p>
           <a:p>
             <a:pPr lvl="1"/>
@@ -5218,7 +5368,7 @@
         </p:blipFill>
         <p:spPr>
           <a:xfrm>
-            <a:off x="0" y="0"/>
+            <a:off x="6876256" y="260648"/>
             <a:ext cx="2034746" cy="1252151"/>
           </a:xfrm>
           <a:prstGeom prst="rect">
@@ -5322,11 +5472,7 @@
             <a:pPr lvl="1"/>
             <a:r>
               <a:rPr lang="en-AU" dirty="0" smtClean="0"/>
-              <a:t>Exemplar: </a:t>
-            </a:r>
-            <a:r>
-              <a:rPr lang="en-AU" dirty="0" smtClean="0"/>
-              <a:t>Highrise</a:t>
+              <a:t>Exemplar: Highrise</a:t>
             </a:r>
             <a:r>
               <a:rPr lang="en-AU" dirty="0"/>
@@ -5396,7 +5542,7 @@
         </p:blipFill>
         <p:spPr>
           <a:xfrm>
-            <a:off x="0" y="0"/>
+            <a:off x="6876256" y="260648"/>
             <a:ext cx="2034746" cy="1252151"/>
           </a:xfrm>
           <a:prstGeom prst="rect">
@@ -5463,7 +5609,7 @@
           <a:p>
             <a:r>
               <a:rPr lang="en-AU" dirty="0" smtClean="0"/>
-              <a:t>Resources</a:t>
+              <a:t>Target Markets</a:t>
             </a:r>
             <a:endParaRPr lang="en-AU" dirty="0"/>
           </a:p>
@@ -5491,44 +5637,44 @@
           </a:bodyPr>
           <a:lstStyle/>
           <a:p>
-            <a:pPr marL="0" indent="0">
-              <a:buNone/>
-            </a:pPr>
-            <a:r>
-              <a:rPr lang="en-AU" dirty="0" smtClean="0"/>
-              <a:t>“Resources” are:</a:t>
-            </a:r>
-          </a:p>
-          <a:p>
-            <a:r>
-              <a:rPr lang="en-AU" dirty="0" smtClean="0"/>
-              <a:t>Small identified logically discrete units of exchange</a:t>
-            </a:r>
-          </a:p>
-          <a:p>
-            <a:r>
-              <a:rPr lang="en-AU" dirty="0" smtClean="0"/>
-              <a:t>Each has own identity / location</a:t>
-            </a:r>
-          </a:p>
-          <a:p>
-            <a:r>
-              <a:rPr lang="en-AU" dirty="0" smtClean="0"/>
-              <a:t>Smallest unit of transaction</a:t>
-            </a:r>
-          </a:p>
-          <a:p>
-            <a:r>
-              <a:rPr lang="en-AU" dirty="0" smtClean="0"/>
-              <a:t>Represented in XML or JSON (or others)</a:t>
-            </a:r>
-          </a:p>
-          <a:p>
-            <a:r>
-              <a:rPr lang="en-AU" dirty="0" smtClean="0"/>
-              <a:t>Addressed through HTTP or other methods</a:t>
-            </a:r>
-            <a:endParaRPr lang="en-AU" dirty="0"/>
+            <a:r>
+              <a:rPr lang="en-AU" dirty="0" smtClean="0"/>
+              <a:t>Classic in-institution interoperability</a:t>
+            </a:r>
+          </a:p>
+          <a:p>
+            <a:r>
+              <a:rPr lang="en-AU" dirty="0" smtClean="0"/>
+              <a:t>Back-end e-business systems (financial)</a:t>
+            </a:r>
+          </a:p>
+          <a:p>
+            <a:r>
+              <a:rPr lang="en-AU" dirty="0" smtClean="0"/>
+              <a:t>RHIO</a:t>
+            </a:r>
+          </a:p>
+          <a:p>
+            <a:r>
+              <a:rPr lang="en-AU" dirty="0" smtClean="0"/>
+              <a:t>National EHR systems</a:t>
+            </a:r>
+          </a:p>
+          <a:p>
+            <a:endParaRPr lang="en-AU" dirty="0" smtClean="0"/>
+          </a:p>
+          <a:p>
+            <a:r>
+              <a:rPr lang="en-AU" b="1" dirty="0" smtClean="0"/>
+              <a:t>Social Web (Health)</a:t>
+            </a:r>
+          </a:p>
+          <a:p>
+            <a:r>
+              <a:rPr lang="en-AU" b="1" dirty="0" smtClean="0"/>
+              <a:t>Mobile Applications</a:t>
+            </a:r>
+            <a:endParaRPr lang="en-AU" b="1" dirty="0"/>
           </a:p>
         </p:txBody>
       </p:sp>
@@ -5553,7 +5699,7 @@
         </p:blipFill>
         <p:spPr>
           <a:xfrm>
-            <a:off x="0" y="0"/>
+            <a:off x="6876256" y="260648"/>
             <a:ext cx="2034746" cy="1252151"/>
           </a:xfrm>
           <a:prstGeom prst="rect">
@@ -5564,7 +5710,7 @@
     </p:spTree>
     <p:extLst>
       <p:ext uri="{BB962C8B-B14F-4D97-AF65-F5344CB8AC3E}">
-        <p14:creationId xmlns:p14="http://schemas.microsoft.com/office/powerpoint/2010/main" val="826617625"/>
+        <p14:creationId xmlns:p14="http://schemas.microsoft.com/office/powerpoint/2010/main" val="3463554243"/>
       </p:ext>
     </p:extLst>
   </p:cSld>
@@ -5648,74 +5794,67 @@
           </a:bodyPr>
           <a:lstStyle/>
           <a:p>
-            <a:r>
-              <a:rPr lang="en-AU" dirty="0" smtClean="0"/>
-              <a:t>Administrative Concepts</a:t>
-            </a:r>
-          </a:p>
-          <a:p>
-            <a:pPr lvl="1"/>
-            <a:r>
-              <a:rPr lang="en-AU" dirty="0" smtClean="0"/>
-              <a:t>Person, Patient, </a:t>
-            </a:r>
-            <a:r>
-              <a:rPr lang="en-US" dirty="0" smtClean="0"/>
-              <a:t>Organization</a:t>
-            </a:r>
-            <a:r>
-              <a:rPr lang="en-AU" dirty="0" smtClean="0"/>
-              <a:t>, </a:t>
-            </a:r>
-            <a:r>
-              <a:rPr lang="en-AU" dirty="0" smtClean="0"/>
-              <a:t>Device, Facility</a:t>
-            </a:r>
-          </a:p>
-          <a:p>
-            <a:pPr lvl="1"/>
-            <a:r>
-              <a:rPr lang="en-AU" dirty="0" smtClean="0"/>
-              <a:t>Coverage, Invoice, </a:t>
-            </a:r>
-            <a:r>
-              <a:rPr lang="en-AU" dirty="0" smtClean="0"/>
-              <a:t>etc.</a:t>
+            <a:pPr marL="0" indent="0">
+              <a:buNone/>
+            </a:pPr>
+            <a:r>
+              <a:rPr lang="en-AU" dirty="0" smtClean="0"/>
+              <a:t>“Resources” are:</a:t>
+            </a:r>
+          </a:p>
+          <a:p>
+            <a:r>
+              <a:rPr lang="en-AU" dirty="0" smtClean="0"/>
+              <a:t>Small </a:t>
+            </a:r>
+            <a:r>
+              <a:rPr lang="en-AU" dirty="0" smtClean="0"/>
+              <a:t>logically </a:t>
+            </a:r>
+            <a:r>
+              <a:rPr lang="en-AU" dirty="0" smtClean="0"/>
+              <a:t>discrete units of </a:t>
+            </a:r>
+            <a:r>
+              <a:rPr lang="en-AU" dirty="0" smtClean="0"/>
+              <a:t>exchange</a:t>
+            </a:r>
+          </a:p>
+          <a:p>
+            <a:r>
+              <a:rPr lang="en-AU" dirty="0" smtClean="0"/>
+              <a:t>Defined behaviour and meaning</a:t>
+            </a:r>
+            <a:endParaRPr lang="en-AU" dirty="0" smtClean="0"/>
+          </a:p>
+          <a:p>
+            <a:r>
+              <a:rPr lang="en-AU" dirty="0" smtClean="0"/>
+              <a:t>Known </a:t>
+            </a:r>
+            <a:r>
+              <a:rPr lang="en-AU" dirty="0" smtClean="0"/>
+              <a:t>identity / location</a:t>
+            </a:r>
+          </a:p>
+          <a:p>
+            <a:r>
+              <a:rPr lang="en-AU" dirty="0" smtClean="0"/>
+              <a:t>Smallest unit of transaction</a:t>
+            </a:r>
+          </a:p>
+          <a:p>
+            <a:r>
+              <a:rPr lang="en-AU" dirty="0" smtClean="0"/>
+              <a:t>Represented in XML or JSON (or others)</a:t>
+            </a:r>
+          </a:p>
+          <a:p>
+            <a:r>
+              <a:rPr lang="en-AU" dirty="0" smtClean="0"/>
+              <a:t>Addressed through HTTP or other methods</a:t>
             </a:r>
             <a:endParaRPr lang="en-AU" dirty="0"/>
-          </a:p>
-          <a:p>
-            <a:r>
-              <a:rPr lang="en-AU" dirty="0" smtClean="0"/>
-              <a:t>Clinical Concepts</a:t>
-            </a:r>
-          </a:p>
-          <a:p>
-            <a:pPr lvl="1"/>
-            <a:r>
-              <a:rPr lang="en-AU" dirty="0" smtClean="0"/>
-              <a:t>Allergy, Problem, Medication, Family History</a:t>
-            </a:r>
-          </a:p>
-          <a:p>
-            <a:pPr lvl="1"/>
-            <a:r>
-              <a:rPr lang="en-AU" dirty="0" smtClean="0"/>
-              <a:t>Care Plan</a:t>
-            </a:r>
-          </a:p>
-          <a:p>
-            <a:r>
-              <a:rPr lang="en-AU" dirty="0" smtClean="0"/>
-              <a:t>Infrastructure things</a:t>
-            </a:r>
-          </a:p>
-          <a:p>
-            <a:pPr lvl="1"/>
-            <a:r>
-              <a:rPr lang="en-AU" dirty="0" smtClean="0"/>
-              <a:t>Document, Message, Conformance/Profiling</a:t>
-            </a:r>
           </a:p>
         </p:txBody>
       </p:sp>
@@ -5740,7 +5879,7 @@
         </p:blipFill>
         <p:spPr>
           <a:xfrm>
-            <a:off x="0" y="0"/>
+            <a:off x="6876256" y="265046"/>
             <a:ext cx="2034746" cy="1252151"/>
           </a:xfrm>
           <a:prstGeom prst="rect">
@@ -5835,67 +5974,74 @@
           </a:bodyPr>
           <a:lstStyle/>
           <a:p>
-            <a:pPr marL="0" indent="0">
-              <a:buNone/>
-            </a:pPr>
-            <a:r>
-              <a:rPr lang="en-AU" dirty="0" smtClean="0"/>
-              <a:t>Resources have 3 parts</a:t>
-            </a:r>
-          </a:p>
-          <a:p>
-            <a:r>
-              <a:rPr lang="en-AU" dirty="0" smtClean="0"/>
-              <a:t>Defined Structured Data</a:t>
+            <a:r>
+              <a:rPr lang="en-AU" dirty="0" smtClean="0"/>
+              <a:t>Administrative Concepts</a:t>
             </a:r>
           </a:p>
           <a:p>
             <a:pPr lvl="1"/>
             <a:r>
               <a:rPr lang="en-AU" dirty="0" smtClean="0"/>
-              <a:t>The logical, </a:t>
-            </a:r>
-            <a:r>
-              <a:rPr lang="en-AU" i="1" dirty="0" smtClean="0"/>
-              <a:t>common</a:t>
-            </a:r>
-            <a:r>
-              <a:rPr lang="en-AU" dirty="0" smtClean="0"/>
-              <a:t> contents of the resource</a:t>
+              <a:t>Person, Patient, </a:t>
+            </a:r>
+            <a:r>
+              <a:rPr lang="en-US" dirty="0" smtClean="0"/>
+              <a:t>Organization</a:t>
+            </a:r>
+            <a:r>
+              <a:rPr lang="en-AU" dirty="0" smtClean="0"/>
+              <a:t>, Device, Facility</a:t>
+            </a:r>
+          </a:p>
+          <a:p>
+            <a:pPr lvl="1"/>
+            <a:r>
+              <a:rPr lang="en-AU" dirty="0" smtClean="0"/>
+              <a:t>Coverage, Invoice, etc.</a:t>
             </a:r>
             <a:endParaRPr lang="en-AU" dirty="0"/>
           </a:p>
           <a:p>
             <a:r>
               <a:rPr lang="en-AU" dirty="0" smtClean="0"/>
-              <a:t>Extensions</a:t>
+              <a:t>Clinical Concepts</a:t>
             </a:r>
           </a:p>
           <a:p>
             <a:pPr lvl="1"/>
             <a:r>
               <a:rPr lang="en-AU" dirty="0" smtClean="0"/>
-              <a:t>Local requirements, but everyone can use</a:t>
+              <a:t>Allergy, Problem, Medication, Family History</a:t>
             </a:r>
           </a:p>
           <a:p>
             <a:pPr lvl="1"/>
             <a:r>
               <a:rPr lang="en-AU" dirty="0" smtClean="0"/>
-              <a:t>Published and managed</a:t>
-            </a:r>
-          </a:p>
-          <a:p>
-            <a:r>
-              <a:rPr lang="en-AU" dirty="0" smtClean="0"/>
-              <a:t>Narrative</a:t>
-            </a:r>
+              <a:t>Care Plan</a:t>
+            </a:r>
+          </a:p>
+          <a:p>
+            <a:r>
+              <a:rPr lang="en-AU" dirty="0" smtClean="0"/>
+              <a:t>Infrastructure </a:t>
+            </a:r>
+            <a:r>
+              <a:rPr lang="en-AU" dirty="0"/>
+              <a:t>F</a:t>
+            </a:r>
+            <a:r>
+              <a:rPr lang="en-AU" dirty="0" smtClean="0"/>
+              <a:t>unctionality</a:t>
+            </a:r>
+            <a:endParaRPr lang="en-AU" dirty="0" smtClean="0"/>
           </a:p>
           <a:p>
             <a:pPr lvl="1"/>
             <a:r>
               <a:rPr lang="en-AU" dirty="0" smtClean="0"/>
-              <a:t>Human readable (fall back)</a:t>
+              <a:t>Document, Message, Conformance/Profiling</a:t>
             </a:r>
           </a:p>
         </p:txBody>
@@ -5921,7 +6067,7 @@
         </p:blipFill>
         <p:spPr>
           <a:xfrm>
-            <a:off x="0" y="0"/>
+            <a:off x="6876256" y="260648"/>
             <a:ext cx="2034746" cy="1252151"/>
           </a:xfrm>
           <a:prstGeom prst="rect">
@@ -5932,7 +6078,7 @@
     </p:spTree>
     <p:extLst>
       <p:ext uri="{BB962C8B-B14F-4D97-AF65-F5344CB8AC3E}">
-        <p14:creationId xmlns:p14="http://schemas.microsoft.com/office/powerpoint/2010/main" val="112149133"/>
+        <p14:creationId xmlns:p14="http://schemas.microsoft.com/office/powerpoint/2010/main" val="826617625"/>
       </p:ext>
     </p:extLst>
   </p:cSld>
@@ -5988,9 +6134,107 @@
           <a:p>
             <a:r>
               <a:rPr lang="en-AU" dirty="0" smtClean="0"/>
-              <a:t>Person</a:t>
+              <a:t>Resources</a:t>
             </a:r>
             <a:endParaRPr lang="en-AU" dirty="0"/>
+          </a:p>
+        </p:txBody>
+      </p:sp>
+      <p:sp>
+        <p:nvSpPr>
+          <p:cNvPr id="3" name="Content Placeholder 2"/>
+          <p:cNvSpPr>
+            <a:spLocks noGrp="1"/>
+          </p:cNvSpPr>
+          <p:nvPr>
+            <p:ph idx="1"/>
+          </p:nvPr>
+        </p:nvSpPr>
+        <p:spPr>
+          <a:xfrm>
+            <a:off x="457200" y="1600200"/>
+            <a:ext cx="8229600" cy="5141168"/>
+          </a:xfrm>
+        </p:spPr>
+        <p:txBody>
+          <a:bodyPr>
+            <a:normAutofit/>
+          </a:bodyPr>
+          <a:lstStyle/>
+          <a:p>
+            <a:pPr marL="0" indent="0">
+              <a:buNone/>
+            </a:pPr>
+            <a:r>
+              <a:rPr lang="en-AU" dirty="0" smtClean="0"/>
+              <a:t>Resources have 3 parts</a:t>
+            </a:r>
+          </a:p>
+          <a:p>
+            <a:r>
+              <a:rPr lang="en-AU" dirty="0" smtClean="0"/>
+              <a:t>Defined Structured Data</a:t>
+            </a:r>
+          </a:p>
+          <a:p>
+            <a:pPr lvl="1"/>
+            <a:r>
+              <a:rPr lang="en-AU" dirty="0" smtClean="0"/>
+              <a:t>The logical, </a:t>
+            </a:r>
+            <a:r>
+              <a:rPr lang="en-AU" i="1" dirty="0" smtClean="0"/>
+              <a:t>common</a:t>
+            </a:r>
+            <a:r>
+              <a:rPr lang="en-AU" dirty="0" smtClean="0"/>
+              <a:t> contents of the </a:t>
+            </a:r>
+            <a:r>
+              <a:rPr lang="en-AU" dirty="0" smtClean="0"/>
+              <a:t>resource</a:t>
+            </a:r>
+          </a:p>
+          <a:p>
+            <a:pPr lvl="1"/>
+            <a:r>
+              <a:rPr lang="en-AU" dirty="0" smtClean="0"/>
+              <a:t>Mapped to formal definitions/RIM &amp; other formats</a:t>
+            </a:r>
+            <a:endParaRPr lang="en-AU" dirty="0"/>
+          </a:p>
+          <a:p>
+            <a:r>
+              <a:rPr lang="en-AU" dirty="0" smtClean="0"/>
+              <a:t>Extensions</a:t>
+            </a:r>
+          </a:p>
+          <a:p>
+            <a:pPr lvl="1"/>
+            <a:r>
+              <a:rPr lang="en-AU" dirty="0" smtClean="0"/>
+              <a:t>Local requirements, but everyone can use</a:t>
+            </a:r>
+          </a:p>
+          <a:p>
+            <a:pPr lvl="1"/>
+            <a:r>
+              <a:rPr lang="en-AU" dirty="0" smtClean="0"/>
+              <a:t>Published and managed</a:t>
+            </a:r>
+          </a:p>
+          <a:p>
+            <a:r>
+              <a:rPr lang="en-AU" dirty="0" smtClean="0"/>
+              <a:t>Narrative</a:t>
+            </a:r>
+          </a:p>
+          <a:p>
+            <a:pPr lvl="1"/>
+            <a:r>
+              <a:rPr lang="en-AU" dirty="0" smtClean="0"/>
+              <a:t>Human readable (fall back)</a:t>
+            </a:r>
           </a:p>
         </p:txBody>
       </p:sp>
@@ -6015,7 +6259,7 @@
         </p:blipFill>
         <p:spPr>
           <a:xfrm>
-            <a:off x="0" y="0"/>
+            <a:off x="6876256" y="260648"/>
             <a:ext cx="2034746" cy="1252151"/>
           </a:xfrm>
           <a:prstGeom prst="rect">
@@ -6023,214 +6267,10 @@
           </a:prstGeom>
         </p:spPr>
       </p:pic>
-      <p:pic>
-        <p:nvPicPr>
-          <p:cNvPr id="2052" name="Picture 4"/>
-          <p:cNvPicPr>
-            <a:picLocks noGrp="1" noChangeAspect="1" noChangeArrowheads="1"/>
-          </p:cNvPicPr>
-          <p:nvPr>
-            <p:ph idx="1"/>
-          </p:nvPr>
-        </p:nvPicPr>
-        <p:blipFill>
-          <a:blip r:embed="rId3">
-            <a:extLst>
-              <a:ext uri="{28A0092B-C50C-407E-A947-70E740481C1C}">
-                <a14:useLocalDpi xmlns:a14="http://schemas.microsoft.com/office/drawing/2010/main" val="0"/>
-              </a:ext>
-            </a:extLst>
-          </a:blip>
-          <a:srcRect/>
-          <a:stretch>
-            <a:fillRect/>
-          </a:stretch>
-        </p:blipFill>
-        <p:spPr bwMode="auto">
-          <a:xfrm>
-            <a:off x="1259632" y="1412776"/>
-            <a:ext cx="6768752" cy="5171286"/>
-          </a:xfrm>
-          <a:prstGeom prst="rect">
-            <a:avLst/>
-          </a:prstGeom>
-          <a:noFill/>
-          <a:ln>
-            <a:noFill/>
-          </a:ln>
-          <a:effectLst/>
-          <a:extLst>
-            <a:ext uri="{909E8E84-426E-40DD-AFC4-6F175D3DCCD1}">
-              <a14:hiddenFill xmlns:a14="http://schemas.microsoft.com/office/drawing/2010/main">
-                <a:solidFill>
-                  <a:schemeClr val="accent1"/>
-                </a:solidFill>
-              </a14:hiddenFill>
-            </a:ext>
-            <a:ext uri="{91240B29-F687-4F45-9708-019B960494DF}">
-              <a14:hiddenLine xmlns:a14="http://schemas.microsoft.com/office/drawing/2010/main" w="9525">
-                <a:solidFill>
-                  <a:schemeClr val="tx1"/>
-                </a:solidFill>
-                <a:miter lim="800000"/>
-                <a:headEnd/>
-                <a:tailEnd/>
-              </a14:hiddenLine>
-            </a:ext>
-            <a:ext uri="{AF507438-7753-43E0-B8FC-AC1667EBCBE1}">
-              <a14:hiddenEffects xmlns:a14="http://schemas.microsoft.com/office/drawing/2010/main">
-                <a:effectLst>
-                  <a:outerShdw dist="35921" dir="2700000" algn="ctr" rotWithShape="0">
-                    <a:schemeClr val="bg2"/>
-                  </a:outerShdw>
-                </a:effectLst>
-              </a14:hiddenEffects>
-            </a:ext>
-          </a:extLst>
-        </p:spPr>
-      </p:pic>
-      <p:sp>
-        <p:nvSpPr>
-          <p:cNvPr id="8" name="Rounded Rectangle 7"/>
-          <p:cNvSpPr/>
-          <p:nvPr/>
-        </p:nvSpPr>
-        <p:spPr>
-          <a:xfrm>
-            <a:off x="1043608" y="1700808"/>
-            <a:ext cx="4248472" cy="2952328"/>
-          </a:xfrm>
-          <a:prstGeom prst="roundRect">
-            <a:avLst/>
-          </a:prstGeom>
-          <a:noFill/>
-          <a:ln w="28575">
-            <a:solidFill>
-              <a:srgbClr val="00B050"/>
-            </a:solidFill>
-          </a:ln>
-        </p:spPr>
-        <p:style>
-          <a:lnRef idx="2">
-            <a:schemeClr val="accent1">
-              <a:shade val="50000"/>
-            </a:schemeClr>
-          </a:lnRef>
-          <a:fillRef idx="1">
-            <a:schemeClr val="accent1"/>
-          </a:fillRef>
-          <a:effectRef idx="0">
-            <a:schemeClr val="accent1"/>
-          </a:effectRef>
-          <a:fontRef idx="minor">
-            <a:schemeClr val="lt1"/>
-          </a:fontRef>
-        </p:style>
-        <p:txBody>
-          <a:bodyPr rtlCol="0" anchor="ctr"/>
-          <a:lstStyle/>
-          <a:p>
-            <a:pPr algn="ctr"/>
-            <a:endParaRPr lang="en-AU" dirty="0"/>
-          </a:p>
-        </p:txBody>
-      </p:sp>
-      <p:sp>
-        <p:nvSpPr>
-          <p:cNvPr id="9" name="Rounded Rectangle 8"/>
-          <p:cNvSpPr/>
-          <p:nvPr/>
-        </p:nvSpPr>
-        <p:spPr>
-          <a:xfrm>
-            <a:off x="1043608" y="4725144"/>
-            <a:ext cx="4896544" cy="648072"/>
-          </a:xfrm>
-          <a:prstGeom prst="roundRect">
-            <a:avLst/>
-          </a:prstGeom>
-          <a:noFill/>
-          <a:ln w="28575">
-            <a:solidFill>
-              <a:srgbClr val="FFC000"/>
-            </a:solidFill>
-          </a:ln>
-        </p:spPr>
-        <p:style>
-          <a:lnRef idx="2">
-            <a:schemeClr val="accent1">
-              <a:shade val="50000"/>
-            </a:schemeClr>
-          </a:lnRef>
-          <a:fillRef idx="1">
-            <a:schemeClr val="accent1"/>
-          </a:fillRef>
-          <a:effectRef idx="0">
-            <a:schemeClr val="accent1"/>
-          </a:effectRef>
-          <a:fontRef idx="minor">
-            <a:schemeClr val="lt1"/>
-          </a:fontRef>
-        </p:style>
-        <p:txBody>
-          <a:bodyPr rtlCol="0" anchor="ctr"/>
-          <a:lstStyle/>
-          <a:p>
-            <a:pPr algn="ctr"/>
-            <a:endParaRPr lang="en-AU" dirty="0"/>
-          </a:p>
-        </p:txBody>
-      </p:sp>
-      <p:sp>
-        <p:nvSpPr>
-          <p:cNvPr id="10" name="Rounded Rectangle 9"/>
-          <p:cNvSpPr/>
-          <p:nvPr/>
-        </p:nvSpPr>
-        <p:spPr>
-          <a:xfrm>
-            <a:off x="1043608" y="5445224"/>
-            <a:ext cx="5832648" cy="936104"/>
-          </a:xfrm>
-          <a:prstGeom prst="roundRect">
-            <a:avLst/>
-          </a:prstGeom>
-          <a:noFill/>
-          <a:ln w="28575">
-            <a:solidFill>
-              <a:srgbClr val="FF0000"/>
-            </a:solidFill>
-          </a:ln>
-        </p:spPr>
-        <p:style>
-          <a:lnRef idx="2">
-            <a:schemeClr val="accent1">
-              <a:shade val="50000"/>
-            </a:schemeClr>
-          </a:lnRef>
-          <a:fillRef idx="1">
-            <a:schemeClr val="accent1"/>
-          </a:fillRef>
-          <a:effectRef idx="0">
-            <a:schemeClr val="accent1"/>
-          </a:effectRef>
-          <a:fontRef idx="minor">
-            <a:schemeClr val="lt1"/>
-          </a:fontRef>
-        </p:style>
-        <p:txBody>
-          <a:bodyPr rtlCol="0" anchor="ctr"/>
-          <a:lstStyle/>
-          <a:p>
-            <a:pPr algn="ctr"/>
-            <a:endParaRPr lang="en-AU" dirty="0"/>
-          </a:p>
-        </p:txBody>
-      </p:sp>
     </p:spTree>
     <p:extLst>
       <p:ext uri="{BB962C8B-B14F-4D97-AF65-F5344CB8AC3E}">
-        <p14:creationId xmlns:p14="http://schemas.microsoft.com/office/powerpoint/2010/main" val="3746532834"/>
+        <p14:creationId xmlns:p14="http://schemas.microsoft.com/office/powerpoint/2010/main" val="112149133"/>
       </p:ext>
     </p:extLst>
   </p:cSld>
@@ -6286,99 +6326,77 @@
           <a:p>
             <a:r>
               <a:rPr lang="en-AU" dirty="0" smtClean="0"/>
-              <a:t>Resources</a:t>
+              <a:t>Person</a:t>
             </a:r>
             <a:endParaRPr lang="en-AU" dirty="0"/>
           </a:p>
         </p:txBody>
       </p:sp>
-      <p:sp>
-        <p:nvSpPr>
-          <p:cNvPr id="3" name="Content Placeholder 2"/>
-          <p:cNvSpPr>
-            <a:spLocks noGrp="1"/>
-          </p:cNvSpPr>
+      <p:pic>
+        <p:nvPicPr>
+          <p:cNvPr id="2052" name="Picture 4"/>
+          <p:cNvPicPr>
+            <a:picLocks noGrp="1" noChangeAspect="1" noChangeArrowheads="1"/>
+          </p:cNvPicPr>
           <p:nvPr>
             <p:ph idx="1"/>
           </p:nvPr>
-        </p:nvSpPr>
-        <p:spPr>
-          <a:xfrm>
-            <a:off x="457200" y="1600200"/>
-            <a:ext cx="8229600" cy="5141168"/>
-          </a:xfrm>
-        </p:spPr>
-        <p:txBody>
-          <a:bodyPr>
-            <a:normAutofit/>
-          </a:bodyPr>
-          <a:lstStyle/>
-          <a:p>
-            <a:pPr marL="0" indent="0">
-              <a:buNone/>
-            </a:pPr>
-            <a:r>
-              <a:rPr lang="en-AU" dirty="0" smtClean="0"/>
-              <a:t>Resources have 3 parts</a:t>
-            </a:r>
-          </a:p>
-          <a:p>
-            <a:r>
-              <a:rPr lang="en-AU" dirty="0" smtClean="0"/>
-              <a:t>Defined Structured Data</a:t>
-            </a:r>
-          </a:p>
-          <a:p>
-            <a:pPr lvl="1"/>
-            <a:r>
-              <a:rPr lang="en-AU" dirty="0" smtClean="0"/>
-              <a:t>The logical, </a:t>
-            </a:r>
-            <a:r>
-              <a:rPr lang="en-AU" i="1" dirty="0" smtClean="0"/>
-              <a:t>common</a:t>
-            </a:r>
-            <a:r>
-              <a:rPr lang="en-AU" dirty="0" smtClean="0"/>
-              <a:t> contents of the resource</a:t>
-            </a:r>
-            <a:endParaRPr lang="en-AU" dirty="0"/>
-          </a:p>
-          <a:p>
-            <a:r>
-              <a:rPr lang="en-AU" dirty="0" smtClean="0"/>
-              <a:t>Extensions</a:t>
-            </a:r>
-          </a:p>
-          <a:p>
-            <a:pPr lvl="1"/>
-            <a:r>
-              <a:rPr lang="en-AU" dirty="0" smtClean="0"/>
-              <a:t>Local requirements, but everyone can use</a:t>
-            </a:r>
-          </a:p>
-          <a:p>
-            <a:pPr lvl="1"/>
-            <a:r>
-              <a:rPr lang="en-AU" dirty="0" smtClean="0"/>
-              <a:t>Published and managed</a:t>
-            </a:r>
-          </a:p>
-          <a:p>
-            <a:r>
-              <a:rPr lang="en-AU" dirty="0" smtClean="0"/>
-              <a:t>Narrative</a:t>
-            </a:r>
-          </a:p>
-          <a:p>
-            <a:pPr lvl="1"/>
-            <a:r>
-              <a:rPr lang="en-AU" dirty="0" smtClean="0"/>
-              <a:t>Human readable (fall back)</a:t>
-            </a:r>
-          </a:p>
-        </p:txBody>
-      </p:sp>
+        </p:nvPicPr>
+        <p:blipFill>
+          <a:blip r:embed="rId2">
+            <a:extLst>
+              <a:ext uri="{28A0092B-C50C-407E-A947-70E740481C1C}">
+                <a14:useLocalDpi xmlns:a14="http://schemas.microsoft.com/office/drawing/2010/main" val="0"/>
+              </a:ext>
+            </a:extLst>
+          </a:blip>
+          <a:stretch>
+            <a:fillRect/>
+          </a:stretch>
+        </p:blipFill>
+        <p:spPr bwMode="auto">
+          <a:xfrm>
+            <a:off x="1679569" y="1828800"/>
+            <a:ext cx="5784862" cy="4419600"/>
+          </a:xfrm>
+          <a:prstGeom prst="rect">
+            <a:avLst/>
+          </a:prstGeom>
+          <a:noFill/>
+          <a:ln>
+            <a:noFill/>
+          </a:ln>
+          <a:effectLst/>
+          <a:extLst>
+            <a:ext uri="{909E8E84-426E-40DD-AFC4-6F175D3DCCD1}">
+              <a14:hiddenFill xmlns:a14="http://schemas.microsoft.com/office/drawing/2010/main">
+                <a:solidFill>
+                  <a:schemeClr val="accent1"/>
+                </a:solidFill>
+              </a14:hiddenFill>
+            </a:ext>
+            <a:ext uri="{91240B29-F687-4F45-9708-019B960494DF}">
+              <a14:hiddenLine xmlns:a14="http://schemas.microsoft.com/office/drawing/2010/main" w="9525">
+                <a:solidFill>
+                  <a:schemeClr val="tx1"/>
+                </a:solidFill>
+                <a:miter lim="800000"/>
+                <a:headEnd/>
+                <a:tailEnd/>
+              </a14:hiddenLine>
+            </a:ext>
+            <a:ext uri="{AF507438-7753-43E0-B8FC-AC1667EBCBE1}">
+              <a14:hiddenEffects xmlns:a14="http://schemas.microsoft.com/office/drawing/2010/main">
+                <a:effectLst>
+                  <a:outerShdw dist="35921" dir="2700000" algn="ctr" rotWithShape="0">
+                    <a:schemeClr val="bg2"/>
+                  </a:outerShdw>
+                </a:effectLst>
+              </a14:hiddenEffects>
+            </a:ext>
+          </a:extLst>
+        </p:spPr>
+      </p:pic>
       <p:pic>
         <p:nvPicPr>
           <p:cNvPr id="7" name="Picture 6"/>
@@ -6388,7 +6406,7 @@
           <p:nvPr/>
         </p:nvPicPr>
         <p:blipFill rotWithShape="1">
-          <a:blip r:embed="rId2">
+          <a:blip r:embed="rId3">
             <a:extLst>
               <a:ext uri="{28A0092B-C50C-407E-A947-70E740481C1C}">
                 <a14:useLocalDpi xmlns:a14="http://schemas.microsoft.com/office/drawing/2010/main" val="0"/>
@@ -6400,7 +6418,7 @@
         </p:blipFill>
         <p:spPr>
           <a:xfrm>
-            <a:off x="0" y="0"/>
+            <a:off x="6876256" y="260647"/>
             <a:ext cx="2034746" cy="1252151"/>
           </a:xfrm>
           <a:prstGeom prst="rect">
@@ -6408,10 +6426,148 @@
           </a:prstGeom>
         </p:spPr>
       </p:pic>
+      <p:sp>
+        <p:nvSpPr>
+          <p:cNvPr id="8" name="Rounded Rectangle 7"/>
+          <p:cNvSpPr/>
+          <p:nvPr/>
+        </p:nvSpPr>
+        <p:spPr>
+          <a:xfrm>
+            <a:off x="1043608" y="2060848"/>
+            <a:ext cx="4248472" cy="2520280"/>
+          </a:xfrm>
+          <a:prstGeom prst="roundRect">
+            <a:avLst/>
+          </a:prstGeom>
+          <a:noFill/>
+          <a:ln w="28575">
+            <a:solidFill>
+              <a:srgbClr val="00B050"/>
+            </a:solidFill>
+          </a:ln>
+        </p:spPr>
+        <p:style>
+          <a:lnRef idx="2">
+            <a:schemeClr val="accent1">
+              <a:shade val="50000"/>
+            </a:schemeClr>
+          </a:lnRef>
+          <a:fillRef idx="1">
+            <a:schemeClr val="accent1"/>
+          </a:fillRef>
+          <a:effectRef idx="0">
+            <a:schemeClr val="accent1"/>
+          </a:effectRef>
+          <a:fontRef idx="minor">
+            <a:schemeClr val="lt1"/>
+          </a:fontRef>
+        </p:style>
+        <p:txBody>
+          <a:bodyPr rtlCol="0" anchor="ctr"/>
+          <a:lstStyle/>
+          <a:p>
+            <a:pPr algn="ctr"/>
+            <a:endParaRPr lang="en-AU" dirty="0"/>
+          </a:p>
+        </p:txBody>
+      </p:sp>
+      <p:sp>
+        <p:nvSpPr>
+          <p:cNvPr id="9" name="Rounded Rectangle 8"/>
+          <p:cNvSpPr/>
+          <p:nvPr/>
+        </p:nvSpPr>
+        <p:spPr>
+          <a:xfrm>
+            <a:off x="1043608" y="4653136"/>
+            <a:ext cx="4896544" cy="601680"/>
+          </a:xfrm>
+          <a:prstGeom prst="roundRect">
+            <a:avLst/>
+          </a:prstGeom>
+          <a:noFill/>
+          <a:ln w="28575">
+            <a:solidFill>
+              <a:srgbClr val="FFC000"/>
+            </a:solidFill>
+          </a:ln>
+        </p:spPr>
+        <p:style>
+          <a:lnRef idx="2">
+            <a:schemeClr val="accent1">
+              <a:shade val="50000"/>
+            </a:schemeClr>
+          </a:lnRef>
+          <a:fillRef idx="1">
+            <a:schemeClr val="accent1"/>
+          </a:fillRef>
+          <a:effectRef idx="0">
+            <a:schemeClr val="accent1"/>
+          </a:effectRef>
+          <a:fontRef idx="minor">
+            <a:schemeClr val="lt1"/>
+          </a:fontRef>
+        </p:style>
+        <p:txBody>
+          <a:bodyPr rtlCol="0" anchor="ctr"/>
+          <a:lstStyle/>
+          <a:p>
+            <a:pPr algn="ctr"/>
+            <a:endParaRPr lang="en-AU" dirty="0"/>
+          </a:p>
+        </p:txBody>
+      </p:sp>
+      <p:sp>
+        <p:nvSpPr>
+          <p:cNvPr id="10" name="Rounded Rectangle 9"/>
+          <p:cNvSpPr/>
+          <p:nvPr/>
+        </p:nvSpPr>
+        <p:spPr>
+          <a:xfrm>
+            <a:off x="1034321" y="5301207"/>
+            <a:ext cx="5832648" cy="720081"/>
+          </a:xfrm>
+          <a:prstGeom prst="roundRect">
+            <a:avLst/>
+          </a:prstGeom>
+          <a:noFill/>
+          <a:ln w="28575">
+            <a:solidFill>
+              <a:srgbClr val="FF0000"/>
+            </a:solidFill>
+          </a:ln>
+        </p:spPr>
+        <p:style>
+          <a:lnRef idx="2">
+            <a:schemeClr val="accent1">
+              <a:shade val="50000"/>
+            </a:schemeClr>
+          </a:lnRef>
+          <a:fillRef idx="1">
+            <a:schemeClr val="accent1"/>
+          </a:fillRef>
+          <a:effectRef idx="0">
+            <a:schemeClr val="accent1"/>
+          </a:effectRef>
+          <a:fontRef idx="minor">
+            <a:schemeClr val="lt1"/>
+          </a:fontRef>
+        </p:style>
+        <p:txBody>
+          <a:bodyPr rtlCol="0" anchor="ctr"/>
+          <a:lstStyle/>
+          <a:p>
+            <a:pPr algn="ctr"/>
+            <a:endParaRPr lang="en-AU" dirty="0"/>
+          </a:p>
+        </p:txBody>
+      </p:sp>
     </p:spTree>
     <p:extLst>
       <p:ext uri="{BB962C8B-B14F-4D97-AF65-F5344CB8AC3E}">
-        <p14:creationId xmlns:p14="http://schemas.microsoft.com/office/powerpoint/2010/main" val="1228129700"/>
+        <p14:creationId xmlns:p14="http://schemas.microsoft.com/office/powerpoint/2010/main" val="3746532834"/>
       </p:ext>
     </p:extLst>
   </p:cSld>
@@ -6429,116 +6585,56 @@
 </file>
 
 <file path=ppt/theme/theme1.xml><?xml version="1.0" encoding="utf-8"?>
-<a:theme xmlns:a="http://schemas.openxmlformats.org/drawingml/2006/main" name="Office Theme">
+<a:theme xmlns:a="http://schemas.openxmlformats.org/drawingml/2006/main" name="Refined">
   <a:themeElements>
-    <a:clrScheme name="Office">
+    <a:clrScheme name="Refined 6">
       <a:dk1>
-        <a:sysClr val="windowText" lastClr="000000"/>
+        <a:srgbClr val="000000"/>
       </a:dk1>
       <a:lt1>
-        <a:sysClr val="window" lastClr="FFFFFF"/>
+        <a:srgbClr val="FFFFFF"/>
       </a:lt1>
       <a:dk2>
-        <a:srgbClr val="1F497D"/>
+        <a:srgbClr val="000000"/>
       </a:dk2>
       <a:lt2>
-        <a:srgbClr val="EEECE1"/>
+        <a:srgbClr val="C0C0C0"/>
       </a:lt2>
       <a:accent1>
-        <a:srgbClr val="4F81BD"/>
+        <a:srgbClr val="CC3300"/>
       </a:accent1>
       <a:accent2>
-        <a:srgbClr val="C0504D"/>
+        <a:srgbClr val="666699"/>
       </a:accent2>
       <a:accent3>
-        <a:srgbClr val="9BBB59"/>
+        <a:srgbClr val="FFFFFF"/>
       </a:accent3>
       <a:accent4>
-        <a:srgbClr val="8064A2"/>
+        <a:srgbClr val="000000"/>
       </a:accent4>
       <a:accent5>
-        <a:srgbClr val="4BACC6"/>
+        <a:srgbClr val="E2ADAA"/>
       </a:accent5>
       <a:accent6>
-        <a:srgbClr val="F79646"/>
+        <a:srgbClr val="5C5C8A"/>
       </a:accent6>
       <a:hlink>
-        <a:srgbClr val="0000FF"/>
+        <a:srgbClr val="999900"/>
       </a:hlink>
       <a:folHlink>
-        <a:srgbClr val="800080"/>
+        <a:srgbClr val="4D4D4D"/>
       </a:folHlink>
     </a:clrScheme>
-    <a:fontScheme name="Office">
+    <a:fontScheme name="Refined">
       <a:majorFont>
-        <a:latin typeface="Calibri"/>
+        <a:latin typeface="Verdana"/>
         <a:ea typeface=""/>
         <a:cs typeface=""/>
-        <a:font script="Jpan" typeface="ＭＳ Ｐゴシック"/>
-        <a:font script="Hang" typeface="맑은 고딕"/>
-        <a:font script="Hans" typeface="宋体"/>
-        <a:font script="Hant" typeface="新細明體"/>
-        <a:font script="Arab" typeface="Times New Roman"/>
-        <a:font script="Hebr" typeface="Times New Roman"/>
-        <a:font script="Thai" typeface="Angsana New"/>
-        <a:font script="Ethi" typeface="Nyala"/>
-        <a:font script="Beng" typeface="Vrinda"/>
-        <a:font script="Gujr" typeface="Shruti"/>
-        <a:font script="Khmr" typeface="MoolBoran"/>
-        <a:font script="Knda" typeface="Tunga"/>
-        <a:font script="Guru" typeface="Raavi"/>
-        <a:font script="Cans" typeface="Euphemia"/>
-        <a:font script="Cher" typeface="Plantagenet Cherokee"/>
-        <a:font script="Yiii" typeface="Microsoft Yi Baiti"/>
-        <a:font script="Tibt" typeface="Microsoft Himalaya"/>
-        <a:font script="Thaa" typeface="MV Boli"/>
-        <a:font script="Deva" typeface="Mangal"/>
-        <a:font script="Telu" typeface="Gautami"/>
-        <a:font script="Taml" typeface="Latha"/>
-        <a:font script="Syrc" typeface="Estrangelo Edessa"/>
-        <a:font script="Orya" typeface="Kalinga"/>
-        <a:font script="Mlym" typeface="Kartika"/>
-        <a:font script="Laoo" typeface="DokChampa"/>
-        <a:font script="Sinh" typeface="Iskoola Pota"/>
-        <a:font script="Mong" typeface="Mongolian Baiti"/>
-        <a:font script="Viet" typeface="Times New Roman"/>
-        <a:font script="Uigh" typeface="Microsoft Uighur"/>
-        <a:font script="Geor" typeface="Sylfaen"/>
       </a:majorFont>
       <a:minorFont>
-        <a:latin typeface="Calibri"/>
+        <a:latin typeface="Arial"/>
         <a:ea typeface=""/>
         <a:cs typeface=""/>
-        <a:font script="Jpan" typeface="ＭＳ Ｐゴシック"/>
-        <a:font script="Hang" typeface="맑은 고딕"/>
-        <a:font script="Hans" typeface="宋体"/>
-        <a:font script="Hant" typeface="新細明體"/>
-        <a:font script="Arab" typeface="Arial"/>
-        <a:font script="Hebr" typeface="Arial"/>
-        <a:font script="Thai" typeface="Cordia New"/>
-        <a:font script="Ethi" typeface="Nyala"/>
-        <a:font script="Beng" typeface="Vrinda"/>
-        <a:font script="Gujr" typeface="Shruti"/>
-        <a:font script="Khmr" typeface="DaunPenh"/>
-        <a:font script="Knda" typeface="Tunga"/>
-        <a:font script="Guru" typeface="Raavi"/>
-        <a:font script="Cans" typeface="Euphemia"/>
-        <a:font script="Cher" typeface="Plantagenet Cherokee"/>
-        <a:font script="Yiii" typeface="Microsoft Yi Baiti"/>
-        <a:font script="Tibt" typeface="Microsoft Himalaya"/>
-        <a:font script="Thaa" typeface="MV Boli"/>
-        <a:font script="Deva" typeface="Mangal"/>
-        <a:font script="Telu" typeface="Gautami"/>
-        <a:font script="Taml" typeface="Latha"/>
-        <a:font script="Syrc" typeface="Estrangelo Edessa"/>
-        <a:font script="Orya" typeface="Kalinga"/>
-        <a:font script="Mlym" typeface="Kartika"/>
-        <a:font script="Laoo" typeface="DokChampa"/>
-        <a:font script="Sinh" typeface="Iskoola Pota"/>
-        <a:font script="Mong" typeface="Mongolian Baiti"/>
-        <a:font script="Viet" typeface="Arial"/>
-        <a:font script="Uigh" typeface="Microsoft Uighur"/>
-        <a:font script="Geor" typeface="Sylfaen"/>
       </a:minorFont>
     </a:fontScheme>
     <a:fmtScheme name="Office">
@@ -6708,7 +6804,442 @@
       </a:bgFillStyleLst>
     </a:fmtScheme>
   </a:themeElements>
-  <a:objectDefaults/>
-  <a:extraClrSchemeLst/>
+  <a:objectDefaults>
+    <a:spDef>
+      <a:spPr bwMode="auto">
+        <a:xfrm>
+          <a:off x="0" y="0"/>
+          <a:ext cx="1" cy="1"/>
+        </a:xfrm>
+        <a:custGeom>
+          <a:avLst/>
+          <a:gdLst/>
+          <a:ahLst/>
+          <a:cxnLst/>
+          <a:rect l="0" t="0" r="0" b="0"/>
+          <a:pathLst/>
+        </a:custGeom>
+        <a:solidFill>
+          <a:schemeClr val="accent1"/>
+        </a:solidFill>
+        <a:ln w="9525" cap="flat" cmpd="sng" algn="ctr">
+          <a:solidFill>
+            <a:schemeClr val="tx1"/>
+          </a:solidFill>
+          <a:prstDash val="solid"/>
+          <a:round/>
+          <a:headEnd type="none" w="med" len="med"/>
+          <a:tailEnd type="none" w="med" len="med"/>
+        </a:ln>
+        <a:effectLst/>
+        <a:extLst>
+          <a:ext uri="{AF507438-7753-43E0-B8FC-AC1667EBCBE1}">
+            <a14:hiddenEffects xmlns:a14="http://schemas.microsoft.com/office/drawing/2010/main">
+              <a:effectLst>
+                <a:outerShdw dist="35921" dir="2700000" algn="ctr" rotWithShape="0">
+                  <a:schemeClr val="bg2"/>
+                </a:outerShdw>
+              </a:effectLst>
+            </a14:hiddenEffects>
+          </a:ext>
+        </a:extLst>
+      </a:spPr>
+      <a:bodyPr vert="horz" wrap="square" lIns="91440" tIns="45720" rIns="91440" bIns="45720" numCol="1" anchor="t" anchorCtr="0" compatLnSpc="1">
+        <a:prstTxWarp prst="textNoShape">
+          <a:avLst/>
+        </a:prstTxWarp>
+      </a:bodyPr>
+      <a:lstStyle>
+        <a:defPPr marL="0" marR="0" indent="0" algn="l" defTabSz="914400" rtl="0" eaLnBrk="0" fontAlgn="base" latinLnBrk="0" hangingPunct="0">
+          <a:lnSpc>
+            <a:spcPct val="100000"/>
+          </a:lnSpc>
+          <a:spcBef>
+            <a:spcPct val="0"/>
+          </a:spcBef>
+          <a:spcAft>
+            <a:spcPct val="0"/>
+          </a:spcAft>
+          <a:buClrTx/>
+          <a:buSzTx/>
+          <a:buFontTx/>
+          <a:buNone/>
+          <a:tabLst/>
+          <a:defRPr kumimoji="0" lang="en-US" sz="1800" b="0" i="0" u="none" strike="noStrike" cap="none" normalizeH="0" baseline="0" smtClean="0">
+            <a:ln>
+              <a:noFill/>
+            </a:ln>
+            <a:solidFill>
+              <a:schemeClr val="tx1"/>
+            </a:solidFill>
+            <a:effectLst/>
+            <a:latin typeface="Arial" charset="0"/>
+          </a:defRPr>
+        </a:defPPr>
+      </a:lstStyle>
+    </a:spDef>
+    <a:lnDef>
+      <a:spPr bwMode="auto">
+        <a:xfrm>
+          <a:off x="0" y="0"/>
+          <a:ext cx="1" cy="1"/>
+        </a:xfrm>
+        <a:custGeom>
+          <a:avLst/>
+          <a:gdLst/>
+          <a:ahLst/>
+          <a:cxnLst/>
+          <a:rect l="0" t="0" r="0" b="0"/>
+          <a:pathLst/>
+        </a:custGeom>
+        <a:solidFill>
+          <a:schemeClr val="accent1"/>
+        </a:solidFill>
+        <a:ln w="9525" cap="flat" cmpd="sng" algn="ctr">
+          <a:solidFill>
+            <a:schemeClr val="tx1"/>
+          </a:solidFill>
+          <a:prstDash val="solid"/>
+          <a:round/>
+          <a:headEnd type="none" w="med" len="med"/>
+          <a:tailEnd type="none" w="med" len="med"/>
+        </a:ln>
+        <a:effectLst/>
+        <a:extLst>
+          <a:ext uri="{AF507438-7753-43E0-B8FC-AC1667EBCBE1}">
+            <a14:hiddenEffects xmlns:a14="http://schemas.microsoft.com/office/drawing/2010/main">
+              <a:effectLst>
+                <a:outerShdw dist="35921" dir="2700000" algn="ctr" rotWithShape="0">
+                  <a:schemeClr val="bg2"/>
+                </a:outerShdw>
+              </a:effectLst>
+            </a14:hiddenEffects>
+          </a:ext>
+        </a:extLst>
+      </a:spPr>
+      <a:bodyPr vert="horz" wrap="square" lIns="91440" tIns="45720" rIns="91440" bIns="45720" numCol="1" anchor="t" anchorCtr="0" compatLnSpc="1">
+        <a:prstTxWarp prst="textNoShape">
+          <a:avLst/>
+        </a:prstTxWarp>
+      </a:bodyPr>
+      <a:lstStyle>
+        <a:defPPr marL="0" marR="0" indent="0" algn="l" defTabSz="914400" rtl="0" eaLnBrk="0" fontAlgn="base" latinLnBrk="0" hangingPunct="0">
+          <a:lnSpc>
+            <a:spcPct val="100000"/>
+          </a:lnSpc>
+          <a:spcBef>
+            <a:spcPct val="0"/>
+          </a:spcBef>
+          <a:spcAft>
+            <a:spcPct val="0"/>
+          </a:spcAft>
+          <a:buClrTx/>
+          <a:buSzTx/>
+          <a:buFontTx/>
+          <a:buNone/>
+          <a:tabLst/>
+          <a:defRPr kumimoji="0" lang="en-US" sz="1800" b="0" i="0" u="none" strike="noStrike" cap="none" normalizeH="0" baseline="0" smtClean="0">
+            <a:ln>
+              <a:noFill/>
+            </a:ln>
+            <a:solidFill>
+              <a:schemeClr val="tx1"/>
+            </a:solidFill>
+            <a:effectLst/>
+            <a:latin typeface="Arial" charset="0"/>
+          </a:defRPr>
+        </a:defPPr>
+      </a:lstStyle>
+    </a:lnDef>
+  </a:objectDefaults>
+  <a:extraClrSchemeLst>
+    <a:extraClrScheme>
+      <a:clrScheme name="Refined 1">
+        <a:dk1>
+          <a:srgbClr val="666633"/>
+        </a:dk1>
+        <a:lt1>
+          <a:srgbClr val="FFFFFF"/>
+        </a:lt1>
+        <a:dk2>
+          <a:srgbClr val="000000"/>
+        </a:dk2>
+        <a:lt2>
+          <a:srgbClr val="FFFFFF"/>
+        </a:lt2>
+        <a:accent1>
+          <a:srgbClr val="666699"/>
+        </a:accent1>
+        <a:accent2>
+          <a:srgbClr val="990000"/>
+        </a:accent2>
+        <a:accent3>
+          <a:srgbClr val="AAAAAA"/>
+        </a:accent3>
+        <a:accent4>
+          <a:srgbClr val="DADADA"/>
+        </a:accent4>
+        <a:accent5>
+          <a:srgbClr val="B8B8CA"/>
+        </a:accent5>
+        <a:accent6>
+          <a:srgbClr val="8A0000"/>
+        </a:accent6>
+        <a:hlink>
+          <a:srgbClr val="999900"/>
+        </a:hlink>
+        <a:folHlink>
+          <a:srgbClr val="FFFFFF"/>
+        </a:folHlink>
+      </a:clrScheme>
+      <a:clrMap bg1="dk2" tx1="lt1" bg2="dk1" tx2="lt2" accent1="accent1" accent2="accent2" accent3="accent3" accent4="accent4" accent5="accent5" accent6="accent6" hlink="hlink" folHlink="folHlink"/>
+    </a:extraClrScheme>
+    <a:extraClrScheme>
+      <a:clrScheme name="Refined 2">
+        <a:dk1>
+          <a:srgbClr val="4D4D4D"/>
+        </a:dk1>
+        <a:lt1>
+          <a:srgbClr val="FFFFFF"/>
+        </a:lt1>
+        <a:dk2>
+          <a:srgbClr val="4A1102"/>
+        </a:dk2>
+        <a:lt2>
+          <a:srgbClr val="FFFFFF"/>
+        </a:lt2>
+        <a:accent1>
+          <a:srgbClr val="CC3300"/>
+        </a:accent1>
+        <a:accent2>
+          <a:srgbClr val="666699"/>
+        </a:accent2>
+        <a:accent3>
+          <a:srgbClr val="B1AAAA"/>
+        </a:accent3>
+        <a:accent4>
+          <a:srgbClr val="DADADA"/>
+        </a:accent4>
+        <a:accent5>
+          <a:srgbClr val="E2ADAA"/>
+        </a:accent5>
+        <a:accent6>
+          <a:srgbClr val="5C5C8A"/>
+        </a:accent6>
+        <a:hlink>
+          <a:srgbClr val="FF9900"/>
+        </a:hlink>
+        <a:folHlink>
+          <a:srgbClr val="FFFFFF"/>
+        </a:folHlink>
+      </a:clrScheme>
+      <a:clrMap bg1="dk2" tx1="lt1" bg2="dk1" tx2="lt2" accent1="accent1" accent2="accent2" accent3="accent3" accent4="accent4" accent5="accent5" accent6="accent6" hlink="hlink" folHlink="folHlink"/>
+    </a:extraClrScheme>
+    <a:extraClrScheme>
+      <a:clrScheme name="Refined 3">
+        <a:dk1>
+          <a:srgbClr val="666699"/>
+        </a:dk1>
+        <a:lt1>
+          <a:srgbClr val="FFFFFF"/>
+        </a:lt1>
+        <a:dk2>
+          <a:srgbClr val="400040"/>
+        </a:dk2>
+        <a:lt2>
+          <a:srgbClr val="FFFFFF"/>
+        </a:lt2>
+        <a:accent1>
+          <a:srgbClr val="FFCC00"/>
+        </a:accent1>
+        <a:accent2>
+          <a:srgbClr val="FF3300"/>
+        </a:accent2>
+        <a:accent3>
+          <a:srgbClr val="AFAAAF"/>
+        </a:accent3>
+        <a:accent4>
+          <a:srgbClr val="DADADA"/>
+        </a:accent4>
+        <a:accent5>
+          <a:srgbClr val="FFE2AA"/>
+        </a:accent5>
+        <a:accent6>
+          <a:srgbClr val="E72D00"/>
+        </a:accent6>
+        <a:hlink>
+          <a:srgbClr val="CC9900"/>
+        </a:hlink>
+        <a:folHlink>
+          <a:srgbClr val="CC3300"/>
+        </a:folHlink>
+      </a:clrScheme>
+      <a:clrMap bg1="dk2" tx1="lt1" bg2="dk1" tx2="lt2" accent1="accent1" accent2="accent2" accent3="accent3" accent4="accent4" accent5="accent5" accent6="accent6" hlink="hlink" folHlink="folHlink"/>
+    </a:extraClrScheme>
+    <a:extraClrScheme>
+      <a:clrScheme name="Refined 4">
+        <a:dk1>
+          <a:srgbClr val="4D4D4D"/>
+        </a:dk1>
+        <a:lt1>
+          <a:srgbClr val="FFFFFF"/>
+        </a:lt1>
+        <a:dk2>
+          <a:srgbClr val="006699"/>
+        </a:dk2>
+        <a:lt2>
+          <a:srgbClr val="CCECFF"/>
+        </a:lt2>
+        <a:accent1>
+          <a:srgbClr val="339966"/>
+        </a:accent1>
+        <a:accent2>
+          <a:srgbClr val="3366FF"/>
+        </a:accent2>
+        <a:accent3>
+          <a:srgbClr val="AAB8CA"/>
+        </a:accent3>
+        <a:accent4>
+          <a:srgbClr val="DADADA"/>
+        </a:accent4>
+        <a:accent5>
+          <a:srgbClr val="ADCAB8"/>
+        </a:accent5>
+        <a:accent6>
+          <a:srgbClr val="2D5CE7"/>
+        </a:accent6>
+        <a:hlink>
+          <a:srgbClr val="33CCFF"/>
+        </a:hlink>
+        <a:folHlink>
+          <a:srgbClr val="FFFFFF"/>
+        </a:folHlink>
+      </a:clrScheme>
+      <a:clrMap bg1="dk2" tx1="lt1" bg2="dk1" tx2="lt2" accent1="accent1" accent2="accent2" accent3="accent3" accent4="accent4" accent5="accent5" accent6="accent6" hlink="hlink" folHlink="folHlink"/>
+    </a:extraClrScheme>
+    <a:extraClrScheme>
+      <a:clrScheme name="Refined 5">
+        <a:dk1>
+          <a:srgbClr val="000000"/>
+        </a:dk1>
+        <a:lt1>
+          <a:srgbClr val="FFFFFF"/>
+        </a:lt1>
+        <a:dk2>
+          <a:srgbClr val="CC0000"/>
+        </a:dk2>
+        <a:lt2>
+          <a:srgbClr val="666699"/>
+        </a:lt2>
+        <a:accent1>
+          <a:srgbClr val="FF6600"/>
+        </a:accent1>
+        <a:accent2>
+          <a:srgbClr val="FF9933"/>
+        </a:accent2>
+        <a:accent3>
+          <a:srgbClr val="FFFFFF"/>
+        </a:accent3>
+        <a:accent4>
+          <a:srgbClr val="000000"/>
+        </a:accent4>
+        <a:accent5>
+          <a:srgbClr val="FFB8AA"/>
+        </a:accent5>
+        <a:accent6>
+          <a:srgbClr val="E78A2D"/>
+        </a:accent6>
+        <a:hlink>
+          <a:srgbClr val="FFCC00"/>
+        </a:hlink>
+        <a:folHlink>
+          <a:srgbClr val="333399"/>
+        </a:folHlink>
+      </a:clrScheme>
+      <a:clrMap bg1="lt1" tx1="dk1" bg2="lt2" tx2="dk2" accent1="accent1" accent2="accent2" accent3="accent3" accent4="accent4" accent5="accent5" accent6="accent6" hlink="hlink" folHlink="folHlink"/>
+    </a:extraClrScheme>
+    <a:extraClrScheme>
+      <a:clrScheme name="Refined 6">
+        <a:dk1>
+          <a:srgbClr val="000000"/>
+        </a:dk1>
+        <a:lt1>
+          <a:srgbClr val="FFFFFF"/>
+        </a:lt1>
+        <a:dk2>
+          <a:srgbClr val="000000"/>
+        </a:dk2>
+        <a:lt2>
+          <a:srgbClr val="C0C0C0"/>
+        </a:lt2>
+        <a:accent1>
+          <a:srgbClr val="CC3300"/>
+        </a:accent1>
+        <a:accent2>
+          <a:srgbClr val="666699"/>
+        </a:accent2>
+        <a:accent3>
+          <a:srgbClr val="FFFFFF"/>
+        </a:accent3>
+        <a:accent4>
+          <a:srgbClr val="000000"/>
+        </a:accent4>
+        <a:accent5>
+          <a:srgbClr val="E2ADAA"/>
+        </a:accent5>
+        <a:accent6>
+          <a:srgbClr val="5C5C8A"/>
+        </a:accent6>
+        <a:hlink>
+          <a:srgbClr val="999900"/>
+        </a:hlink>
+        <a:folHlink>
+          <a:srgbClr val="4D4D4D"/>
+        </a:folHlink>
+      </a:clrScheme>
+      <a:clrMap bg1="lt1" tx1="dk1" bg2="lt2" tx2="dk2" accent1="accent1" accent2="accent2" accent3="accent3" accent4="accent4" accent5="accent5" accent6="accent6" hlink="hlink" folHlink="folHlink"/>
+    </a:extraClrScheme>
+    <a:extraClrScheme>
+      <a:clrScheme name="Refined 7">
+        <a:dk1>
+          <a:srgbClr val="000000"/>
+        </a:dk1>
+        <a:lt1>
+          <a:srgbClr val="FFFFFF"/>
+        </a:lt1>
+        <a:dk2>
+          <a:srgbClr val="000066"/>
+        </a:dk2>
+        <a:lt2>
+          <a:srgbClr val="333399"/>
+        </a:lt2>
+        <a:accent1>
+          <a:srgbClr val="3399FF"/>
+        </a:accent1>
+        <a:accent2>
+          <a:srgbClr val="9999FF"/>
+        </a:accent2>
+        <a:accent3>
+          <a:srgbClr val="FFFFFF"/>
+        </a:accent3>
+        <a:accent4>
+          <a:srgbClr val="000000"/>
+        </a:accent4>
+        <a:accent5>
+          <a:srgbClr val="ADCAFF"/>
+        </a:accent5>
+        <a:accent6>
+          <a:srgbClr val="8A8AE7"/>
+        </a:accent6>
+        <a:hlink>
+          <a:srgbClr val="00CCFF"/>
+        </a:hlink>
+        <a:folHlink>
+          <a:srgbClr val="5F5F5F"/>
+        </a:folHlink>
+      </a:clrScheme>
+      <a:clrMap bg1="lt1" tx1="dk1" bg2="lt2" tx2="dk2" accent1="accent1" accent2="accent2" accent3="accent3" accent4="accent4" accent5="accent5" accent6="accent6" hlink="hlink" folHlink="folHlink"/>
+    </a:extraClrScheme>
+  </a:extraClrSchemeLst>
 </a:theme>
 </file>